--- a/docs/Schutte_Eindhoven_vdLaan_C&C.pptx
+++ b/docs/Schutte_Eindhoven_vdLaan_C&C.pptx
@@ -5,10 +5,10 @@
     <p:sldMasterId id="2147485011" r:id="rId4"/>
   </p:sldMasterIdLst>
   <p:notesMasterIdLst>
-    <p:notesMasterId r:id="rId30"/>
+    <p:notesMasterId r:id="rId33"/>
   </p:notesMasterIdLst>
   <p:handoutMasterIdLst>
-    <p:handoutMasterId r:id="rId31"/>
+    <p:handoutMasterId r:id="rId34"/>
   </p:handoutMasterIdLst>
   <p:sldIdLst>
     <p:sldId id="266" r:id="rId5"/>
@@ -18,29 +18,32 @@
     <p:sldId id="274" r:id="rId9"/>
     <p:sldId id="272" r:id="rId10"/>
     <p:sldId id="269" r:id="rId11"/>
-    <p:sldId id="278" r:id="rId12"/>
-    <p:sldId id="297" r:id="rId13"/>
-    <p:sldId id="295" r:id="rId14"/>
-    <p:sldId id="296" r:id="rId15"/>
-    <p:sldId id="294" r:id="rId16"/>
-    <p:sldId id="298" r:id="rId17"/>
-    <p:sldId id="299" r:id="rId18"/>
-    <p:sldId id="301" r:id="rId19"/>
-    <p:sldId id="287" r:id="rId20"/>
-    <p:sldId id="292" r:id="rId21"/>
-    <p:sldId id="293" r:id="rId22"/>
-    <p:sldId id="302" r:id="rId23"/>
-    <p:sldId id="303" r:id="rId24"/>
-    <p:sldId id="308" r:id="rId25"/>
+    <p:sldId id="295" r:id="rId12"/>
+    <p:sldId id="296" r:id="rId13"/>
+    <p:sldId id="312" r:id="rId14"/>
+    <p:sldId id="278" r:id="rId15"/>
+    <p:sldId id="297" r:id="rId16"/>
+    <p:sldId id="294" r:id="rId17"/>
+    <p:sldId id="298" r:id="rId18"/>
+    <p:sldId id="299" r:id="rId19"/>
+    <p:sldId id="301" r:id="rId20"/>
+    <p:sldId id="287" r:id="rId21"/>
+    <p:sldId id="292" r:id="rId22"/>
+    <p:sldId id="293" r:id="rId23"/>
+    <p:sldId id="302" r:id="rId24"/>
+    <p:sldId id="303" r:id="rId25"/>
     <p:sldId id="304" r:id="rId26"/>
-    <p:sldId id="309" r:id="rId27"/>
-    <p:sldId id="307" r:id="rId28"/>
-    <p:sldId id="285" r:id="rId29"/>
+    <p:sldId id="308" r:id="rId27"/>
+    <p:sldId id="309" r:id="rId28"/>
+    <p:sldId id="310" r:id="rId29"/>
+    <p:sldId id="311" r:id="rId30"/>
+    <p:sldId id="307" r:id="rId31"/>
+    <p:sldId id="285" r:id="rId32"/>
   </p:sldIdLst>
   <p:sldSz cx="12192000" cy="6858000"/>
   <p:notesSz cx="6858000" cy="9144000"/>
   <p:custDataLst>
-    <p:tags r:id="rId32"/>
+    <p:tags r:id="rId35"/>
   </p:custDataLst>
   <p:defaultTextStyle>
     <a:defPPr>
@@ -173,7 +176,7 @@
 <file path=ppt/revisionInfo.xml><?xml version="1.0" encoding="utf-8"?>
 <p1510:revInfo xmlns:a="http://schemas.openxmlformats.org/drawingml/2006/main" xmlns:r="http://schemas.openxmlformats.org/officeDocument/2006/relationships" xmlns:p1510="http://schemas.microsoft.com/office/powerpoint/2015/10/main">
   <p1510:revLst>
-    <p1510:client id="{22EDE314-6265-41FD-A59F-8C453C0C7957}" v="1014" dt="2020-06-24T18:39:42.613"/>
+    <p1510:client id="{22EDE314-6265-41FD-A59F-8C453C0C7957}" v="1366" dt="2020-06-25T11:25:37.435"/>
   </p1510:revLst>
 </p1510:revInfo>
 </file>
@@ -2366,7 +2369,7 @@
   <pc:docChgLst>
     <pc:chgData name="Mik Schutte" userId="48b1a0973960fc96" providerId="LiveId" clId="{22EDE314-6265-41FD-A59F-8C453C0C7957}"/>
     <pc:docChg chg="undo custSel addSld delSld modSld sldOrd">
-      <pc:chgData name="Mik Schutte" userId="48b1a0973960fc96" providerId="LiveId" clId="{22EDE314-6265-41FD-A59F-8C453C0C7957}" dt="2020-06-24T18:39:42.613" v="4143"/>
+      <pc:chgData name="Mik Schutte" userId="48b1a0973960fc96" providerId="LiveId" clId="{22EDE314-6265-41FD-A59F-8C453C0C7957}" dt="2020-06-25T11:37:50.587" v="5981" actId="20577"/>
       <pc:docMkLst>
         <pc:docMk/>
       </pc:docMkLst>
@@ -2400,7 +2403,7 @@
         </pc:sldMkLst>
       </pc:sldChg>
       <pc:sldChg chg="modSp">
-        <pc:chgData name="Mik Schutte" userId="48b1a0973960fc96" providerId="LiveId" clId="{22EDE314-6265-41FD-A59F-8C453C0C7957}" dt="2020-06-19T09:38:20.320" v="488" actId="20577"/>
+        <pc:chgData name="Mik Schutte" userId="48b1a0973960fc96" providerId="LiveId" clId="{22EDE314-6265-41FD-A59F-8C453C0C7957}" dt="2020-06-25T09:57:44.145" v="4407" actId="20577"/>
         <pc:sldMkLst>
           <pc:docMk/>
           <pc:sldMk cId="53478978" sldId="269"/>
@@ -2411,6 +2414,14 @@
             <pc:docMk/>
             <pc:sldMk cId="53478978" sldId="269"/>
             <ac:spMk id="3" creationId="{00000000-0000-0000-0000-000000000000}"/>
+          </ac:spMkLst>
+        </pc:spChg>
+        <pc:spChg chg="mod">
+          <ac:chgData name="Mik Schutte" userId="48b1a0973960fc96" providerId="LiveId" clId="{22EDE314-6265-41FD-A59F-8C453C0C7957}" dt="2020-06-25T09:57:44.145" v="4407" actId="20577"/>
+          <ac:spMkLst>
+            <pc:docMk/>
+            <pc:sldMk cId="53478978" sldId="269"/>
+            <ac:spMk id="4" creationId="{00000000-0000-0000-0000-000000000000}"/>
           </ac:spMkLst>
         </pc:spChg>
       </pc:sldChg>
@@ -2457,8 +2468,8 @@
           <pc:sldMk cId="3497679465" sldId="277"/>
         </pc:sldMkLst>
       </pc:sldChg>
-      <pc:sldChg chg="modSp">
-        <pc:chgData name="Mik Schutte" userId="48b1a0973960fc96" providerId="LiveId" clId="{22EDE314-6265-41FD-A59F-8C453C0C7957}" dt="2020-06-24T11:59:10.605" v="1594" actId="20577"/>
+      <pc:sldChg chg="modSp ord modNotesTx">
+        <pc:chgData name="Mik Schutte" userId="48b1a0973960fc96" providerId="LiveId" clId="{22EDE314-6265-41FD-A59F-8C453C0C7957}" dt="2020-06-25T09:59:13.983" v="4462" actId="20577"/>
         <pc:sldMkLst>
           <pc:docMk/>
           <pc:sldMk cId="591454676" sldId="278"/>
@@ -2472,7 +2483,7 @@
           </ac:spMkLst>
         </pc:spChg>
         <pc:spChg chg="mod">
-          <ac:chgData name="Mik Schutte" userId="48b1a0973960fc96" providerId="LiveId" clId="{22EDE314-6265-41FD-A59F-8C453C0C7957}" dt="2020-06-24T11:59:10.605" v="1594" actId="20577"/>
+          <ac:chgData name="Mik Schutte" userId="48b1a0973960fc96" providerId="LiveId" clId="{22EDE314-6265-41FD-A59F-8C453C0C7957}" dt="2020-06-25T09:58:28.704" v="4413" actId="20577"/>
           <ac:spMkLst>
             <pc:docMk/>
             <pc:sldMk cId="591454676" sldId="278"/>
@@ -2525,7 +2536,7 @@
         </pc:sldMkLst>
       </pc:sldChg>
       <pc:sldChg chg="delSp modSp delAnim">
-        <pc:chgData name="Mik Schutte" userId="48b1a0973960fc96" providerId="LiveId" clId="{22EDE314-6265-41FD-A59F-8C453C0C7957}" dt="2020-06-19T10:28:10.653" v="1300" actId="20577"/>
+        <pc:chgData name="Mik Schutte" userId="48b1a0973960fc96" providerId="LiveId" clId="{22EDE314-6265-41FD-A59F-8C453C0C7957}" dt="2020-06-25T10:02:57.716" v="4499" actId="20577"/>
         <pc:sldMkLst>
           <pc:docMk/>
           <pc:sldMk cId="1522339171" sldId="287"/>
@@ -2539,7 +2550,7 @@
           </ac:spMkLst>
         </pc:spChg>
         <pc:spChg chg="mod">
-          <ac:chgData name="Mik Schutte" userId="48b1a0973960fc96" providerId="LiveId" clId="{22EDE314-6265-41FD-A59F-8C453C0C7957}" dt="2020-06-19T10:28:10.653" v="1300" actId="20577"/>
+          <ac:chgData name="Mik Schutte" userId="48b1a0973960fc96" providerId="LiveId" clId="{22EDE314-6265-41FD-A59F-8C453C0C7957}" dt="2020-06-25T10:02:57.716" v="4499" actId="20577"/>
           <ac:spMkLst>
             <pc:docMk/>
             <pc:sldMk cId="1522339171" sldId="287"/>
@@ -2555,8 +2566,8 @@
           </ac:picMkLst>
         </pc:picChg>
       </pc:sldChg>
-      <pc:sldChg chg="addSp delSp modSp add ord modAnim">
-        <pc:chgData name="Mik Schutte" userId="48b1a0973960fc96" providerId="LiveId" clId="{22EDE314-6265-41FD-A59F-8C453C0C7957}" dt="2020-06-24T11:43:50.762" v="1538" actId="1076"/>
+      <pc:sldChg chg="addSp delSp modSp add ord modAnim modNotesTx">
+        <pc:chgData name="Mik Schutte" userId="48b1a0973960fc96" providerId="LiveId" clId="{22EDE314-6265-41FD-A59F-8C453C0C7957}" dt="2020-06-25T11:37:50.587" v="5981" actId="20577"/>
         <pc:sldMkLst>
           <pc:docMk/>
           <pc:sldMk cId="3335712113" sldId="288"/>
@@ -2790,7 +2801,7 @@
         </pc:spChg>
       </pc:sldChg>
       <pc:sldChg chg="modSp add">
-        <pc:chgData name="Mik Schutte" userId="48b1a0973960fc96" providerId="LiveId" clId="{22EDE314-6265-41FD-A59F-8C453C0C7957}" dt="2020-06-24T12:35:20.764" v="2800" actId="20577"/>
+        <pc:chgData name="Mik Schutte" userId="48b1a0973960fc96" providerId="LiveId" clId="{22EDE314-6265-41FD-A59F-8C453C0C7957}" dt="2020-06-25T10:07:34.743" v="4673" actId="20577"/>
         <pc:sldMkLst>
           <pc:docMk/>
           <pc:sldMk cId="908462668" sldId="293"/>
@@ -2804,7 +2815,7 @@
           </ac:spMkLst>
         </pc:spChg>
         <pc:spChg chg="mod">
-          <ac:chgData name="Mik Schutte" userId="48b1a0973960fc96" providerId="LiveId" clId="{22EDE314-6265-41FD-A59F-8C453C0C7957}" dt="2020-06-24T12:35:20.764" v="2800" actId="20577"/>
+          <ac:chgData name="Mik Schutte" userId="48b1a0973960fc96" providerId="LiveId" clId="{22EDE314-6265-41FD-A59F-8C453C0C7957}" dt="2020-06-25T10:07:34.743" v="4673" actId="20577"/>
           <ac:spMkLst>
             <pc:docMk/>
             <pc:sldMk cId="908462668" sldId="293"/>
@@ -2835,7 +2846,7 @@
         </pc:spChg>
       </pc:sldChg>
       <pc:sldChg chg="addSp delSp modSp add">
-        <pc:chgData name="Mik Schutte" userId="48b1a0973960fc96" providerId="LiveId" clId="{22EDE314-6265-41FD-A59F-8C453C0C7957}" dt="2020-06-24T11:59:34.020" v="1607" actId="20577"/>
+        <pc:chgData name="Mik Schutte" userId="48b1a0973960fc96" providerId="LiveId" clId="{22EDE314-6265-41FD-A59F-8C453C0C7957}" dt="2020-06-25T11:13:49.308" v="5881"/>
         <pc:sldMkLst>
           <pc:docMk/>
           <pc:sldMk cId="876689502" sldId="296"/>
@@ -2872,6 +2883,14 @@
             <ac:picMk id="5" creationId="{A1EC8D74-5A39-4147-9BDB-906FAE999A06}"/>
           </ac:picMkLst>
         </pc:picChg>
+        <pc:picChg chg="add del mod">
+          <ac:chgData name="Mik Schutte" userId="48b1a0973960fc96" providerId="LiveId" clId="{22EDE314-6265-41FD-A59F-8C453C0C7957}" dt="2020-06-25T11:13:49.308" v="5881"/>
+          <ac:picMkLst>
+            <pc:docMk/>
+            <pc:sldMk cId="876689502" sldId="296"/>
+            <ac:picMk id="5" creationId="{A4E4711C-6B8D-411F-A04B-F47B19003DCC}"/>
+          </ac:picMkLst>
+        </pc:picChg>
         <pc:picChg chg="del">
           <ac:chgData name="Mik Schutte" userId="48b1a0973960fc96" providerId="LiveId" clId="{22EDE314-6265-41FD-A59F-8C453C0C7957}" dt="2020-06-24T11:44:08.672" v="1541" actId="478"/>
           <ac:picMkLst>
@@ -2890,7 +2909,7 @@
         </pc:picChg>
       </pc:sldChg>
       <pc:sldChg chg="addSp delSp modSp add ord">
-        <pc:chgData name="Mik Schutte" userId="48b1a0973960fc96" providerId="LiveId" clId="{22EDE314-6265-41FD-A59F-8C453C0C7957}" dt="2020-06-24T12:04:55.471" v="1798" actId="20577"/>
+        <pc:chgData name="Mik Schutte" userId="48b1a0973960fc96" providerId="LiveId" clId="{22EDE314-6265-41FD-A59F-8C453C0C7957}" dt="2020-06-25T09:57:50.827" v="4408"/>
         <pc:sldMkLst>
           <pc:docMk/>
           <pc:sldMk cId="340383287" sldId="297"/>
@@ -2904,7 +2923,7 @@
           </ac:spMkLst>
         </pc:spChg>
         <pc:spChg chg="mod">
-          <ac:chgData name="Mik Schutte" userId="48b1a0973960fc96" providerId="LiveId" clId="{22EDE314-6265-41FD-A59F-8C453C0C7957}" dt="2020-06-24T12:04:55.471" v="1798" actId="20577"/>
+          <ac:chgData name="Mik Schutte" userId="48b1a0973960fc96" providerId="LiveId" clId="{22EDE314-6265-41FD-A59F-8C453C0C7957}" dt="2020-06-25T08:33:55.830" v="4261" actId="1076"/>
           <ac:spMkLst>
             <pc:docMk/>
             <pc:sldMk cId="340383287" sldId="297"/>
@@ -3084,13 +3103,13 @@
         </pc:sldMkLst>
       </pc:sldChg>
       <pc:sldChg chg="modSp add ord">
-        <pc:chgData name="Mik Schutte" userId="48b1a0973960fc96" providerId="LiveId" clId="{22EDE314-6265-41FD-A59F-8C453C0C7957}" dt="2020-06-24T12:35:52.572" v="2816" actId="20577"/>
+        <pc:chgData name="Mik Schutte" userId="48b1a0973960fc96" providerId="LiveId" clId="{22EDE314-6265-41FD-A59F-8C453C0C7957}" dt="2020-06-25T10:08:39.085" v="4698" actId="20577"/>
         <pc:sldMkLst>
           <pc:docMk/>
           <pc:sldMk cId="1320265218" sldId="302"/>
         </pc:sldMkLst>
         <pc:spChg chg="mod">
-          <ac:chgData name="Mik Schutte" userId="48b1a0973960fc96" providerId="LiveId" clId="{22EDE314-6265-41FD-A59F-8C453C0C7957}" dt="2020-06-24T12:35:52.572" v="2816" actId="20577"/>
+          <ac:chgData name="Mik Schutte" userId="48b1a0973960fc96" providerId="LiveId" clId="{22EDE314-6265-41FD-A59F-8C453C0C7957}" dt="2020-06-25T10:08:39.085" v="4698" actId="20577"/>
           <ac:spMkLst>
             <pc:docMk/>
             <pc:sldMk cId="1320265218" sldId="302"/>
@@ -3099,7 +3118,7 @@
         </pc:spChg>
       </pc:sldChg>
       <pc:sldChg chg="addSp delSp modSp add modAnim">
-        <pc:chgData name="Mik Schutte" userId="48b1a0973960fc96" providerId="LiveId" clId="{22EDE314-6265-41FD-A59F-8C453C0C7957}" dt="2020-06-24T18:33:40.736" v="3754" actId="478"/>
+        <pc:chgData name="Mik Schutte" userId="48b1a0973960fc96" providerId="LiveId" clId="{22EDE314-6265-41FD-A59F-8C453C0C7957}" dt="2020-06-25T11:25:22.711" v="5912" actId="20577"/>
         <pc:sldMkLst>
           <pc:docMk/>
           <pc:sldMk cId="4162613516" sldId="303"/>
@@ -3161,7 +3180,7 @@
           </ac:spMkLst>
         </pc:spChg>
         <pc:spChg chg="add mod">
-          <ac:chgData name="Mik Schutte" userId="48b1a0973960fc96" providerId="LiveId" clId="{22EDE314-6265-41FD-A59F-8C453C0C7957}" dt="2020-06-24T18:23:20.361" v="3155" actId="20577"/>
+          <ac:chgData name="Mik Schutte" userId="48b1a0973960fc96" providerId="LiveId" clId="{22EDE314-6265-41FD-A59F-8C453C0C7957}" dt="2020-06-25T08:10:56.522" v="4197" actId="20577"/>
           <ac:spMkLst>
             <pc:docMk/>
             <pc:sldMk cId="4162613516" sldId="303"/>
@@ -3169,7 +3188,7 @@
           </ac:spMkLst>
         </pc:spChg>
         <pc:spChg chg="add mod">
-          <ac:chgData name="Mik Schutte" userId="48b1a0973960fc96" providerId="LiveId" clId="{22EDE314-6265-41FD-A59F-8C453C0C7957}" dt="2020-06-24T18:28:45.105" v="3440" actId="20577"/>
+          <ac:chgData name="Mik Schutte" userId="48b1a0973960fc96" providerId="LiveId" clId="{22EDE314-6265-41FD-A59F-8C453C0C7957}" dt="2020-06-25T08:11:22.976" v="4222" actId="1076"/>
           <ac:spMkLst>
             <pc:docMk/>
             <pc:sldMk cId="4162613516" sldId="303"/>
@@ -3184,8 +3203,8 @@
             <ac:spMk id="28" creationId="{D1B21536-0A06-4FBC-A798-02848B8EC2A0}"/>
           </ac:spMkLst>
         </pc:spChg>
-        <pc:spChg chg="add">
-          <ac:chgData name="Mik Schutte" userId="48b1a0973960fc96" providerId="LiveId" clId="{22EDE314-6265-41FD-A59F-8C453C0C7957}" dt="2020-06-24T18:33:38.422" v="3753"/>
+        <pc:spChg chg="add mod">
+          <ac:chgData name="Mik Schutte" userId="48b1a0973960fc96" providerId="LiveId" clId="{22EDE314-6265-41FD-A59F-8C453C0C7957}" dt="2020-06-25T11:25:22.711" v="5912" actId="20577"/>
           <ac:spMkLst>
             <pc:docMk/>
             <pc:sldMk cId="4162613516" sldId="303"/>
@@ -3250,13 +3269,13 @@
         </pc:picChg>
       </pc:sldChg>
       <pc:sldChg chg="addSp delSp modSp add delAnim modAnim">
-        <pc:chgData name="Mik Schutte" userId="48b1a0973960fc96" providerId="LiveId" clId="{22EDE314-6265-41FD-A59F-8C453C0C7957}" dt="2020-06-24T18:25:50.176" v="3183"/>
+        <pc:chgData name="Mik Schutte" userId="48b1a0973960fc96" providerId="LiveId" clId="{22EDE314-6265-41FD-A59F-8C453C0C7957}" dt="2020-06-25T11:25:52.734" v="5950" actId="20577"/>
         <pc:sldMkLst>
           <pc:docMk/>
           <pc:sldMk cId="1701596052" sldId="304"/>
         </pc:sldMkLst>
         <pc:spChg chg="mod">
-          <ac:chgData name="Mik Schutte" userId="48b1a0973960fc96" providerId="LiveId" clId="{22EDE314-6265-41FD-A59F-8C453C0C7957}" dt="2020-06-24T14:30:00.428" v="2981" actId="1076"/>
+          <ac:chgData name="Mik Schutte" userId="48b1a0973960fc96" providerId="LiveId" clId="{22EDE314-6265-41FD-A59F-8C453C0C7957}" dt="2020-06-25T11:25:52.734" v="5950" actId="20577"/>
           <ac:spMkLst>
             <pc:docMk/>
             <pc:sldMk cId="1701596052" sldId="304"/>
@@ -3279,8 +3298,8 @@
             <ac:spMk id="9" creationId="{7946AF8D-F706-49C1-AB99-EBFD447C38ED}"/>
           </ac:spMkLst>
         </pc:spChg>
-        <pc:spChg chg="add">
-          <ac:chgData name="Mik Schutte" userId="48b1a0973960fc96" providerId="LiveId" clId="{22EDE314-6265-41FD-A59F-8C453C0C7957}" dt="2020-06-24T18:24:17.119" v="3172"/>
+        <pc:spChg chg="add mod">
+          <ac:chgData name="Mik Schutte" userId="48b1a0973960fc96" providerId="LiveId" clId="{22EDE314-6265-41FD-A59F-8C453C0C7957}" dt="2020-06-25T08:11:37.393" v="4249" actId="20577"/>
           <ac:spMkLst>
             <pc:docMk/>
             <pc:sldMk cId="1701596052" sldId="304"/>
@@ -3288,7 +3307,7 @@
           </ac:spMkLst>
         </pc:spChg>
         <pc:spChg chg="add mod">
-          <ac:chgData name="Mik Schutte" userId="48b1a0973960fc96" providerId="LiveId" clId="{22EDE314-6265-41FD-A59F-8C453C0C7957}" dt="2020-06-24T18:25:38.065" v="3180" actId="1076"/>
+          <ac:chgData name="Mik Schutte" userId="48b1a0973960fc96" providerId="LiveId" clId="{22EDE314-6265-41FD-A59F-8C453C0C7957}" dt="2020-06-25T08:12:11.933" v="4253" actId="1076"/>
           <ac:spMkLst>
             <pc:docMk/>
             <pc:sldMk cId="1701596052" sldId="304"/>
@@ -3367,13 +3386,13 @@
         </pc:spChg>
       </pc:sldChg>
       <pc:sldChg chg="modSp add">
-        <pc:chgData name="Mik Schutte" userId="48b1a0973960fc96" providerId="LiveId" clId="{22EDE314-6265-41FD-A59F-8C453C0C7957}" dt="2020-06-24T18:38:52.817" v="4112" actId="27636"/>
+        <pc:chgData name="Mik Schutte" userId="48b1a0973960fc96" providerId="LiveId" clId="{22EDE314-6265-41FD-A59F-8C453C0C7957}" dt="2020-06-25T10:27:38.132" v="5533" actId="20577"/>
         <pc:sldMkLst>
           <pc:docMk/>
           <pc:sldMk cId="872366630" sldId="307"/>
         </pc:sldMkLst>
         <pc:spChg chg="mod">
-          <ac:chgData name="Mik Schutte" userId="48b1a0973960fc96" providerId="LiveId" clId="{22EDE314-6265-41FD-A59F-8C453C0C7957}" dt="2020-06-24T15:04:51.992" v="3049" actId="20577"/>
+          <ac:chgData name="Mik Schutte" userId="48b1a0973960fc96" providerId="LiveId" clId="{22EDE314-6265-41FD-A59F-8C453C0C7957}" dt="2020-06-25T10:17:31.602" v="4701" actId="20577"/>
           <ac:spMkLst>
             <pc:docMk/>
             <pc:sldMk cId="872366630" sldId="307"/>
@@ -3381,7 +3400,7 @@
           </ac:spMkLst>
         </pc:spChg>
         <pc:spChg chg="mod">
-          <ac:chgData name="Mik Schutte" userId="48b1a0973960fc96" providerId="LiveId" clId="{22EDE314-6265-41FD-A59F-8C453C0C7957}" dt="2020-06-24T18:38:52.817" v="4112" actId="27636"/>
+          <ac:chgData name="Mik Schutte" userId="48b1a0973960fc96" providerId="LiveId" clId="{22EDE314-6265-41FD-A59F-8C453C0C7957}" dt="2020-06-25T10:27:38.132" v="5533" actId="20577"/>
           <ac:spMkLst>
             <pc:docMk/>
             <pc:sldMk cId="872366630" sldId="307"/>
@@ -3389,8 +3408,8 @@
           </ac:spMkLst>
         </pc:spChg>
       </pc:sldChg>
-      <pc:sldChg chg="addSp delSp modSp add modAnim">
-        <pc:chgData name="Mik Schutte" userId="48b1a0973960fc96" providerId="LiveId" clId="{22EDE314-6265-41FD-A59F-8C453C0C7957}" dt="2020-06-24T18:36:27.694" v="3793" actId="1076"/>
+      <pc:sldChg chg="addSp delSp modSp add ord modAnim">
+        <pc:chgData name="Mik Schutte" userId="48b1a0973960fc96" providerId="LiveId" clId="{22EDE314-6265-41FD-A59F-8C453C0C7957}" dt="2020-06-25T11:26:11.198" v="5961" actId="20577"/>
         <pc:sldMkLst>
           <pc:docMk/>
           <pc:sldMk cId="3315980202" sldId="308"/>
@@ -3419,8 +3438,8 @@
             <ac:spMk id="6" creationId="{0968B9E4-1BA0-40C4-9948-7D05E8A2FC52}"/>
           </ac:spMkLst>
         </pc:spChg>
-        <pc:spChg chg="add">
-          <ac:chgData name="Mik Schutte" userId="48b1a0973960fc96" providerId="LiveId" clId="{22EDE314-6265-41FD-A59F-8C453C0C7957}" dt="2020-06-24T18:33:33.083" v="3750"/>
+        <pc:spChg chg="add mod">
+          <ac:chgData name="Mik Schutte" userId="48b1a0973960fc96" providerId="LiveId" clId="{22EDE314-6265-41FD-A59F-8C453C0C7957}" dt="2020-06-25T11:26:11.198" v="5961" actId="20577"/>
           <ac:spMkLst>
             <pc:docMk/>
             <pc:sldMk cId="3315980202" sldId="308"/>
@@ -3468,12 +3487,20 @@
           </ac:picMkLst>
         </pc:picChg>
       </pc:sldChg>
-      <pc:sldChg chg="delSp modSp add modAnim">
-        <pc:chgData name="Mik Schutte" userId="48b1a0973960fc96" providerId="LiveId" clId="{22EDE314-6265-41FD-A59F-8C453C0C7957}" dt="2020-06-24T18:38:02.948" v="4097" actId="20577"/>
+      <pc:sldChg chg="delSp modSp add ord modAnim">
+        <pc:chgData name="Mik Schutte" userId="48b1a0973960fc96" providerId="LiveId" clId="{22EDE314-6265-41FD-A59F-8C453C0C7957}" dt="2020-06-25T11:26:16.343" v="5972" actId="20577"/>
         <pc:sldMkLst>
           <pc:docMk/>
           <pc:sldMk cId="3167704211" sldId="309"/>
         </pc:sldMkLst>
+        <pc:spChg chg="mod">
+          <ac:chgData name="Mik Schutte" userId="48b1a0973960fc96" providerId="LiveId" clId="{22EDE314-6265-41FD-A59F-8C453C0C7957}" dt="2020-06-25T11:26:16.343" v="5972" actId="20577"/>
+          <ac:spMkLst>
+            <pc:docMk/>
+            <pc:sldMk cId="3167704211" sldId="309"/>
+            <ac:spMk id="3" creationId="{00000000-0000-0000-0000-000000000000}"/>
+          </ac:spMkLst>
+        </pc:spChg>
         <pc:spChg chg="mod">
           <ac:chgData name="Mik Schutte" userId="48b1a0973960fc96" providerId="LiveId" clId="{22EDE314-6265-41FD-A59F-8C453C0C7957}" dt="2020-06-24T18:32:54.789" v="3692" actId="14100"/>
           <ac:spMkLst>
@@ -3514,6 +3541,138 @@
             <ac:picMk id="14" creationId="{C2C8A11A-B906-4585-90FB-0A467E034C54}"/>
           </ac:picMkLst>
         </pc:picChg>
+      </pc:sldChg>
+      <pc:sldChg chg="addSp delSp modSp add modAnim modNotesTx">
+        <pc:chgData name="Mik Schutte" userId="48b1a0973960fc96" providerId="LiveId" clId="{22EDE314-6265-41FD-A59F-8C453C0C7957}" dt="2020-06-25T11:10:16.704" v="5874" actId="1076"/>
+        <pc:sldMkLst>
+          <pc:docMk/>
+          <pc:sldMk cId="3665134619" sldId="310"/>
+        </pc:sldMkLst>
+        <pc:spChg chg="mod">
+          <ac:chgData name="Mik Schutte" userId="48b1a0973960fc96" providerId="LiveId" clId="{22EDE314-6265-41FD-A59F-8C453C0C7957}" dt="2020-06-25T11:09:45.253" v="5863" actId="20577"/>
+          <ac:spMkLst>
+            <pc:docMk/>
+            <pc:sldMk cId="3665134619" sldId="310"/>
+            <ac:spMk id="15" creationId="{D668B4C8-DE37-444E-9BCC-D54DA163D3AD}"/>
+          </ac:spMkLst>
+        </pc:spChg>
+        <pc:picChg chg="add del mod">
+          <ac:chgData name="Mik Schutte" userId="48b1a0973960fc96" providerId="LiveId" clId="{22EDE314-6265-41FD-A59F-8C453C0C7957}" dt="2020-06-25T11:00:18.837" v="5538" actId="478"/>
+          <ac:picMkLst>
+            <pc:docMk/>
+            <pc:sldMk cId="3665134619" sldId="310"/>
+            <ac:picMk id="5" creationId="{3FF7E35B-3831-462F-9D93-F4B2BFC47B59}"/>
+          </ac:picMkLst>
+        </pc:picChg>
+        <pc:picChg chg="add mod ord">
+          <ac:chgData name="Mik Schutte" userId="48b1a0973960fc96" providerId="LiveId" clId="{22EDE314-6265-41FD-A59F-8C453C0C7957}" dt="2020-06-25T11:06:00.021" v="5634" actId="1076"/>
+          <ac:picMkLst>
+            <pc:docMk/>
+            <pc:sldMk cId="3665134619" sldId="310"/>
+            <ac:picMk id="7" creationId="{B0A6F249-76EF-4985-8287-757D59190C07}"/>
+          </ac:picMkLst>
+        </pc:picChg>
+        <pc:picChg chg="add mod">
+          <ac:chgData name="Mik Schutte" userId="48b1a0973960fc96" providerId="LiveId" clId="{22EDE314-6265-41FD-A59F-8C453C0C7957}" dt="2020-06-25T11:10:16.704" v="5874" actId="1076"/>
+          <ac:picMkLst>
+            <pc:docMk/>
+            <pc:sldMk cId="3665134619" sldId="310"/>
+            <ac:picMk id="9" creationId="{58C015F5-39BD-44C0-84D5-D97C527AC59E}"/>
+          </ac:picMkLst>
+        </pc:picChg>
+        <pc:picChg chg="del">
+          <ac:chgData name="Mik Schutte" userId="48b1a0973960fc96" providerId="LiveId" clId="{22EDE314-6265-41FD-A59F-8C453C0C7957}" dt="2020-06-25T10:16:39.286" v="4699" actId="478"/>
+          <ac:picMkLst>
+            <pc:docMk/>
+            <pc:sldMk cId="3665134619" sldId="310"/>
+            <ac:picMk id="11" creationId="{AEECB637-3EFB-47A0-8EB1-180265996979}"/>
+          </ac:picMkLst>
+        </pc:picChg>
+        <pc:picChg chg="del">
+          <ac:chgData name="Mik Schutte" userId="48b1a0973960fc96" providerId="LiveId" clId="{22EDE314-6265-41FD-A59F-8C453C0C7957}" dt="2020-06-25T10:16:40.373" v="4700" actId="478"/>
+          <ac:picMkLst>
+            <pc:docMk/>
+            <pc:sldMk cId="3665134619" sldId="310"/>
+            <ac:picMk id="14" creationId="{C2C8A11A-B906-4585-90FB-0A467E034C54}"/>
+          </ac:picMkLst>
+        </pc:picChg>
+      </pc:sldChg>
+      <pc:sldChg chg="modSp add ord">
+        <pc:chgData name="Mik Schutte" userId="48b1a0973960fc96" providerId="LiveId" clId="{22EDE314-6265-41FD-A59F-8C453C0C7957}" dt="2020-06-25T10:23:00.457" v="5367" actId="20577"/>
+        <pc:sldMkLst>
+          <pc:docMk/>
+          <pc:sldMk cId="3930105510" sldId="311"/>
+        </pc:sldMkLst>
+        <pc:spChg chg="mod">
+          <ac:chgData name="Mik Schutte" userId="48b1a0973960fc96" providerId="LiveId" clId="{22EDE314-6265-41FD-A59F-8C453C0C7957}" dt="2020-06-25T10:17:41.062" v="4714" actId="20577"/>
+          <ac:spMkLst>
+            <pc:docMk/>
+            <pc:sldMk cId="3930105510" sldId="311"/>
+            <ac:spMk id="3" creationId="{00000000-0000-0000-0000-000000000000}"/>
+          </ac:spMkLst>
+        </pc:spChg>
+        <pc:spChg chg="mod">
+          <ac:chgData name="Mik Schutte" userId="48b1a0973960fc96" providerId="LiveId" clId="{22EDE314-6265-41FD-A59F-8C453C0C7957}" dt="2020-06-25T10:23:00.457" v="5367" actId="20577"/>
+          <ac:spMkLst>
+            <pc:docMk/>
+            <pc:sldMk cId="3930105510" sldId="311"/>
+            <ac:spMk id="4" creationId="{00000000-0000-0000-0000-000000000000}"/>
+          </ac:spMkLst>
+        </pc:spChg>
+      </pc:sldChg>
+      <pc:sldChg chg="addSp delSp modSp add">
+        <pc:chgData name="Mik Schutte" userId="48b1a0973960fc96" providerId="LiveId" clId="{22EDE314-6265-41FD-A59F-8C453C0C7957}" dt="2020-06-25T11:14:44.342" v="5897" actId="1076"/>
+        <pc:sldMkLst>
+          <pc:docMk/>
+          <pc:sldMk cId="62713437" sldId="312"/>
+        </pc:sldMkLst>
+        <pc:spChg chg="del">
+          <ac:chgData name="Mik Schutte" userId="48b1a0973960fc96" providerId="LiveId" clId="{22EDE314-6265-41FD-A59F-8C453C0C7957}" dt="2020-06-25T11:13:56.060" v="5883" actId="478"/>
+          <ac:spMkLst>
+            <pc:docMk/>
+            <pc:sldMk cId="62713437" sldId="312"/>
+            <ac:spMk id="4" creationId="{00000000-0000-0000-0000-000000000000}"/>
+          </ac:spMkLst>
+        </pc:spChg>
+        <pc:spChg chg="add del mod">
+          <ac:chgData name="Mik Schutte" userId="48b1a0973960fc96" providerId="LiveId" clId="{22EDE314-6265-41FD-A59F-8C453C0C7957}" dt="2020-06-25T11:14:00.873" v="5886" actId="478"/>
+          <ac:spMkLst>
+            <pc:docMk/>
+            <pc:sldMk cId="62713437" sldId="312"/>
+            <ac:spMk id="5" creationId="{3BC35855-0715-4498-96E0-1FF82A2A39FC}"/>
+          </ac:spMkLst>
+        </pc:spChg>
+        <pc:picChg chg="add mod">
+          <ac:chgData name="Mik Schutte" userId="48b1a0973960fc96" providerId="LiveId" clId="{22EDE314-6265-41FD-A59F-8C453C0C7957}" dt="2020-06-25T11:14:18.868" v="5894" actId="1076"/>
+          <ac:picMkLst>
+            <pc:docMk/>
+            <pc:sldMk cId="62713437" sldId="312"/>
+            <ac:picMk id="7" creationId="{5489440F-D707-4AB7-8128-38E8A6422841}"/>
+          </ac:picMkLst>
+        </pc:picChg>
+        <pc:picChg chg="add del mod">
+          <ac:chgData name="Mik Schutte" userId="48b1a0973960fc96" providerId="LiveId" clId="{22EDE314-6265-41FD-A59F-8C453C0C7957}" dt="2020-06-25T11:14:44.342" v="5897" actId="1076"/>
+          <ac:picMkLst>
+            <pc:docMk/>
+            <pc:sldMk cId="62713437" sldId="312"/>
+            <ac:picMk id="9" creationId="{7E71D9F0-0C28-483C-B67F-D1E9E2DEC092}"/>
+          </ac:picMkLst>
+        </pc:picChg>
+      </pc:sldChg>
+      <pc:sldChg chg="modSp add del">
+        <pc:chgData name="Mik Schutte" userId="48b1a0973960fc96" providerId="LiveId" clId="{22EDE314-6265-41FD-A59F-8C453C0C7957}" dt="2020-06-25T10:24:11.065" v="5378" actId="2696"/>
+        <pc:sldMkLst>
+          <pc:docMk/>
+          <pc:sldMk cId="3804770341" sldId="312"/>
+        </pc:sldMkLst>
+        <pc:spChg chg="mod">
+          <ac:chgData name="Mik Schutte" userId="48b1a0973960fc96" providerId="LiveId" clId="{22EDE314-6265-41FD-A59F-8C453C0C7957}" dt="2020-06-25T10:23:28.008" v="5377" actId="20577"/>
+          <ac:spMkLst>
+            <pc:docMk/>
+            <pc:sldMk cId="3804770341" sldId="312"/>
+            <ac:spMk id="3" creationId="{00000000-0000-0000-0000-000000000000}"/>
+          </ac:spMkLst>
+        </pc:spChg>
       </pc:sldChg>
     </pc:docChg>
   </pc:docChgLst>
@@ -3603,7 +3762,7 @@
             <a:fld id="{69B3FC99-108D-4695-8AF1-2D7D2FAECB94}" type="datetimeFigureOut">
               <a:rPr lang="en-US" smtClean="0"/>
               <a:pPr/>
-              <a:t>6/24/2020</a:t>
+              <a:t>6/25/2020</a:t>
             </a:fld>
             <a:endParaRPr lang="en-GB" dirty="0"/>
           </a:p>
@@ -3771,7 +3930,7 @@
             <a:fld id="{556A9597-787D-4A4E-A08C-2F4F459F2753}" type="datetimeFigureOut">
               <a:rPr lang="en-US" smtClean="0"/>
               <a:pPr/>
-              <a:t>6/24/2020</a:t>
+              <a:t>6/25/2020</a:t>
             </a:fld>
             <a:endParaRPr lang="en-GB" dirty="0"/>
           </a:p>
@@ -4088,8 +4247,8 @@
           <a:lstStyle/>
           <a:p>
             <a:r>
-              <a:rPr lang="en-GB" dirty="0"/>
-              <a:t>Intersections</a:t>
+              <a:rPr lang="en-GB"/>
+              <a:t>Manhattan</a:t>
             </a:r>
           </a:p>
         </p:txBody>
@@ -4097,7 +4256,7 @@
     </p:spTree>
     <p:extLst>
       <p:ext uri="{BB962C8B-B14F-4D97-AF65-F5344CB8AC3E}">
-        <p14:creationId xmlns:p14="http://schemas.microsoft.com/office/powerpoint/2010/main" val="1136115549"/>
+        <p14:creationId xmlns:p14="http://schemas.microsoft.com/office/powerpoint/2010/main" val="4280546546"/>
       </p:ext>
     </p:extLst>
   </p:cSld>
@@ -4108,6 +4267,283 @@
 </file>
 
 <file path=ppt/notesSlides/notesSlide10.xml><?xml version="1.0" encoding="utf-8"?>
+<p:notes xmlns:a="http://schemas.openxmlformats.org/drawingml/2006/main" xmlns:r="http://schemas.openxmlformats.org/officeDocument/2006/relationships" xmlns:p="http://schemas.openxmlformats.org/presentationml/2006/main">
+  <p:cSld>
+    <p:spTree>
+      <p:nvGrpSpPr>
+        <p:cNvPr id="1" name=""/>
+        <p:cNvGrpSpPr/>
+        <p:nvPr/>
+      </p:nvGrpSpPr>
+      <p:grpSpPr>
+        <a:xfrm>
+          <a:off x="0" y="0"/>
+          <a:ext cx="0" cy="0"/>
+          <a:chOff x="0" y="0"/>
+          <a:chExt cx="0" cy="0"/>
+        </a:xfrm>
+      </p:grpSpPr>
+      <p:sp>
+        <p:nvSpPr>
+          <p:cNvPr id="2" name="Slide Image Placeholder 1"/>
+          <p:cNvSpPr>
+            <a:spLocks noGrp="1" noRot="1" noChangeAspect="1"/>
+          </p:cNvSpPr>
+          <p:nvPr>
+            <p:ph type="sldImg"/>
+          </p:nvPr>
+        </p:nvSpPr>
+        <p:spPr/>
+      </p:sp>
+      <p:sp>
+        <p:nvSpPr>
+          <p:cNvPr id="3" name="Notes Placeholder 2"/>
+          <p:cNvSpPr>
+            <a:spLocks noGrp="1"/>
+          </p:cNvSpPr>
+          <p:nvPr>
+            <p:ph type="body" idx="1"/>
+          </p:nvPr>
+        </p:nvSpPr>
+        <p:spPr/>
+        <p:txBody>
+          <a:bodyPr/>
+          <a:lstStyle/>
+          <a:p>
+            <a:endParaRPr lang="en-GB" dirty="0"/>
+          </a:p>
+        </p:txBody>
+      </p:sp>
+    </p:spTree>
+    <p:extLst>
+      <p:ext uri="{BB962C8B-B14F-4D97-AF65-F5344CB8AC3E}">
+        <p14:creationId xmlns:p14="http://schemas.microsoft.com/office/powerpoint/2010/main" val="3878873178"/>
+      </p:ext>
+    </p:extLst>
+  </p:cSld>
+  <p:clrMapOvr>
+    <a:masterClrMapping/>
+  </p:clrMapOvr>
+</p:notes>
+</file>
+
+<file path=ppt/notesSlides/notesSlide11.xml><?xml version="1.0" encoding="utf-8"?>
+<p:notes xmlns:a="http://schemas.openxmlformats.org/drawingml/2006/main" xmlns:r="http://schemas.openxmlformats.org/officeDocument/2006/relationships" xmlns:p="http://schemas.openxmlformats.org/presentationml/2006/main">
+  <p:cSld>
+    <p:spTree>
+      <p:nvGrpSpPr>
+        <p:cNvPr id="1" name=""/>
+        <p:cNvGrpSpPr/>
+        <p:nvPr/>
+      </p:nvGrpSpPr>
+      <p:grpSpPr>
+        <a:xfrm>
+          <a:off x="0" y="0"/>
+          <a:ext cx="0" cy="0"/>
+          <a:chOff x="0" y="0"/>
+          <a:chExt cx="0" cy="0"/>
+        </a:xfrm>
+      </p:grpSpPr>
+      <p:sp>
+        <p:nvSpPr>
+          <p:cNvPr id="2" name="Slide Image Placeholder 1"/>
+          <p:cNvSpPr>
+            <a:spLocks noGrp="1" noRot="1" noChangeAspect="1"/>
+          </p:cNvSpPr>
+          <p:nvPr>
+            <p:ph type="sldImg"/>
+          </p:nvPr>
+        </p:nvSpPr>
+        <p:spPr/>
+      </p:sp>
+      <p:sp>
+        <p:nvSpPr>
+          <p:cNvPr id="3" name="Notes Placeholder 2"/>
+          <p:cNvSpPr>
+            <a:spLocks noGrp="1"/>
+          </p:cNvSpPr>
+          <p:nvPr>
+            <p:ph type="body" idx="1"/>
+          </p:nvPr>
+        </p:nvSpPr>
+        <p:spPr/>
+        <p:txBody>
+          <a:bodyPr/>
+          <a:lstStyle/>
+          <a:p>
+            <a:endParaRPr lang="en-GB" dirty="0"/>
+          </a:p>
+        </p:txBody>
+      </p:sp>
+    </p:spTree>
+    <p:extLst>
+      <p:ext uri="{BB962C8B-B14F-4D97-AF65-F5344CB8AC3E}">
+        <p14:creationId xmlns:p14="http://schemas.microsoft.com/office/powerpoint/2010/main" val="3524493756"/>
+      </p:ext>
+    </p:extLst>
+  </p:cSld>
+  <p:clrMapOvr>
+    <a:masterClrMapping/>
+  </p:clrMapOvr>
+</p:notes>
+</file>
+
+<file path=ppt/notesSlides/notesSlide12.xml><?xml version="1.0" encoding="utf-8"?>
+<p:notes xmlns:a="http://schemas.openxmlformats.org/drawingml/2006/main" xmlns:r="http://schemas.openxmlformats.org/officeDocument/2006/relationships" xmlns:p="http://schemas.openxmlformats.org/presentationml/2006/main">
+  <p:cSld>
+    <p:spTree>
+      <p:nvGrpSpPr>
+        <p:cNvPr id="1" name=""/>
+        <p:cNvGrpSpPr/>
+        <p:nvPr/>
+      </p:nvGrpSpPr>
+      <p:grpSpPr>
+        <a:xfrm>
+          <a:off x="0" y="0"/>
+          <a:ext cx="0" cy="0"/>
+          <a:chOff x="0" y="0"/>
+          <a:chExt cx="0" cy="0"/>
+        </a:xfrm>
+      </p:grpSpPr>
+      <p:sp>
+        <p:nvSpPr>
+          <p:cNvPr id="2" name="Slide Image Placeholder 1"/>
+          <p:cNvSpPr>
+            <a:spLocks noGrp="1" noRot="1" noChangeAspect="1"/>
+          </p:cNvSpPr>
+          <p:nvPr>
+            <p:ph type="sldImg"/>
+          </p:nvPr>
+        </p:nvSpPr>
+        <p:spPr/>
+      </p:sp>
+      <p:sp>
+        <p:nvSpPr>
+          <p:cNvPr id="3" name="Notes Placeholder 2"/>
+          <p:cNvSpPr>
+            <a:spLocks noGrp="1"/>
+          </p:cNvSpPr>
+          <p:nvPr>
+            <p:ph type="body" idx="1"/>
+          </p:nvPr>
+        </p:nvSpPr>
+        <p:spPr/>
+        <p:txBody>
+          <a:bodyPr/>
+          <a:lstStyle/>
+          <a:p>
+            <a:r>
+              <a:rPr lang="en-GB" dirty="0" err="1"/>
+              <a:t>Andere</a:t>
+            </a:r>
+            <a:r>
+              <a:rPr lang="en-GB" dirty="0"/>
+              <a:t> </a:t>
+            </a:r>
+            <a:r>
+              <a:rPr lang="en-GB" dirty="0" err="1"/>
+              <a:t>oplossingen</a:t>
+            </a:r>
+            <a:r>
+              <a:rPr lang="en-GB" dirty="0"/>
+              <a:t> 4500.</a:t>
+            </a:r>
+          </a:p>
+          <a:p>
+            <a:r>
+              <a:rPr lang="en-GB" dirty="0" err="1"/>
+              <a:t>Enkele</a:t>
+            </a:r>
+            <a:r>
+              <a:rPr lang="en-GB" dirty="0"/>
+              <a:t> </a:t>
+            </a:r>
+            <a:r>
+              <a:rPr lang="en-GB" dirty="0" err="1"/>
+              <a:t>hilldescent</a:t>
+            </a:r>
+            <a:r>
+              <a:rPr lang="en-GB" dirty="0"/>
+              <a:t> 20.000 (10x)</a:t>
+            </a:r>
+          </a:p>
+        </p:txBody>
+      </p:sp>
+    </p:spTree>
+    <p:extLst>
+      <p:ext uri="{BB962C8B-B14F-4D97-AF65-F5344CB8AC3E}">
+        <p14:creationId xmlns:p14="http://schemas.microsoft.com/office/powerpoint/2010/main" val="2803694496"/>
+      </p:ext>
+    </p:extLst>
+  </p:cSld>
+  <p:clrMapOvr>
+    <a:masterClrMapping/>
+  </p:clrMapOvr>
+</p:notes>
+</file>
+
+<file path=ppt/notesSlides/notesSlide13.xml><?xml version="1.0" encoding="utf-8"?>
+<p:notes xmlns:a="http://schemas.openxmlformats.org/drawingml/2006/main" xmlns:r="http://schemas.openxmlformats.org/officeDocument/2006/relationships" xmlns:p="http://schemas.openxmlformats.org/presentationml/2006/main">
+  <p:cSld>
+    <p:spTree>
+      <p:nvGrpSpPr>
+        <p:cNvPr id="1" name=""/>
+        <p:cNvGrpSpPr/>
+        <p:nvPr/>
+      </p:nvGrpSpPr>
+      <p:grpSpPr>
+        <a:xfrm>
+          <a:off x="0" y="0"/>
+          <a:ext cx="0" cy="0"/>
+          <a:chOff x="0" y="0"/>
+          <a:chExt cx="0" cy="0"/>
+        </a:xfrm>
+      </p:grpSpPr>
+      <p:sp>
+        <p:nvSpPr>
+          <p:cNvPr id="2" name="Slide Image Placeholder 1"/>
+          <p:cNvSpPr>
+            <a:spLocks noGrp="1" noRot="1" noChangeAspect="1"/>
+          </p:cNvSpPr>
+          <p:nvPr>
+            <p:ph type="sldImg"/>
+          </p:nvPr>
+        </p:nvSpPr>
+        <p:spPr/>
+      </p:sp>
+      <p:sp>
+        <p:nvSpPr>
+          <p:cNvPr id="3" name="Notes Placeholder 2"/>
+          <p:cNvSpPr>
+            <a:spLocks noGrp="1"/>
+          </p:cNvSpPr>
+          <p:nvPr>
+            <p:ph type="body" idx="1"/>
+          </p:nvPr>
+        </p:nvSpPr>
+        <p:spPr/>
+        <p:txBody>
+          <a:bodyPr/>
+          <a:lstStyle/>
+          <a:p>
+            <a:endParaRPr lang="en-GB" dirty="0"/>
+          </a:p>
+        </p:txBody>
+      </p:sp>
+    </p:spTree>
+    <p:extLst>
+      <p:ext uri="{BB962C8B-B14F-4D97-AF65-F5344CB8AC3E}">
+        <p14:creationId xmlns:p14="http://schemas.microsoft.com/office/powerpoint/2010/main" val="1865276398"/>
+      </p:ext>
+    </p:extLst>
+  </p:cSld>
+  <p:clrMapOvr>
+    <a:masterClrMapping/>
+  </p:clrMapOvr>
+</p:notes>
+</file>
+
+<file path=ppt/notesSlides/notesSlide14.xml><?xml version="1.0" encoding="utf-8"?>
 <p:notes xmlns:a="http://schemas.openxmlformats.org/drawingml/2006/main" xmlns:r="http://schemas.openxmlformats.org/officeDocument/2006/relationships" xmlns:p="http://schemas.openxmlformats.org/presentationml/2006/main">
   <p:cSld>
     <p:spTree>
@@ -4212,14 +4648,17 @@
           <a:bodyPr/>
           <a:lstStyle/>
           <a:p>
-            <a:endParaRPr lang="en-GB" dirty="0"/>
+            <a:r>
+              <a:rPr lang="en-GB" dirty="0"/>
+              <a:t>Intersections</a:t>
+            </a:r>
           </a:p>
         </p:txBody>
       </p:sp>
     </p:spTree>
     <p:extLst>
       <p:ext uri="{BB962C8B-B14F-4D97-AF65-F5344CB8AC3E}">
-        <p14:creationId xmlns:p14="http://schemas.microsoft.com/office/powerpoint/2010/main" val="1348679913"/>
+        <p14:creationId xmlns:p14="http://schemas.microsoft.com/office/powerpoint/2010/main" val="1136115549"/>
       </p:ext>
     </p:extLst>
   </p:cSld>
@@ -4280,7 +4719,7 @@
     </p:spTree>
     <p:extLst>
       <p:ext uri="{BB962C8B-B14F-4D97-AF65-F5344CB8AC3E}">
-        <p14:creationId xmlns:p14="http://schemas.microsoft.com/office/powerpoint/2010/main" val="18100617"/>
+        <p14:creationId xmlns:p14="http://schemas.microsoft.com/office/powerpoint/2010/main" val="234960124"/>
       </p:ext>
     </p:extLst>
   </p:cSld>
@@ -4341,7 +4780,7 @@
     </p:spTree>
     <p:extLst>
       <p:ext uri="{BB962C8B-B14F-4D97-AF65-F5344CB8AC3E}">
-        <p14:creationId xmlns:p14="http://schemas.microsoft.com/office/powerpoint/2010/main" val="234960124"/>
+        <p14:creationId xmlns:p14="http://schemas.microsoft.com/office/powerpoint/2010/main" val="1546825475"/>
       </p:ext>
     </p:extLst>
   </p:cSld>
@@ -4402,7 +4841,7 @@
     </p:spTree>
     <p:extLst>
       <p:ext uri="{BB962C8B-B14F-4D97-AF65-F5344CB8AC3E}">
-        <p14:creationId xmlns:p14="http://schemas.microsoft.com/office/powerpoint/2010/main" val="1546825475"/>
+        <p14:creationId xmlns:p14="http://schemas.microsoft.com/office/powerpoint/2010/main" val="2471996692"/>
       </p:ext>
     </p:extLst>
   </p:cSld>
@@ -4456,6 +4895,68 @@
           <a:bodyPr/>
           <a:lstStyle/>
           <a:p>
+            <a:r>
+              <a:rPr lang="en-GB" dirty="0"/>
+              <a:t>Pad </a:t>
+            </a:r>
+            <a:r>
+              <a:rPr lang="en-GB" dirty="0" err="1"/>
+              <a:t>lengte</a:t>
+            </a:r>
+            <a:r>
+              <a:rPr lang="en-GB" dirty="0"/>
+              <a:t> </a:t>
+            </a:r>
+            <a:r>
+              <a:rPr lang="en-GB" dirty="0" err="1"/>
+              <a:t>niet</a:t>
+            </a:r>
+            <a:r>
+              <a:rPr lang="en-GB" dirty="0"/>
+              <a:t> </a:t>
+            </a:r>
+            <a:r>
+              <a:rPr lang="en-GB" dirty="0" err="1"/>
+              <a:t>te</a:t>
+            </a:r>
+            <a:r>
+              <a:rPr lang="en-GB" dirty="0"/>
+              <a:t> </a:t>
+            </a:r>
+            <a:r>
+              <a:rPr lang="en-GB" dirty="0" err="1"/>
+              <a:t>bepalen</a:t>
+            </a:r>
+            <a:r>
+              <a:rPr lang="en-GB" dirty="0"/>
+              <a:t>. Want hoe </a:t>
+            </a:r>
+            <a:r>
+              <a:rPr lang="en-GB" dirty="0" err="1"/>
+              <a:t>liggen</a:t>
+            </a:r>
+            <a:r>
+              <a:rPr lang="en-GB" dirty="0"/>
+              <a:t> </a:t>
+            </a:r>
+            <a:r>
+              <a:rPr lang="en-GB" dirty="0" err="1"/>
+              <a:t>paden</a:t>
+            </a:r>
+            <a:r>
+              <a:rPr lang="en-GB" dirty="0"/>
+              <a:t> dan in de </a:t>
+            </a:r>
+            <a:r>
+              <a:rPr lang="en-GB" dirty="0" err="1"/>
+              <a:t>wegggg</a:t>
+            </a:r>
+            <a:r>
+              <a:rPr lang="en-GB" dirty="0"/>
+              <a:t>?</a:t>
+            </a:r>
+          </a:p>
+          <a:p>
             <a:endParaRPr lang="en-GB" dirty="0"/>
           </a:p>
         </p:txBody>
@@ -4463,7 +4964,7 @@
     </p:spTree>
     <p:extLst>
       <p:ext uri="{BB962C8B-B14F-4D97-AF65-F5344CB8AC3E}">
-        <p14:creationId xmlns:p14="http://schemas.microsoft.com/office/powerpoint/2010/main" val="4281584635"/>
+        <p14:creationId xmlns:p14="http://schemas.microsoft.com/office/powerpoint/2010/main" val="1348679913"/>
       </p:ext>
     </p:extLst>
   </p:cSld>
@@ -4524,7 +5025,7 @@
     </p:spTree>
     <p:extLst>
       <p:ext uri="{BB962C8B-B14F-4D97-AF65-F5344CB8AC3E}">
-        <p14:creationId xmlns:p14="http://schemas.microsoft.com/office/powerpoint/2010/main" val="3878873178"/>
+        <p14:creationId xmlns:p14="http://schemas.microsoft.com/office/powerpoint/2010/main" val="18100617"/>
       </p:ext>
     </p:extLst>
   </p:cSld>
@@ -4585,7 +5086,7 @@
     </p:spTree>
     <p:extLst>
       <p:ext uri="{BB962C8B-B14F-4D97-AF65-F5344CB8AC3E}">
-        <p14:creationId xmlns:p14="http://schemas.microsoft.com/office/powerpoint/2010/main" val="3844723917"/>
+        <p14:creationId xmlns:p14="http://schemas.microsoft.com/office/powerpoint/2010/main" val="4281584635"/>
       </p:ext>
     </p:extLst>
   </p:cSld>
@@ -4646,7 +5147,7 @@
     </p:spTree>
     <p:extLst>
       <p:ext uri="{BB962C8B-B14F-4D97-AF65-F5344CB8AC3E}">
-        <p14:creationId xmlns:p14="http://schemas.microsoft.com/office/powerpoint/2010/main" val="3524493756"/>
+        <p14:creationId xmlns:p14="http://schemas.microsoft.com/office/powerpoint/2010/main" val="3844723917"/>
       </p:ext>
     </p:extLst>
   </p:cSld>
@@ -24222,6 +24723,42 @@
           <a:chExt cx="0" cy="0"/>
         </a:xfrm>
       </p:grpSpPr>
+      <p:pic>
+        <p:nvPicPr>
+          <p:cNvPr id="9" name="Picture 8" descr="A picture containing traffic, light&#10;&#10;Description automatically generated">
+            <a:extLst>
+              <a:ext uri="{FF2B5EF4-FFF2-40B4-BE49-F238E27FC236}">
+                <a16:creationId xmlns:a16="http://schemas.microsoft.com/office/drawing/2014/main" id="{7E71D9F0-0C28-483C-B67F-D1E9E2DEC092}"/>
+              </a:ext>
+            </a:extLst>
+          </p:cNvPr>
+          <p:cNvPicPr>
+            <a:picLocks noChangeAspect="1"/>
+          </p:cNvPicPr>
+          <p:nvPr/>
+        </p:nvPicPr>
+        <p:blipFill>
+          <a:blip r:embed="rId3">
+            <a:extLst>
+              <a:ext uri="{28A0092B-C50C-407E-A947-70E740481C1C}">
+                <a14:useLocalDpi xmlns:a14="http://schemas.microsoft.com/office/drawing/2010/main" val="0"/>
+              </a:ext>
+            </a:extLst>
+          </a:blip>
+          <a:stretch>
+            <a:fillRect/>
+          </a:stretch>
+        </p:blipFill>
+        <p:spPr>
+          <a:xfrm>
+            <a:off x="216024" y="1580818"/>
+            <a:ext cx="4943872" cy="4931512"/>
+          </a:xfrm>
+          <a:prstGeom prst="rect">
+            <a:avLst/>
+          </a:prstGeom>
+        </p:spPr>
+      </p:pic>
       <p:sp>
         <p:nvSpPr>
           <p:cNvPr id="3" name="Title 2"/>
@@ -24244,7 +24781,101 @@
           <a:p>
             <a:r>
               <a:rPr lang="nl-NL" dirty="0"/>
-              <a:t>State-space</a:t>
+              <a:t>State-space voorbeeld</a:t>
+            </a:r>
+            <a:endParaRPr lang="en-US" dirty="0"/>
+          </a:p>
+        </p:txBody>
+      </p:sp>
+      <p:pic>
+        <p:nvPicPr>
+          <p:cNvPr id="7" name="Picture 6">
+            <a:extLst>
+              <a:ext uri="{FF2B5EF4-FFF2-40B4-BE49-F238E27FC236}">
+                <a16:creationId xmlns:a16="http://schemas.microsoft.com/office/drawing/2014/main" id="{5489440F-D707-4AB7-8128-38E8A6422841}"/>
+              </a:ext>
+            </a:extLst>
+          </p:cNvPr>
+          <p:cNvPicPr>
+            <a:picLocks noChangeAspect="1"/>
+          </p:cNvPicPr>
+          <p:nvPr/>
+        </p:nvPicPr>
+        <p:blipFill>
+          <a:blip r:embed="rId4">
+            <a:extLst>
+              <a:ext uri="{28A0092B-C50C-407E-A947-70E740481C1C}">
+                <a14:useLocalDpi xmlns:a14="http://schemas.microsoft.com/office/drawing/2010/main" val="0"/>
+              </a:ext>
+            </a:extLst>
+          </a:blip>
+          <a:stretch>
+            <a:fillRect/>
+          </a:stretch>
+        </p:blipFill>
+        <p:spPr>
+          <a:xfrm>
+            <a:off x="5159896" y="1520225"/>
+            <a:ext cx="7288963" cy="4986917"/>
+          </a:xfrm>
+          <a:prstGeom prst="rect">
+            <a:avLst/>
+          </a:prstGeom>
+        </p:spPr>
+      </p:pic>
+    </p:spTree>
+    <p:extLst>
+      <p:ext uri="{BB962C8B-B14F-4D97-AF65-F5344CB8AC3E}">
+        <p14:creationId xmlns:p14="http://schemas.microsoft.com/office/powerpoint/2010/main" val="62713437"/>
+      </p:ext>
+    </p:extLst>
+  </p:cSld>
+  <p:clrMapOvr>
+    <a:overrideClrMapping bg1="lt1" tx1="dk1" bg2="lt2" tx2="dk2" accent1="accent1" accent2="accent2" accent3="accent3" accent4="accent4" accent5="accent5" accent6="accent6" hlink="hlink" folHlink="folHlink"/>
+  </p:clrMapOvr>
+</p:sld>
+</file>
+
+<file path=ppt/slides/slide11.xml><?xml version="1.0" encoding="utf-8"?>
+<p:sld xmlns:a="http://schemas.openxmlformats.org/drawingml/2006/main" xmlns:r="http://schemas.openxmlformats.org/officeDocument/2006/relationships" xmlns:p="http://schemas.openxmlformats.org/presentationml/2006/main">
+  <p:cSld>
+    <p:spTree>
+      <p:nvGrpSpPr>
+        <p:cNvPr id="1" name=""/>
+        <p:cNvGrpSpPr/>
+        <p:nvPr/>
+      </p:nvGrpSpPr>
+      <p:grpSpPr>
+        <a:xfrm>
+          <a:off x="0" y="0"/>
+          <a:ext cx="0" cy="0"/>
+          <a:chOff x="0" y="0"/>
+          <a:chExt cx="0" cy="0"/>
+        </a:xfrm>
+      </p:grpSpPr>
+      <p:sp>
+        <p:nvSpPr>
+          <p:cNvPr id="3" name="Title 2"/>
+          <p:cNvSpPr>
+            <a:spLocks noGrp="1"/>
+          </p:cNvSpPr>
+          <p:nvPr>
+            <p:ph type="title"/>
+          </p:nvPr>
+        </p:nvSpPr>
+        <p:spPr>
+          <a:xfrm>
+            <a:off x="489600" y="1052736"/>
+            <a:ext cx="7992887" cy="790567"/>
+          </a:xfrm>
+        </p:spPr>
+        <p:txBody>
+          <a:bodyPr/>
+          <a:lstStyle/>
+          <a:p>
+            <a:r>
+              <a:rPr lang="nl-NL" dirty="0"/>
+              <a:t>Lower &amp; Uppper bound </a:t>
             </a:r>
             <a:endParaRPr lang="en-US" dirty="0"/>
           </a:p>
@@ -24277,11 +24908,106 @@
             </a:pPr>
             <a:r>
               <a:rPr lang="en-US" dirty="0"/>
-              <a:t>K × n⁵</a:t>
+              <a:t>Lower bound:</a:t>
             </a:r>
             <a:br>
               <a:rPr lang="en-US" dirty="0"/>
             </a:br>
+            <a:r>
+              <a:rPr lang="en-US" dirty="0" err="1"/>
+              <a:t>Kosten</a:t>
+            </a:r>
+            <a:r>
+              <a:rPr lang="en-US" dirty="0"/>
+              <a:t> van </a:t>
+            </a:r>
+            <a:r>
+              <a:rPr lang="en-US" dirty="0" err="1"/>
+              <a:t>kortste</a:t>
+            </a:r>
+            <a:r>
+              <a:rPr lang="en-US" dirty="0"/>
+              <a:t> </a:t>
+            </a:r>
+            <a:r>
+              <a:rPr lang="en-US" dirty="0" err="1"/>
+              <a:t>afstand</a:t>
+            </a:r>
+            <a:r>
+              <a:rPr lang="en-US" dirty="0"/>
+              <a:t> = abs(</a:t>
+            </a:r>
+            <a:r>
+              <a:rPr lang="el-GR" dirty="0"/>
+              <a:t>Δ</a:t>
+            </a:r>
+            <a:r>
+              <a:rPr lang="en-GB" dirty="0"/>
+              <a:t>x) + abs(</a:t>
+            </a:r>
+            <a:r>
+              <a:rPr lang="el-GR" dirty="0"/>
+              <a:t>Δ</a:t>
+            </a:r>
+            <a:r>
+              <a:rPr lang="en-GB" dirty="0"/>
+              <a:t>y) </a:t>
+            </a:r>
+            <a:br>
+              <a:rPr lang="en-GB" dirty="0"/>
+            </a:br>
+            <a:r>
+              <a:rPr lang="el-GR" dirty="0"/>
+              <a:t>Δ</a:t>
+            </a:r>
+            <a:r>
+              <a:rPr lang="en-GB" dirty="0"/>
+              <a:t>x, </a:t>
+            </a:r>
+            <a:r>
+              <a:rPr lang="el-GR" dirty="0"/>
+              <a:t>Δ</a:t>
+            </a:r>
+            <a:r>
+              <a:rPr lang="en-GB" dirty="0"/>
+              <a:t>y </a:t>
+            </a:r>
+            <a:r>
+              <a:rPr lang="en-GB" dirty="0" err="1"/>
+              <a:t>verschil</a:t>
+            </a:r>
+            <a:r>
+              <a:rPr lang="en-GB" dirty="0"/>
+              <a:t> in </a:t>
+            </a:r>
+            <a:r>
+              <a:rPr lang="en-GB" dirty="0" err="1"/>
+              <a:t>afstand</a:t>
+            </a:r>
+            <a:r>
+              <a:rPr lang="en-GB" dirty="0"/>
+              <a:t> </a:t>
+            </a:r>
+            <a:r>
+              <a:rPr lang="en-GB" dirty="0" err="1"/>
+              <a:t>tussen</a:t>
+            </a:r>
+            <a:r>
+              <a:rPr lang="en-GB" dirty="0"/>
+              <a:t> gates van </a:t>
+            </a:r>
+            <a:r>
+              <a:rPr lang="en-GB" dirty="0" err="1"/>
+              <a:t>alle</a:t>
+            </a:r>
+            <a:r>
+              <a:rPr lang="en-GB" dirty="0"/>
+              <a:t> </a:t>
+            </a:r>
+            <a:r>
+              <a:rPr lang="en-GB" dirty="0" err="1"/>
+              <a:t>verbindingen</a:t>
+            </a:r>
             <a:endParaRPr lang="en-US" dirty="0"/>
           </a:p>
           <a:p>
@@ -24290,32 +25016,24 @@
                 <a:spcPts val="0"/>
               </a:spcBef>
             </a:pPr>
+            <a:endParaRPr lang="en-US" dirty="0"/>
+          </a:p>
+          <a:p>
+            <a:pPr marL="968375" lvl="2" indent="-342900">
+              <a:spcBef>
+                <a:spcPts val="0"/>
+              </a:spcBef>
+            </a:pPr>
             <a:r>
               <a:rPr lang="en-US" dirty="0"/>
-              <a:t>K = </a:t>
-            </a:r>
-            <a:r>
-              <a:rPr lang="en-US" dirty="0" err="1"/>
-              <a:t>aantal</a:t>
-            </a:r>
-            <a:r>
-              <a:rPr lang="en-US" dirty="0"/>
-              <a:t> </a:t>
-            </a:r>
-            <a:r>
-              <a:rPr lang="en-US" dirty="0" err="1"/>
-              <a:t>verbindingen</a:t>
+              <a:t>Upper bound:</a:t>
             </a:r>
             <a:br>
               <a:rPr lang="en-US" dirty="0"/>
             </a:br>
             <a:r>
-              <a:rPr lang="en-US" dirty="0"/>
-              <a:t>n = </a:t>
-            </a:r>
-            <a:r>
               <a:rPr lang="en-US" dirty="0" err="1"/>
-              <a:t>aantal</a:t>
+              <a:t>Aantal</a:t>
             </a:r>
             <a:r>
               <a:rPr lang="en-US" dirty="0"/>
@@ -24323,7 +25041,23 @@
             </a:r>
             <a:r>
               <a:rPr lang="en-US" dirty="0" err="1"/>
-              <a:t>mogelijke</a:t>
+              <a:t>verbindingen</a:t>
+            </a:r>
+            <a:r>
+              <a:rPr lang="en-US" dirty="0"/>
+              <a:t> × max. pad </a:t>
+            </a:r>
+            <a:r>
+              <a:rPr lang="en-US" dirty="0" err="1"/>
+              <a:t>lengte</a:t>
+            </a:r>
+            <a:r>
+              <a:rPr lang="en-US" dirty="0"/>
+              <a:t> × </a:t>
+            </a:r>
+            <a:r>
+              <a:rPr lang="en-US" dirty="0" err="1"/>
+              <a:t>voorwaartse</a:t>
             </a:r>
             <a:r>
               <a:rPr lang="en-US" dirty="0"/>
@@ -24331,30 +25065,7 @@
             </a:r>
             <a:r>
               <a:rPr lang="en-US" dirty="0" err="1"/>
-              <a:t>posities</a:t>
-            </a:r>
-            <a:br>
-              <a:rPr lang="en-US" dirty="0"/>
-            </a:br>
-            <a:r>
-              <a:rPr lang="en-US" dirty="0"/>
-              <a:t>5 </a:t>
-            </a:r>
-            <a:r>
-              <a:rPr lang="en-US" dirty="0" err="1"/>
-              <a:t>overgebleven</a:t>
-            </a:r>
-            <a:r>
-              <a:rPr lang="en-US" dirty="0"/>
-              <a:t> </a:t>
-            </a:r>
-            <a:r>
-              <a:rPr lang="en-US" dirty="0" err="1"/>
-              <a:t>richtingen</a:t>
-            </a:r>
-            <a:r>
-              <a:rPr lang="en-US" dirty="0"/>
-              <a:t> (N, E, S, W, U, D)</a:t>
+              <a:t>opties</a:t>
             </a:r>
             <a:br>
               <a:rPr lang="en-US" dirty="0"/>
@@ -24406,7 +25117,7 @@
     </p:spTree>
     <p:extLst>
       <p:ext uri="{BB962C8B-B14F-4D97-AF65-F5344CB8AC3E}">
-        <p14:creationId xmlns:p14="http://schemas.microsoft.com/office/powerpoint/2010/main" val="1280344792"/>
+        <p14:creationId xmlns:p14="http://schemas.microsoft.com/office/powerpoint/2010/main" val="591454676"/>
       </p:ext>
     </p:extLst>
   </p:cSld>
@@ -24416,7 +25127,7 @@
 </p:sld>
 </file>
 
-<file path=ppt/slides/slide11.xml><?xml version="1.0" encoding="utf-8"?>
+<file path=ppt/slides/slide12.xml><?xml version="1.0" encoding="utf-8"?>
 <p:sld xmlns:a="http://schemas.openxmlformats.org/drawingml/2006/main" xmlns:r="http://schemas.openxmlformats.org/officeDocument/2006/relationships" xmlns:p="http://schemas.openxmlformats.org/presentationml/2006/main">
   <p:cSld>
     <p:spTree>
@@ -24435,10 +25146,10 @@
       </p:grpSpPr>
       <p:pic>
         <p:nvPicPr>
-          <p:cNvPr id="9" name="Picture 8" descr="A picture containing traffic, light&#10;&#10;Description automatically generated">
+          <p:cNvPr id="5" name="Picture 4" descr="A picture containing light, traffic, wire, snow&#10;&#10;Description automatically generated">
             <a:extLst>
               <a:ext uri="{FF2B5EF4-FFF2-40B4-BE49-F238E27FC236}">
-                <a16:creationId xmlns:a16="http://schemas.microsoft.com/office/drawing/2014/main" id="{7E71D9F0-0C28-483C-B67F-D1E9E2DEC092}"/>
+                <a16:creationId xmlns:a16="http://schemas.microsoft.com/office/drawing/2014/main" id="{DF17E2A6-A4B0-45A7-81B2-76F5A5711793}"/>
               </a:ext>
             </a:extLst>
           </p:cNvPr>
@@ -24461,7 +25172,7 @@
         </p:blipFill>
         <p:spPr>
           <a:xfrm>
-            <a:off x="5313163" y="0"/>
+            <a:off x="5519936" y="0"/>
             <a:ext cx="6875189" cy="6858000"/>
           </a:xfrm>
           <a:prstGeom prst="rect">
@@ -24491,7 +25202,7 @@
           <a:p>
             <a:r>
               <a:rPr lang="nl-NL" dirty="0"/>
-              <a:t>State-space voorbeeld</a:t>
+              <a:t>Lower bound voorbeeld</a:t>
             </a:r>
             <a:endParaRPr lang="en-US" dirty="0"/>
           </a:p>
@@ -24509,13 +25220,13 @@
         </p:nvSpPr>
         <p:spPr>
           <a:xfrm>
-            <a:off x="3648" y="1988840"/>
+            <a:off x="-456728" y="2188007"/>
             <a:ext cx="8712968" cy="4249191"/>
           </a:xfrm>
         </p:spPr>
         <p:txBody>
           <a:bodyPr>
-            <a:normAutofit lnSpcReduction="10000"/>
+            <a:normAutofit/>
           </a:bodyPr>
           <a:lstStyle/>
           <a:p>
@@ -24525,59 +25236,49 @@
               </a:spcBef>
             </a:pPr>
             <a:r>
-              <a:rPr lang="en-US" dirty="0"/>
-              <a:t>K × n⁵</a:t>
+              <a:rPr lang="en-US" sz="2200" dirty="0" err="1"/>
+              <a:t>Kosten</a:t>
+            </a:r>
+            <a:r>
+              <a:rPr lang="en-US" sz="2200" dirty="0"/>
+              <a:t> van </a:t>
+            </a:r>
+            <a:r>
+              <a:rPr lang="en-US" sz="2200" dirty="0" err="1"/>
+              <a:t>kortste</a:t>
+            </a:r>
+            <a:r>
+              <a:rPr lang="en-US" sz="2200" dirty="0"/>
+              <a:t> </a:t>
+            </a:r>
+            <a:r>
+              <a:rPr lang="en-US" sz="2200" dirty="0" err="1"/>
+              <a:t>afstand</a:t>
+            </a:r>
+            <a:r>
+              <a:rPr lang="en-US" sz="2200" dirty="0"/>
+              <a:t> = abs(</a:t>
+            </a:r>
+            <a:r>
+              <a:rPr lang="el-GR" sz="2200" dirty="0"/>
+              <a:t>Δ</a:t>
+            </a:r>
+            <a:r>
+              <a:rPr lang="en-GB" sz="2200" dirty="0"/>
+              <a:t>x) + abs(</a:t>
+            </a:r>
+            <a:r>
+              <a:rPr lang="el-GR" sz="2200" dirty="0"/>
+              <a:t>Δ</a:t>
+            </a:r>
+            <a:r>
+              <a:rPr lang="en-GB" sz="2200" dirty="0"/>
+              <a:t>y)</a:t>
             </a:r>
             <a:br>
-              <a:rPr lang="en-US" dirty="0"/>
+              <a:rPr lang="en-US" sz="2200" dirty="0"/>
             </a:br>
-            <a:r>
-              <a:rPr lang="en-US" dirty="0"/>
-              <a:t>K = </a:t>
-            </a:r>
-            <a:r>
-              <a:rPr lang="en-US" dirty="0" err="1"/>
-              <a:t>aantal</a:t>
-            </a:r>
-            <a:r>
-              <a:rPr lang="en-US" dirty="0"/>
-              <a:t> </a:t>
-            </a:r>
-            <a:r>
-              <a:rPr lang="en-US" dirty="0" err="1"/>
-              <a:t>verbindingen</a:t>
-            </a:r>
-            <a:br>
-              <a:rPr lang="en-US" dirty="0"/>
-            </a:br>
-            <a:r>
-              <a:rPr lang="en-US" dirty="0"/>
-              <a:t>n = </a:t>
-            </a:r>
-            <a:r>
-              <a:rPr lang="en-US" dirty="0" err="1"/>
-              <a:t>aantal</a:t>
-            </a:r>
-            <a:r>
-              <a:rPr lang="en-US" dirty="0"/>
-              <a:t> </a:t>
-            </a:r>
-            <a:r>
-              <a:rPr lang="en-US" dirty="0" err="1"/>
-              <a:t>mogelijke</a:t>
-            </a:r>
-            <a:r>
-              <a:rPr lang="en-US" dirty="0"/>
-              <a:t> </a:t>
-            </a:r>
-            <a:r>
-              <a:rPr lang="en-US" dirty="0" err="1"/>
-              <a:t>posities</a:t>
-            </a:r>
-            <a:br>
-              <a:rPr lang="en-US" dirty="0"/>
-            </a:br>
-            <a:endParaRPr lang="en-US" dirty="0"/>
+            <a:endParaRPr lang="en-US" sz="2200" dirty="0"/>
           </a:p>
           <a:p>
             <a:pPr marL="968375" lvl="2" indent="-342900">
@@ -24586,44 +25287,65 @@
               </a:spcBef>
             </a:pPr>
             <a:r>
-              <a:rPr lang="en-US" dirty="0"/>
-              <a:t>Chip 0; Netlist 1</a:t>
+              <a:rPr lang="en-US" sz="2200" dirty="0"/>
+              <a:t>Van (1, 5, 0) </a:t>
+            </a:r>
+            <a:r>
+              <a:rPr lang="en-US" sz="2200" dirty="0" err="1"/>
+              <a:t>naar</a:t>
+            </a:r>
+            <a:r>
+              <a:rPr lang="en-US" sz="2200" dirty="0"/>
+              <a:t> (6, 5, 0)</a:t>
             </a:r>
             <a:br>
-              <a:rPr lang="en-US" dirty="0"/>
+              <a:rPr lang="en-US" sz="2200" dirty="0"/>
             </a:br>
             <a:r>
-              <a:rPr lang="en-US" dirty="0"/>
-              <a:t>K = 5,  n = (7 × 6 × 7) = 294</a:t>
-            </a:r>
-          </a:p>
-          <a:p>
-            <a:pPr lvl="2" indent="0">
-              <a:spcBef>
-                <a:spcPts val="0"/>
-              </a:spcBef>
-              <a:buNone/>
-            </a:pPr>
+              <a:rPr lang="el-GR" sz="2200" dirty="0"/>
+              <a:t>Δ</a:t>
+            </a:r>
+            <a:r>
+              <a:rPr lang="en-GB" sz="2200" dirty="0"/>
+              <a:t>x = 5, </a:t>
+            </a:r>
+            <a:r>
+              <a:rPr lang="el-GR" sz="2200" dirty="0"/>
+              <a:t>Δ</a:t>
+            </a:r>
+            <a:r>
+              <a:rPr lang="en-GB" sz="2200" dirty="0"/>
+              <a:t>y = 0</a:t>
+            </a:r>
             <a:br>
-              <a:rPr lang="en-US" dirty="0"/>
+              <a:rPr lang="en-US" sz="2200" dirty="0"/>
             </a:br>
-            <a:r>
-              <a:rPr lang="en-US" dirty="0"/>
-              <a:t>    </a:t>
-            </a:r>
-            <a:r>
-              <a:rPr lang="en-US" dirty="0" err="1"/>
-              <a:t>Statespace</a:t>
-            </a:r>
-            <a:r>
-              <a:rPr lang="en-US" dirty="0"/>
-              <a:t>: 5 × 294⁵  ≈ 2×10</a:t>
-            </a:r>
-            <a:r>
-              <a:rPr lang="en-US" baseline="30000" dirty="0"/>
-              <a:t>12</a:t>
-            </a:r>
-            <a:endParaRPr lang="en-US" dirty="0"/>
+            <a:br>
+              <a:rPr lang="en-US" sz="2200" dirty="0"/>
+            </a:br>
+            <a:r>
+              <a:rPr lang="en-US" sz="2200" dirty="0"/>
+              <a:t>Lower Bound: 5 + 0  = 5</a:t>
+            </a:r>
+            <a:br>
+              <a:rPr lang="en-US" sz="2200" dirty="0"/>
+            </a:br>
+            <a:r>
+              <a:rPr lang="en-US" sz="2200" dirty="0" err="1"/>
+              <a:t>Voor</a:t>
+            </a:r>
+            <a:r>
+              <a:rPr lang="en-US" sz="2200" dirty="0"/>
+              <a:t> 1 </a:t>
+            </a:r>
+            <a:r>
+              <a:rPr lang="en-US" sz="2200" dirty="0" err="1"/>
+              <a:t>verbinding</a:t>
+            </a:r>
+            <a:r>
+              <a:rPr lang="en-US" sz="2200" dirty="0"/>
+              <a:t>.</a:t>
+            </a:r>
           </a:p>
           <a:p>
             <a:pPr marL="968375" lvl="2" indent="-342900">
@@ -24659,7 +25381,7 @@
     </p:spTree>
     <p:extLst>
       <p:ext uri="{BB962C8B-B14F-4D97-AF65-F5344CB8AC3E}">
-        <p14:creationId xmlns:p14="http://schemas.microsoft.com/office/powerpoint/2010/main" val="876689502"/>
+        <p14:creationId xmlns:p14="http://schemas.microsoft.com/office/powerpoint/2010/main" val="340383287"/>
       </p:ext>
     </p:extLst>
   </p:cSld>
@@ -24669,7 +25391,7 @@
 </p:sld>
 </file>
 
-<file path=ppt/slides/slide12.xml><?xml version="1.0" encoding="utf-8"?>
+<file path=ppt/slides/slide13.xml><?xml version="1.0" encoding="utf-8"?>
 <p:sld xmlns:a="http://schemas.openxmlformats.org/drawingml/2006/main" xmlns:r="http://schemas.openxmlformats.org/officeDocument/2006/relationships" xmlns:p="http://schemas.openxmlformats.org/presentationml/2006/main">
   <p:cSld>
     <p:spTree>
@@ -24886,7 +25608,7 @@
 </p:sld>
 </file>
 
-<file path=ppt/slides/slide13.xml><?xml version="1.0" encoding="utf-8"?>
+<file path=ppt/slides/slide14.xml><?xml version="1.0" encoding="utf-8"?>
 <p:sld xmlns:a="http://schemas.openxmlformats.org/drawingml/2006/main" xmlns:r="http://schemas.openxmlformats.org/officeDocument/2006/relationships" xmlns:p="http://schemas.openxmlformats.org/presentationml/2006/main">
   <p:cSld>
     <p:spTree>
@@ -25156,7 +25878,7 @@
 </p:sld>
 </file>
 
-<file path=ppt/slides/slide14.xml><?xml version="1.0" encoding="utf-8"?>
+<file path=ppt/slides/slide15.xml><?xml version="1.0" encoding="utf-8"?>
 <p:sld xmlns:a="http://schemas.openxmlformats.org/drawingml/2006/main" xmlns:r="http://schemas.openxmlformats.org/officeDocument/2006/relationships" xmlns:p="http://schemas.openxmlformats.org/presentationml/2006/main">
   <p:cSld>
     <p:spTree>
@@ -25429,7 +26151,7 @@
 </p:sld>
 </file>
 
-<file path=ppt/slides/slide15.xml><?xml version="1.0" encoding="utf-8"?>
+<file path=ppt/slides/slide16.xml><?xml version="1.0" encoding="utf-8"?>
 <p:sld xmlns:a="http://schemas.openxmlformats.org/drawingml/2006/main" xmlns:r="http://schemas.openxmlformats.org/officeDocument/2006/relationships" xmlns:p="http://schemas.openxmlformats.org/presentationml/2006/main">
   <p:cSld>
     <p:spTree>
@@ -25752,7 +26474,7 @@
 </p:sld>
 </file>
 
-<file path=ppt/slides/slide16.xml><?xml version="1.0" encoding="utf-8"?>
+<file path=ppt/slides/slide17.xml><?xml version="1.0" encoding="utf-8"?>
 <p:sld xmlns:a="http://schemas.openxmlformats.org/drawingml/2006/main" xmlns:r="http://schemas.openxmlformats.org/officeDocument/2006/relationships" xmlns:p="http://schemas.openxmlformats.org/presentationml/2006/main">
   <p:cSld>
     <p:spTree>
@@ -25922,26 +26644,25 @@
               <a:rPr lang="en-US" dirty="0"/>
             </a:br>
             <a:r>
+              <a:rPr lang="en-US" dirty="0"/>
+              <a:t>Welk pad </a:t>
+            </a:r>
+            <a:r>
               <a:rPr lang="en-US" dirty="0" err="1"/>
-              <a:t>Verwijder</a:t>
+              <a:t>leggen</a:t>
             </a:r>
             <a:r>
               <a:rPr lang="en-US" dirty="0"/>
-              <a:t> </a:t>
+              <a:t> we </a:t>
             </a:r>
             <a:r>
               <a:rPr lang="en-US" dirty="0" err="1"/>
-              <a:t>problematische</a:t>
+              <a:t>eerst</a:t>
             </a:r>
             <a:r>
               <a:rPr lang="en-US" dirty="0"/>
-              <a:t> </a:t>
-            </a:r>
-            <a:r>
-              <a:rPr lang="en-US" dirty="0" err="1"/>
-              <a:t>paden</a:t>
-            </a:r>
-            <a:endParaRPr lang="en-US" dirty="0"/>
+              <a:t>?</a:t>
+            </a:r>
           </a:p>
           <a:p>
             <a:endParaRPr lang="en-US" dirty="0"/>
@@ -25995,7 +26716,7 @@
 </p:sld>
 </file>
 
-<file path=ppt/slides/slide17.xml><?xml version="1.0" encoding="utf-8"?>
+<file path=ppt/slides/slide18.xml><?xml version="1.0" encoding="utf-8"?>
 <p:sld xmlns:a="http://schemas.openxmlformats.org/drawingml/2006/main" xmlns:r="http://schemas.openxmlformats.org/officeDocument/2006/relationships" xmlns:p="http://schemas.openxmlformats.org/presentationml/2006/main">
   <p:cSld>
     <p:spTree>
@@ -26186,7 +26907,7 @@
 </p:sld>
 </file>
 
-<file path=ppt/slides/slide18.xml><?xml version="1.0" encoding="utf-8"?>
+<file path=ppt/slides/slide19.xml><?xml version="1.0" encoding="utf-8"?>
 <p:sld xmlns:a="http://schemas.openxmlformats.org/drawingml/2006/main" xmlns:r="http://schemas.openxmlformats.org/officeDocument/2006/relationships" xmlns:p="http://schemas.openxmlformats.org/presentationml/2006/main">
   <p:cSld>
     <p:spTree>
@@ -26288,28 +27009,8 @@
               </a:spcBef>
             </a:pPr>
             <a:r>
-              <a:rPr lang="en-US" dirty="0" err="1"/>
-              <a:t>Meest</a:t>
-            </a:r>
-            <a:r>
               <a:rPr lang="en-US" dirty="0"/>
-              <a:t> </a:t>
-            </a:r>
-            <a:r>
-              <a:rPr lang="en-US" dirty="0" err="1"/>
-              <a:t>ingesloten</a:t>
-            </a:r>
-            <a:r>
-              <a:rPr lang="en-US" dirty="0"/>
-              <a:t> gate </a:t>
-            </a:r>
-            <a:r>
-              <a:rPr lang="en-US" dirty="0" err="1"/>
-              <a:t>eerst</a:t>
-            </a:r>
-            <a:r>
-              <a:rPr lang="en-US" dirty="0"/>
-              <a:t> </a:t>
+              <a:t>Min. Freedom</a:t>
             </a:r>
           </a:p>
           <a:p>
@@ -26320,7 +27021,18 @@
             </a:pPr>
             <a:r>
               <a:rPr lang="en-US" dirty="0"/>
-              <a:t>Min/Max Manhattan distance</a:t>
+              <a:t>Min. Manhattan distance</a:t>
+            </a:r>
+          </a:p>
+          <a:p>
+            <a:pPr marL="968375" lvl="2" indent="-342900">
+              <a:spcBef>
+                <a:spcPts val="0"/>
+              </a:spcBef>
+            </a:pPr>
+            <a:r>
+              <a:rPr lang="en-US" dirty="0"/>
+              <a:t>Max. Manhattan distance</a:t>
             </a:r>
           </a:p>
           <a:p>
@@ -26355,11 +27067,31 @@
             </a:r>
             <a:r>
               <a:rPr lang="en-US" dirty="0"/>
+              <a:t> met </a:t>
+            </a:r>
+            <a:r>
+              <a:rPr lang="en-US" dirty="0" err="1"/>
+              <a:t>aangepaste</a:t>
+            </a:r>
+            <a:r>
+              <a:rPr lang="en-US" dirty="0"/>
               <a:t> </a:t>
             </a:r>
             <a:r>
               <a:rPr lang="en-US" dirty="0" err="1"/>
-              <a:t>verbeteren</a:t>
+              <a:t>kosten</a:t>
+            </a:r>
+            <a:endParaRPr lang="en-US" dirty="0"/>
+          </a:p>
+          <a:p>
+            <a:pPr marL="968375" lvl="2" indent="-342900">
+              <a:spcBef>
+                <a:spcPts val="0"/>
+              </a:spcBef>
+            </a:pPr>
+            <a:r>
+              <a:rPr lang="en-US" dirty="0" err="1"/>
+              <a:t>Verbeteren</a:t>
             </a:r>
             <a:r>
               <a:rPr lang="en-US" dirty="0"/>
@@ -26369,10 +27101,7 @@
               <a:rPr lang="en-US" dirty="0" err="1"/>
               <a:t>Hilldescent</a:t>
             </a:r>
-            <a:r>
-              <a:rPr lang="en-US" dirty="0"/>
-              <a:t>.</a:t>
-            </a:r>
+            <a:endParaRPr lang="en-US" dirty="0"/>
           </a:p>
           <a:p>
             <a:endParaRPr lang="en-US" dirty="0"/>
@@ -26423,264 +27152,6 @@
 </p:sld>
 </file>
 
-<file path=ppt/slides/slide19.xml><?xml version="1.0" encoding="utf-8"?>
-<p:sld xmlns:a="http://schemas.openxmlformats.org/drawingml/2006/main" xmlns:r="http://schemas.openxmlformats.org/officeDocument/2006/relationships" xmlns:p="http://schemas.openxmlformats.org/presentationml/2006/main">
-  <p:cSld>
-    <p:spTree>
-      <p:nvGrpSpPr>
-        <p:cNvPr id="1" name=""/>
-        <p:cNvGrpSpPr/>
-        <p:nvPr/>
-      </p:nvGrpSpPr>
-      <p:grpSpPr>
-        <a:xfrm>
-          <a:off x="0" y="0"/>
-          <a:ext cx="0" cy="0"/>
-          <a:chOff x="0" y="0"/>
-          <a:chExt cx="0" cy="0"/>
-        </a:xfrm>
-      </p:grpSpPr>
-      <p:sp>
-        <p:nvSpPr>
-          <p:cNvPr id="3" name="Title 2"/>
-          <p:cNvSpPr>
-            <a:spLocks noGrp="1"/>
-          </p:cNvSpPr>
-          <p:nvPr>
-            <p:ph type="title"/>
-          </p:nvPr>
-        </p:nvSpPr>
-        <p:spPr>
-          <a:xfrm>
-            <a:off x="489600" y="1052736"/>
-            <a:ext cx="7992887" cy="790567"/>
-          </a:xfrm>
-        </p:spPr>
-        <p:txBody>
-          <a:bodyPr/>
-          <a:lstStyle/>
-          <a:p>
-            <a:r>
-              <a:rPr lang="nl-NL" dirty="0"/>
-              <a:t>Methode</a:t>
-            </a:r>
-            <a:endParaRPr lang="en-US" dirty="0"/>
-          </a:p>
-        </p:txBody>
-      </p:sp>
-      <p:sp>
-        <p:nvSpPr>
-          <p:cNvPr id="4" name="Text Placeholder 3"/>
-          <p:cNvSpPr>
-            <a:spLocks noGrp="1"/>
-          </p:cNvSpPr>
-          <p:nvPr>
-            <p:ph type="body" sz="quarter" idx="14"/>
-          </p:nvPr>
-        </p:nvSpPr>
-        <p:spPr>
-          <a:xfrm>
-            <a:off x="489600" y="1980000"/>
-            <a:ext cx="7992887" cy="4113295"/>
-          </a:xfrm>
-        </p:spPr>
-        <p:txBody>
-          <a:bodyPr/>
-          <a:lstStyle/>
-          <a:p>
-            <a:pPr marL="968375" lvl="2" indent="-342900">
-              <a:spcBef>
-                <a:spcPts val="0"/>
-              </a:spcBef>
-            </a:pPr>
-            <a:r>
-              <a:rPr lang="en-US" dirty="0"/>
-              <a:t>Om de </a:t>
-            </a:r>
-            <a:r>
-              <a:rPr lang="en-US" dirty="0" err="1"/>
-              <a:t>laagste</a:t>
-            </a:r>
-            <a:r>
-              <a:rPr lang="en-US" dirty="0"/>
-              <a:t> </a:t>
-            </a:r>
-            <a:r>
-              <a:rPr lang="en-US" dirty="0" err="1"/>
-              <a:t>kosten</a:t>
-            </a:r>
-            <a:r>
-              <a:rPr lang="en-US" dirty="0"/>
-              <a:t> </a:t>
-            </a:r>
-            <a:r>
-              <a:rPr lang="en-US" dirty="0" err="1"/>
-              <a:t>te</a:t>
-            </a:r>
-            <a:r>
-              <a:rPr lang="en-US" dirty="0"/>
-              <a:t> </a:t>
-            </a:r>
-            <a:r>
-              <a:rPr lang="en-US" dirty="0" err="1"/>
-              <a:t>verkrijgen</a:t>
-            </a:r>
-            <a:r>
-              <a:rPr lang="en-US" dirty="0"/>
-              <a:t> </a:t>
-            </a:r>
-            <a:r>
-              <a:rPr lang="en-US" dirty="0" err="1"/>
-              <a:t>zijn</a:t>
-            </a:r>
-            <a:r>
-              <a:rPr lang="en-US" dirty="0"/>
-              <a:t> </a:t>
-            </a:r>
-            <a:r>
-              <a:rPr lang="en-US" dirty="0" err="1"/>
-              <a:t>algoritmen</a:t>
-            </a:r>
-            <a:r>
-              <a:rPr lang="en-US" dirty="0"/>
-              <a:t> op </a:t>
-            </a:r>
-            <a:r>
-              <a:rPr lang="en-US" dirty="0" err="1"/>
-              <a:t>laag</a:t>
-            </a:r>
-            <a:r>
-              <a:rPr lang="en-US" dirty="0"/>
-              <a:t> </a:t>
-            </a:r>
-            <a:r>
-              <a:rPr lang="en-US" dirty="0" err="1"/>
-              <a:t>en</a:t>
-            </a:r>
-            <a:r>
-              <a:rPr lang="en-US" dirty="0"/>
-              <a:t> </a:t>
-            </a:r>
-            <a:r>
-              <a:rPr lang="en-US" dirty="0" err="1"/>
-              <a:t>hoog</a:t>
-            </a:r>
-            <a:r>
-              <a:rPr lang="en-US" dirty="0"/>
-              <a:t> </a:t>
-            </a:r>
-            <a:r>
-              <a:rPr lang="en-US" dirty="0" err="1"/>
-              <a:t>niveau</a:t>
-            </a:r>
-            <a:r>
-              <a:rPr lang="en-US" dirty="0"/>
-              <a:t> </a:t>
-            </a:r>
-            <a:r>
-              <a:rPr lang="en-US" dirty="0" err="1"/>
-              <a:t>gecombineerd</a:t>
-            </a:r>
-            <a:r>
-              <a:rPr lang="en-US" dirty="0"/>
-              <a:t>. </a:t>
-            </a:r>
-          </a:p>
-          <a:p>
-            <a:pPr marL="968375" lvl="2" indent="-342900">
-              <a:spcBef>
-                <a:spcPts val="0"/>
-              </a:spcBef>
-            </a:pPr>
-            <a:endParaRPr lang="en-US" dirty="0"/>
-          </a:p>
-          <a:p>
-            <a:pPr marL="968375" lvl="2" indent="-342900">
-              <a:spcBef>
-                <a:spcPts val="0"/>
-              </a:spcBef>
-            </a:pPr>
-            <a:endParaRPr lang="en-US" dirty="0"/>
-          </a:p>
-          <a:p>
-            <a:pPr marL="968375" lvl="2" indent="-342900">
-              <a:spcBef>
-                <a:spcPts val="0"/>
-              </a:spcBef>
-            </a:pPr>
-            <a:r>
-              <a:rPr lang="en-US" dirty="0"/>
-              <a:t>A*-</a:t>
-            </a:r>
-            <a:r>
-              <a:rPr lang="en-US" dirty="0" err="1"/>
-              <a:t>ScaryGate</a:t>
-            </a:r>
-            <a:r>
-              <a:rPr lang="en-US" dirty="0"/>
-              <a:t> -&gt; </a:t>
-            </a:r>
-            <a:r>
-              <a:rPr lang="en-US" dirty="0" err="1"/>
-              <a:t>Hilldescent</a:t>
-            </a:r>
-            <a:r>
-              <a:rPr lang="en-US" dirty="0"/>
-              <a:t> met A*</a:t>
-            </a:r>
-          </a:p>
-          <a:p>
-            <a:endParaRPr lang="en-US" dirty="0"/>
-          </a:p>
-          <a:p>
-            <a:endParaRPr lang="en-US" dirty="0"/>
-          </a:p>
-        </p:txBody>
-      </p:sp>
-      <p:pic>
-        <p:nvPicPr>
-          <p:cNvPr id="12" name="Picture Placeholder 11" descr="A picture containing man, standing&#10;&#10;Description automatically generated">
-            <a:extLst>
-              <a:ext uri="{FF2B5EF4-FFF2-40B4-BE49-F238E27FC236}">
-                <a16:creationId xmlns:a16="http://schemas.microsoft.com/office/drawing/2014/main" id="{976EB4B2-36FD-4549-9552-1027465645E6}"/>
-              </a:ext>
-            </a:extLst>
-          </p:cNvPr>
-          <p:cNvPicPr>
-            <a:picLocks noGrp="1" noChangeAspect="1"/>
-          </p:cNvPicPr>
-          <p:nvPr>
-            <p:ph type="pic" sz="quarter" idx="13"/>
-          </p:nvPr>
-        </p:nvPicPr>
-        <p:blipFill>
-          <a:blip r:embed="rId2">
-            <a:extLst>
-              <a:ext uri="{28A0092B-C50C-407E-A947-70E740481C1C}">
-                <a14:useLocalDpi xmlns:a14="http://schemas.microsoft.com/office/drawing/2010/main" val="0"/>
-              </a:ext>
-            </a:extLst>
-          </a:blip>
-          <a:srcRect l="15476" r="15476"/>
-          <a:stretch>
-            <a:fillRect/>
-          </a:stretch>
-        </p:blipFill>
-        <p:spPr/>
-      </p:pic>
-    </p:spTree>
-    <p:extLst>
-      <p:ext uri="{BB962C8B-B14F-4D97-AF65-F5344CB8AC3E}">
-        <p14:creationId xmlns:p14="http://schemas.microsoft.com/office/powerpoint/2010/main" val="1320265218"/>
-      </p:ext>
-    </p:extLst>
-  </p:cSld>
-  <p:clrMapOvr>
-    <a:masterClrMapping/>
-  </p:clrMapOvr>
-</p:sld>
-</file>
-
 <file path=ppt/slides/slide2.xml><?xml version="1.0" encoding="utf-8"?>
 <p:sld xmlns:a="http://schemas.openxmlformats.org/drawingml/2006/main" xmlns:r="http://schemas.openxmlformats.org/officeDocument/2006/relationships" xmlns:p="http://schemas.openxmlformats.org/presentationml/2006/main">
   <p:cSld>
@@ -26761,7 +27232,7 @@
           <p:nvPr/>
         </p:nvPicPr>
         <p:blipFill>
-          <a:blip r:embed="rId2">
+          <a:blip r:embed="rId3">
             <a:extLst>
               <a:ext uri="{28A0092B-C50C-407E-A947-70E740481C1C}">
                 <a14:useLocalDpi xmlns:a14="http://schemas.microsoft.com/office/drawing/2010/main" val="0"/>
@@ -26797,7 +27268,7 @@
           <p:nvPr/>
         </p:nvPicPr>
         <p:blipFill>
-          <a:blip r:embed="rId3">
+          <a:blip r:embed="rId4">
             <a:extLst>
               <a:ext uri="{28A0092B-C50C-407E-A947-70E740481C1C}">
                 <a14:useLocalDpi xmlns:a14="http://schemas.microsoft.com/office/drawing/2010/main" val="0"/>
@@ -26923,6 +27394,267 @@
           <a:chExt cx="0" cy="0"/>
         </a:xfrm>
       </p:grpSpPr>
+      <p:sp>
+        <p:nvSpPr>
+          <p:cNvPr id="3" name="Title 2"/>
+          <p:cNvSpPr>
+            <a:spLocks noGrp="1"/>
+          </p:cNvSpPr>
+          <p:nvPr>
+            <p:ph type="title"/>
+          </p:nvPr>
+        </p:nvSpPr>
+        <p:spPr>
+          <a:xfrm>
+            <a:off x="489600" y="1052736"/>
+            <a:ext cx="7992887" cy="790567"/>
+          </a:xfrm>
+        </p:spPr>
+        <p:txBody>
+          <a:bodyPr/>
+          <a:lstStyle/>
+          <a:p>
+            <a:r>
+              <a:rPr lang="nl-NL" dirty="0"/>
+              <a:t>Methode</a:t>
+            </a:r>
+            <a:endParaRPr lang="en-US" dirty="0"/>
+          </a:p>
+        </p:txBody>
+      </p:sp>
+      <p:sp>
+        <p:nvSpPr>
+          <p:cNvPr id="4" name="Text Placeholder 3"/>
+          <p:cNvSpPr>
+            <a:spLocks noGrp="1"/>
+          </p:cNvSpPr>
+          <p:nvPr>
+            <p:ph type="body" sz="quarter" idx="14"/>
+          </p:nvPr>
+        </p:nvSpPr>
+        <p:spPr>
+          <a:xfrm>
+            <a:off x="489600" y="1980000"/>
+            <a:ext cx="7992887" cy="4113295"/>
+          </a:xfrm>
+        </p:spPr>
+        <p:txBody>
+          <a:bodyPr/>
+          <a:lstStyle/>
+          <a:p>
+            <a:pPr marL="968375" lvl="2" indent="-342900">
+              <a:spcBef>
+                <a:spcPts val="0"/>
+              </a:spcBef>
+            </a:pPr>
+            <a:r>
+              <a:rPr lang="en-US" dirty="0"/>
+              <a:t>Om de </a:t>
+            </a:r>
+            <a:r>
+              <a:rPr lang="en-US" dirty="0" err="1"/>
+              <a:t>laagste</a:t>
+            </a:r>
+            <a:r>
+              <a:rPr lang="en-US" dirty="0"/>
+              <a:t> </a:t>
+            </a:r>
+            <a:r>
+              <a:rPr lang="en-US" dirty="0" err="1"/>
+              <a:t>kosten</a:t>
+            </a:r>
+            <a:r>
+              <a:rPr lang="en-US" dirty="0"/>
+              <a:t> </a:t>
+            </a:r>
+            <a:r>
+              <a:rPr lang="en-US" dirty="0" err="1"/>
+              <a:t>te</a:t>
+            </a:r>
+            <a:r>
+              <a:rPr lang="en-US" dirty="0"/>
+              <a:t> </a:t>
+            </a:r>
+            <a:r>
+              <a:rPr lang="en-US" dirty="0" err="1"/>
+              <a:t>verkrijgen</a:t>
+            </a:r>
+            <a:r>
+              <a:rPr lang="en-US" dirty="0"/>
+              <a:t> </a:t>
+            </a:r>
+            <a:r>
+              <a:rPr lang="en-US" dirty="0" err="1"/>
+              <a:t>zijn</a:t>
+            </a:r>
+            <a:r>
+              <a:rPr lang="en-US" dirty="0"/>
+              <a:t> </a:t>
+            </a:r>
+            <a:r>
+              <a:rPr lang="en-US" dirty="0" err="1"/>
+              <a:t>algoritmen</a:t>
+            </a:r>
+            <a:r>
+              <a:rPr lang="en-US" dirty="0"/>
+              <a:t> op </a:t>
+            </a:r>
+            <a:r>
+              <a:rPr lang="en-US" dirty="0" err="1"/>
+              <a:t>laag</a:t>
+            </a:r>
+            <a:r>
+              <a:rPr lang="en-US" dirty="0"/>
+              <a:t> </a:t>
+            </a:r>
+            <a:r>
+              <a:rPr lang="en-US" dirty="0" err="1"/>
+              <a:t>en</a:t>
+            </a:r>
+            <a:r>
+              <a:rPr lang="en-US" dirty="0"/>
+              <a:t> </a:t>
+            </a:r>
+            <a:r>
+              <a:rPr lang="en-US" dirty="0" err="1"/>
+              <a:t>hoog</a:t>
+            </a:r>
+            <a:r>
+              <a:rPr lang="en-US" dirty="0"/>
+              <a:t> </a:t>
+            </a:r>
+            <a:r>
+              <a:rPr lang="en-US" dirty="0" err="1"/>
+              <a:t>niveau</a:t>
+            </a:r>
+            <a:r>
+              <a:rPr lang="en-US" dirty="0"/>
+              <a:t> </a:t>
+            </a:r>
+            <a:r>
+              <a:rPr lang="en-US" dirty="0" err="1"/>
+              <a:t>gecombineerd</a:t>
+            </a:r>
+            <a:r>
+              <a:rPr lang="en-US" dirty="0"/>
+              <a:t>. </a:t>
+            </a:r>
+          </a:p>
+          <a:p>
+            <a:pPr marL="968375" lvl="2" indent="-342900">
+              <a:spcBef>
+                <a:spcPts val="0"/>
+              </a:spcBef>
+            </a:pPr>
+            <a:endParaRPr lang="en-US" dirty="0"/>
+          </a:p>
+          <a:p>
+            <a:pPr marL="968375" lvl="2" indent="-342900">
+              <a:spcBef>
+                <a:spcPts val="0"/>
+              </a:spcBef>
+            </a:pPr>
+            <a:r>
+              <a:rPr lang="en-US" dirty="0" err="1"/>
+              <a:t>Voorbeeld</a:t>
+            </a:r>
+            <a:r>
+              <a:rPr lang="en-US" dirty="0"/>
+              <a:t>:</a:t>
+            </a:r>
+            <a:br>
+              <a:rPr lang="en-US" dirty="0"/>
+            </a:br>
+            <a:r>
+              <a:rPr lang="en-US" dirty="0"/>
+              <a:t>A*-</a:t>
+            </a:r>
+            <a:r>
+              <a:rPr lang="en-US" dirty="0" err="1"/>
+              <a:t>ScaryGate</a:t>
+            </a:r>
+            <a:r>
+              <a:rPr lang="en-US" dirty="0"/>
+              <a:t> -&gt; </a:t>
+            </a:r>
+            <a:r>
+              <a:rPr lang="en-US" dirty="0" err="1"/>
+              <a:t>Hilldescent</a:t>
+            </a:r>
+            <a:r>
+              <a:rPr lang="en-US" dirty="0"/>
+              <a:t> met A*</a:t>
+            </a:r>
+          </a:p>
+          <a:p>
+            <a:endParaRPr lang="en-US" dirty="0"/>
+          </a:p>
+          <a:p>
+            <a:endParaRPr lang="en-US" dirty="0"/>
+          </a:p>
+        </p:txBody>
+      </p:sp>
+      <p:pic>
+        <p:nvPicPr>
+          <p:cNvPr id="12" name="Picture Placeholder 11" descr="A picture containing man, standing&#10;&#10;Description automatically generated">
+            <a:extLst>
+              <a:ext uri="{FF2B5EF4-FFF2-40B4-BE49-F238E27FC236}">
+                <a16:creationId xmlns:a16="http://schemas.microsoft.com/office/drawing/2014/main" id="{976EB4B2-36FD-4549-9552-1027465645E6}"/>
+              </a:ext>
+            </a:extLst>
+          </p:cNvPr>
+          <p:cNvPicPr>
+            <a:picLocks noGrp="1" noChangeAspect="1"/>
+          </p:cNvPicPr>
+          <p:nvPr>
+            <p:ph type="pic" sz="quarter" idx="13"/>
+          </p:nvPr>
+        </p:nvPicPr>
+        <p:blipFill>
+          <a:blip r:embed="rId2">
+            <a:extLst>
+              <a:ext uri="{28A0092B-C50C-407E-A947-70E740481C1C}">
+                <a14:useLocalDpi xmlns:a14="http://schemas.microsoft.com/office/drawing/2010/main" val="0"/>
+              </a:ext>
+            </a:extLst>
+          </a:blip>
+          <a:srcRect l="15476" r="15476"/>
+          <a:stretch>
+            <a:fillRect/>
+          </a:stretch>
+        </p:blipFill>
+        <p:spPr/>
+      </p:pic>
+    </p:spTree>
+    <p:extLst>
+      <p:ext uri="{BB962C8B-B14F-4D97-AF65-F5344CB8AC3E}">
+        <p14:creationId xmlns:p14="http://schemas.microsoft.com/office/powerpoint/2010/main" val="1320265218"/>
+      </p:ext>
+    </p:extLst>
+  </p:cSld>
+  <p:clrMapOvr>
+    <a:masterClrMapping/>
+  </p:clrMapOvr>
+</p:sld>
+</file>
+
+<file path=ppt/slides/slide21.xml><?xml version="1.0" encoding="utf-8"?>
+<p:sld xmlns:a="http://schemas.openxmlformats.org/drawingml/2006/main" xmlns:r="http://schemas.openxmlformats.org/officeDocument/2006/relationships" xmlns:p="http://schemas.openxmlformats.org/presentationml/2006/main">
+  <p:cSld>
+    <p:spTree>
+      <p:nvGrpSpPr>
+        <p:cNvPr id="1" name=""/>
+        <p:cNvGrpSpPr/>
+        <p:nvPr/>
+      </p:nvGrpSpPr>
+      <p:grpSpPr>
+        <a:xfrm>
+          <a:off x="0" y="0"/>
+          <a:ext cx="0" cy="0"/>
+          <a:chOff x="0" y="0"/>
+          <a:chExt cx="0" cy="0"/>
+        </a:xfrm>
+      </p:grpSpPr>
       <p:pic>
         <p:nvPicPr>
           <p:cNvPr id="22" name="Picture 21" descr="A picture containing drawing&#10;&#10;Description automatically generated">
@@ -27046,6 +27778,13 @@
             </a:br>
             <a:r>
               <a:rPr lang="en-US" dirty="0"/>
+              <a:t>Chip 1, Net 4</a:t>
+            </a:r>
+            <a:br>
+              <a:rPr lang="en-US" dirty="0"/>
+            </a:br>
+            <a:r>
+              <a:rPr lang="en-US" dirty="0"/>
               <a:t>n = 25</a:t>
             </a:r>
           </a:p>
@@ -27085,7 +27824,7 @@
         </p:nvSpPr>
         <p:spPr>
           <a:xfrm>
-            <a:off x="-11401" y="1988839"/>
+            <a:off x="-10555" y="1988840"/>
             <a:ext cx="3734192" cy="4113295"/>
           </a:xfrm>
           <a:prstGeom prst="rect">
@@ -27286,6 +28025,13 @@
             </a:br>
             <a:r>
               <a:rPr lang="en-US" dirty="0"/>
+              <a:t>Chip 1, Net 4</a:t>
+            </a:r>
+            <a:br>
+              <a:rPr lang="en-US" dirty="0"/>
+            </a:br>
+            <a:r>
+              <a:rPr lang="en-US" dirty="0"/>
               <a:t>n = 25</a:t>
             </a:r>
           </a:p>
@@ -27374,7 +28120,7 @@
           </a:lstStyle>
           <a:p>
             <a:r>
-              <a:rPr lang="nl-NL"/>
+              <a:rPr lang="nl-NL" dirty="0"/>
               <a:t>Resultaten</a:t>
             </a:r>
             <a:endParaRPr lang="en-US" dirty="0"/>
@@ -27562,7 +28308,7 @@
 </p:sld>
 </file>
 
-<file path=ppt/slides/slide21.xml><?xml version="1.0" encoding="utf-8"?>
+<file path=ppt/slides/slide22.xml><?xml version="1.0" encoding="utf-8"?>
 <p:sld xmlns:a="http://schemas.openxmlformats.org/drawingml/2006/main" xmlns:r="http://schemas.openxmlformats.org/officeDocument/2006/relationships" xmlns:p="http://schemas.openxmlformats.org/presentationml/2006/main">
   <p:cSld>
     <p:spTree>
@@ -27579,12 +28325,67 @@
           <a:chExt cx="0" cy="0"/>
         </a:xfrm>
       </p:grpSpPr>
+      <p:sp>
+        <p:nvSpPr>
+          <p:cNvPr id="3" name="Title 2"/>
+          <p:cNvSpPr>
+            <a:spLocks noGrp="1"/>
+          </p:cNvSpPr>
+          <p:nvPr>
+            <p:ph type="title"/>
+          </p:nvPr>
+        </p:nvSpPr>
+        <p:spPr>
+          <a:xfrm>
+            <a:off x="483738" y="620688"/>
+            <a:ext cx="7992887" cy="790567"/>
+          </a:xfrm>
+        </p:spPr>
+        <p:txBody>
+          <a:bodyPr/>
+          <a:lstStyle/>
+          <a:p>
+            <a:r>
+              <a:rPr lang="nl-NL" dirty="0"/>
+              <a:t>Resultaten</a:t>
+            </a:r>
+            <a:endParaRPr lang="en-US" dirty="0"/>
+          </a:p>
+        </p:txBody>
+      </p:sp>
+      <p:sp>
+        <p:nvSpPr>
+          <p:cNvPr id="4" name="Text Placeholder 3"/>
+          <p:cNvSpPr>
+            <a:spLocks noGrp="1"/>
+          </p:cNvSpPr>
+          <p:nvPr>
+            <p:ph type="body" sz="quarter" idx="14"/>
+          </p:nvPr>
+        </p:nvSpPr>
+        <p:spPr>
+          <a:xfrm>
+            <a:off x="489600" y="1980000"/>
+            <a:ext cx="7992887" cy="4113295"/>
+          </a:xfrm>
+        </p:spPr>
+        <p:txBody>
+          <a:bodyPr/>
+          <a:lstStyle/>
+          <a:p>
+            <a:endParaRPr lang="en-US" dirty="0"/>
+          </a:p>
+          <a:p>
+            <a:endParaRPr lang="en-US" dirty="0"/>
+          </a:p>
+        </p:txBody>
+      </p:sp>
       <p:pic>
         <p:nvPicPr>
-          <p:cNvPr id="22" name="Picture 21" descr="A picture containing drawing&#10;&#10;Description automatically generated">
+          <p:cNvPr id="11" name="Picture 10" descr="A screenshot of a cell phone&#10;&#10;Description automatically generated">
             <a:extLst>
               <a:ext uri="{FF2B5EF4-FFF2-40B4-BE49-F238E27FC236}">
-                <a16:creationId xmlns:a16="http://schemas.microsoft.com/office/drawing/2014/main" id="{76AE8512-5E43-4A3A-AB96-1B7D31CF6725}"/>
+                <a16:creationId xmlns:a16="http://schemas.microsoft.com/office/drawing/2014/main" id="{AEECB637-3EFB-47A0-8EB1-180265996979}"/>
               </a:ext>
             </a:extLst>
           </p:cNvPr>
@@ -27607,8 +28408,8 @@
         </p:blipFill>
         <p:spPr>
           <a:xfrm>
-            <a:off x="0" y="2515138"/>
-            <a:ext cx="5832301" cy="4356000"/>
+            <a:off x="4055699" y="781200"/>
+            <a:ext cx="8136301" cy="6076800"/>
           </a:xfrm>
           <a:prstGeom prst="rect">
             <a:avLst/>
@@ -27617,10 +28418,10 @@
       </p:pic>
       <p:pic>
         <p:nvPicPr>
-          <p:cNvPr id="24" name="Picture 23" descr="A close up of text on a white background&#10;&#10;Description automatically generated">
+          <p:cNvPr id="14" name="Picture 13" descr="A screenshot of a cell phone&#10;&#10;Description automatically generated">
             <a:extLst>
               <a:ext uri="{FF2B5EF4-FFF2-40B4-BE49-F238E27FC236}">
-                <a16:creationId xmlns:a16="http://schemas.microsoft.com/office/drawing/2014/main" id="{6FE8EC0E-E172-44DF-8F9C-8A0FE6746C75}"/>
+                <a16:creationId xmlns:a16="http://schemas.microsoft.com/office/drawing/2014/main" id="{C2C8A11A-B906-4585-90FB-0A467E034C54}"/>
               </a:ext>
             </a:extLst>
           </p:cNvPr>
@@ -27643,8 +28444,8 @@
         </p:blipFill>
         <p:spPr>
           <a:xfrm>
-            <a:off x="6359701" y="2502000"/>
-            <a:ext cx="5832301" cy="4356000"/>
+            <a:off x="4055698" y="782536"/>
+            <a:ext cx="8136301" cy="6076800"/>
           </a:xfrm>
           <a:prstGeom prst="rect">
             <a:avLst/>
@@ -27653,10 +28454,10 @@
       </p:pic>
       <p:sp>
         <p:nvSpPr>
-          <p:cNvPr id="9" name="Title 2">
+          <p:cNvPr id="15" name="Text Placeholder 3">
             <a:extLst>
               <a:ext uri="{FF2B5EF4-FFF2-40B4-BE49-F238E27FC236}">
-                <a16:creationId xmlns:a16="http://schemas.microsoft.com/office/drawing/2014/main" id="{ED4DBBAA-EC30-46A4-90E6-2BC784C1151C}"/>
+                <a16:creationId xmlns:a16="http://schemas.microsoft.com/office/drawing/2014/main" id="{D668B4C8-DE37-444E-9BCC-D54DA163D3AD}"/>
               </a:ext>
             </a:extLst>
           </p:cNvPr>
@@ -27667,63 +28468,8 @@
         </p:nvSpPr>
         <p:spPr>
           <a:xfrm>
-            <a:off x="483738" y="620688"/>
-            <a:ext cx="7992887" cy="790567"/>
-          </a:xfrm>
-          <a:prstGeom prst="rect">
-            <a:avLst/>
-          </a:prstGeom>
-        </p:spPr>
-        <p:txBody>
-          <a:bodyPr vert="horz" lIns="91440" tIns="45720" rIns="91440" bIns="45720" rtlCol="0" anchor="b">
-            <a:normAutofit/>
-          </a:bodyPr>
-          <a:lstStyle>
-            <a:lvl1pPr algn="l" defTabSz="914400" rtl="0" eaLnBrk="1" latinLnBrk="0" hangingPunct="1">
-              <a:lnSpc>
-                <a:spcPct val="100000"/>
-              </a:lnSpc>
-              <a:spcBef>
-                <a:spcPct val="0"/>
-              </a:spcBef>
-              <a:buNone/>
-              <a:defRPr sz="3600" b="1" kern="1200">
-                <a:solidFill>
-                  <a:schemeClr val="accent1"/>
-                </a:solidFill>
-                <a:latin typeface="+mj-lt"/>
-                <a:ea typeface="Source Sans Pro" panose="020B0503030403020204" pitchFamily="34" charset="0"/>
-                <a:cs typeface="+mj-cs"/>
-              </a:defRPr>
-            </a:lvl1pPr>
-          </a:lstStyle>
-          <a:p>
-            <a:r>
-              <a:rPr lang="nl-NL"/>
-              <a:t>Resultaten</a:t>
-            </a:r>
-            <a:endParaRPr lang="en-US" dirty="0"/>
-          </a:p>
-        </p:txBody>
-      </p:sp>
-      <p:sp>
-        <p:nvSpPr>
-          <p:cNvPr id="10" name="Text Placeholder 3">
-            <a:extLst>
-              <a:ext uri="{FF2B5EF4-FFF2-40B4-BE49-F238E27FC236}">
-                <a16:creationId xmlns:a16="http://schemas.microsoft.com/office/drawing/2014/main" id="{D98B0682-F4A4-431D-85A3-94ED98B27E1C}"/>
-              </a:ext>
-            </a:extLst>
-          </p:cNvPr>
-          <p:cNvSpPr txBox="1">
-            <a:spLocks/>
-          </p:cNvSpPr>
-          <p:nvPr/>
-        </p:nvSpPr>
-        <p:spPr>
-          <a:xfrm>
-            <a:off x="0" y="1411255"/>
-            <a:ext cx="11712955" cy="790567"/>
+            <a:off x="-10555" y="1988840"/>
+            <a:ext cx="3734192" cy="4113295"/>
           </a:xfrm>
           <a:prstGeom prst="rect">
             <a:avLst/>
@@ -27905,7 +28651,7 @@
             </a:pPr>
             <a:r>
               <a:rPr lang="en-US" dirty="0" err="1"/>
-              <a:t>ScaryGates</a:t>
+              <a:t>Gemiddelde</a:t>
             </a:r>
             <a:r>
               <a:rPr lang="en-US" dirty="0"/>
@@ -27913,224 +28659,53 @@
             </a:r>
             <a:r>
               <a:rPr lang="en-US" dirty="0" err="1"/>
-              <a:t>heeft</a:t>
-            </a:r>
-            <a:r>
+              <a:t>Kosten</a:t>
+            </a:r>
+            <a:br>
               <a:rPr lang="en-US" dirty="0"/>
-              <a:t> de </a:t>
-            </a:r>
-            <a:r>
-              <a:rPr lang="en-US" dirty="0" err="1"/>
-              <a:t>laagste</a:t>
-            </a:r>
-            <a:r>
+            </a:br>
+            <a:br>
               <a:rPr lang="en-US" dirty="0"/>
-              <a:t> </a:t>
-            </a:r>
-            <a:r>
-              <a:rPr lang="en-US" dirty="0" err="1"/>
-              <a:t>gemiddelde</a:t>
-            </a:r>
+            </a:br>
             <a:r>
               <a:rPr lang="en-US" dirty="0"/>
-              <a:t> </a:t>
-            </a:r>
-            <a:r>
-              <a:rPr lang="en-US" dirty="0" err="1"/>
-              <a:t>en</a:t>
-            </a:r>
-            <a:r>
+              <a:t>Chip 1, Net 4</a:t>
+            </a:r>
+            <a:br>
               <a:rPr lang="en-US" dirty="0"/>
-              <a:t> </a:t>
-            </a:r>
-            <a:r>
-              <a:rPr lang="en-US" dirty="0" err="1"/>
-              <a:t>minimale</a:t>
-            </a:r>
+            </a:br>
             <a:r>
               <a:rPr lang="en-US" dirty="0"/>
-              <a:t> </a:t>
-            </a:r>
-            <a:r>
-              <a:rPr lang="en-US" dirty="0" err="1"/>
-              <a:t>kosten</a:t>
-            </a:r>
+              <a:t>n = 25</a:t>
+            </a:r>
+          </a:p>
+          <a:p>
+            <a:pPr lvl="2" indent="0">
+              <a:spcBef>
+                <a:spcPts val="0"/>
+              </a:spcBef>
+              <a:buFont typeface="Arial" panose="020B0604020202020204" pitchFamily="34" charset="0"/>
+              <a:buNone/>
+            </a:pPr>
             <a:r>
               <a:rPr lang="en-US" dirty="0"/>
-              <a:t>.</a:t>
+              <a:t>						</a:t>
             </a:r>
           </a:p>
           <a:p>
             <a:endParaRPr lang="en-US" dirty="0"/>
           </a:p>
           <a:p>
-            <a:endParaRPr lang="en-US" dirty="0"/>
-          </a:p>
-        </p:txBody>
-      </p:sp>
-    </p:spTree>
-    <p:extLst>
-      <p:ext uri="{BB962C8B-B14F-4D97-AF65-F5344CB8AC3E}">
-        <p14:creationId xmlns:p14="http://schemas.microsoft.com/office/powerpoint/2010/main" val="3315980202"/>
-      </p:ext>
-    </p:extLst>
-  </p:cSld>
-  <p:clrMapOvr>
-    <a:masterClrMapping/>
-  </p:clrMapOvr>
-</p:sld>
-</file>
-
-<file path=ppt/slides/slide22.xml><?xml version="1.0" encoding="utf-8"?>
-<p:sld xmlns:a="http://schemas.openxmlformats.org/drawingml/2006/main" xmlns:r="http://schemas.openxmlformats.org/officeDocument/2006/relationships" xmlns:p="http://schemas.openxmlformats.org/presentationml/2006/main">
-  <p:cSld>
-    <p:spTree>
-      <p:nvGrpSpPr>
-        <p:cNvPr id="1" name=""/>
-        <p:cNvGrpSpPr/>
-        <p:nvPr/>
-      </p:nvGrpSpPr>
-      <p:grpSpPr>
-        <a:xfrm>
-          <a:off x="0" y="0"/>
-          <a:ext cx="0" cy="0"/>
-          <a:chOff x="0" y="0"/>
-          <a:chExt cx="0" cy="0"/>
-        </a:xfrm>
-      </p:grpSpPr>
-      <p:sp>
-        <p:nvSpPr>
-          <p:cNvPr id="3" name="Title 2"/>
-          <p:cNvSpPr>
-            <a:spLocks noGrp="1"/>
-          </p:cNvSpPr>
-          <p:nvPr>
-            <p:ph type="title"/>
-          </p:nvPr>
-        </p:nvSpPr>
-        <p:spPr>
-          <a:xfrm>
-            <a:off x="483738" y="620688"/>
-            <a:ext cx="7992887" cy="790567"/>
-          </a:xfrm>
-        </p:spPr>
-        <p:txBody>
-          <a:bodyPr/>
-          <a:lstStyle/>
-          <a:p>
-            <a:r>
-              <a:rPr lang="nl-NL" dirty="0"/>
-              <a:t>Resultaten</a:t>
-            </a:r>
             <a:endParaRPr lang="en-US" dirty="0"/>
           </a:p>
         </p:txBody>
       </p:sp>
       <p:sp>
         <p:nvSpPr>
-          <p:cNvPr id="4" name="Text Placeholder 3"/>
-          <p:cNvSpPr>
-            <a:spLocks noGrp="1"/>
-          </p:cNvSpPr>
-          <p:nvPr>
-            <p:ph type="body" sz="quarter" idx="14"/>
-          </p:nvPr>
-        </p:nvSpPr>
-        <p:spPr>
-          <a:xfrm>
-            <a:off x="489600" y="1980000"/>
-            <a:ext cx="7992887" cy="4113295"/>
-          </a:xfrm>
-        </p:spPr>
-        <p:txBody>
-          <a:bodyPr/>
-          <a:lstStyle/>
-          <a:p>
-            <a:endParaRPr lang="en-US" dirty="0"/>
-          </a:p>
-          <a:p>
-            <a:endParaRPr lang="en-US" dirty="0"/>
-          </a:p>
-        </p:txBody>
-      </p:sp>
-      <p:pic>
-        <p:nvPicPr>
-          <p:cNvPr id="11" name="Picture 10" descr="A screenshot of a cell phone&#10;&#10;Description automatically generated">
+          <p:cNvPr id="16" name="Text Placeholder 3">
             <a:extLst>
               <a:ext uri="{FF2B5EF4-FFF2-40B4-BE49-F238E27FC236}">
-                <a16:creationId xmlns:a16="http://schemas.microsoft.com/office/drawing/2014/main" id="{AEECB637-3EFB-47A0-8EB1-180265996979}"/>
-              </a:ext>
-            </a:extLst>
-          </p:cNvPr>
-          <p:cNvPicPr>
-            <a:picLocks noChangeAspect="1"/>
-          </p:cNvPicPr>
-          <p:nvPr/>
-        </p:nvPicPr>
-        <p:blipFill>
-          <a:blip r:embed="rId3">
-            <a:extLst>
-              <a:ext uri="{28A0092B-C50C-407E-A947-70E740481C1C}">
-                <a14:useLocalDpi xmlns:a14="http://schemas.microsoft.com/office/drawing/2010/main" val="0"/>
-              </a:ext>
-            </a:extLst>
-          </a:blip>
-          <a:stretch>
-            <a:fillRect/>
-          </a:stretch>
-        </p:blipFill>
-        <p:spPr>
-          <a:xfrm>
-            <a:off x="4055699" y="781200"/>
-            <a:ext cx="8136301" cy="6076800"/>
-          </a:xfrm>
-          <a:prstGeom prst="rect">
-            <a:avLst/>
-          </a:prstGeom>
-        </p:spPr>
-      </p:pic>
-      <p:pic>
-        <p:nvPicPr>
-          <p:cNvPr id="14" name="Picture 13" descr="A screenshot of a cell phone&#10;&#10;Description automatically generated">
-            <a:extLst>
-              <a:ext uri="{FF2B5EF4-FFF2-40B4-BE49-F238E27FC236}">
-                <a16:creationId xmlns:a16="http://schemas.microsoft.com/office/drawing/2014/main" id="{C2C8A11A-B906-4585-90FB-0A467E034C54}"/>
-              </a:ext>
-            </a:extLst>
-          </p:cNvPr>
-          <p:cNvPicPr>
-            <a:picLocks noChangeAspect="1"/>
-          </p:cNvPicPr>
-          <p:nvPr/>
-        </p:nvPicPr>
-        <p:blipFill>
-          <a:blip r:embed="rId4">
-            <a:extLst>
-              <a:ext uri="{28A0092B-C50C-407E-A947-70E740481C1C}">
-                <a14:useLocalDpi xmlns:a14="http://schemas.microsoft.com/office/drawing/2010/main" val="0"/>
-              </a:ext>
-            </a:extLst>
-          </a:blip>
-          <a:stretch>
-            <a:fillRect/>
-          </a:stretch>
-        </p:blipFill>
-        <p:spPr>
-          <a:xfrm>
-            <a:off x="4055698" y="782536"/>
-            <a:ext cx="8136301" cy="6076800"/>
-          </a:xfrm>
-          <a:prstGeom prst="rect">
-            <a:avLst/>
-          </a:prstGeom>
-        </p:spPr>
-      </p:pic>
-      <p:sp>
-        <p:nvSpPr>
-          <p:cNvPr id="15" name="Text Placeholder 3">
-            <a:extLst>
-              <a:ext uri="{FF2B5EF4-FFF2-40B4-BE49-F238E27FC236}">
-                <a16:creationId xmlns:a16="http://schemas.microsoft.com/office/drawing/2014/main" id="{D668B4C8-DE37-444E-9BCC-D54DA163D3AD}"/>
+                <a16:creationId xmlns:a16="http://schemas.microsoft.com/office/drawing/2014/main" id="{D516497E-42CC-4F01-AC00-6A2CC3E1E502}"/>
               </a:ext>
             </a:extLst>
           </p:cNvPr>
@@ -28141,7 +28716,7 @@
         </p:nvSpPr>
         <p:spPr>
           <a:xfrm>
-            <a:off x="-10555" y="1988840"/>
+            <a:off x="0" y="1988840"/>
             <a:ext cx="3734192" cy="4113295"/>
           </a:xfrm>
           <a:prstGeom prst="rect">
@@ -28324,7 +28899,7 @@
             </a:pPr>
             <a:r>
               <a:rPr lang="en-US" dirty="0" err="1"/>
-              <a:t>Gemiddelde</a:t>
+              <a:t>Minimale</a:t>
             </a:r>
             <a:r>
               <a:rPr lang="en-US" dirty="0"/>
@@ -28337,6 +28912,13 @@
             <a:br>
               <a:rPr lang="en-US" dirty="0"/>
             </a:br>
+            <a:br>
+              <a:rPr lang="en-US" dirty="0"/>
+            </a:br>
+            <a:r>
+              <a:rPr lang="en-US" dirty="0"/>
+              <a:t>Chip 1, Net 4</a:t>
+            </a:r>
             <a:br>
               <a:rPr lang="en-US" dirty="0"/>
             </a:br>
@@ -28366,12 +28948,247 @@
           </a:p>
         </p:txBody>
       </p:sp>
+    </p:spTree>
+    <p:extLst>
+      <p:ext uri="{BB962C8B-B14F-4D97-AF65-F5344CB8AC3E}">
+        <p14:creationId xmlns:p14="http://schemas.microsoft.com/office/powerpoint/2010/main" val="1701596052"/>
+      </p:ext>
+    </p:extLst>
+  </p:cSld>
+  <p:clrMapOvr>
+    <a:masterClrMapping/>
+  </p:clrMapOvr>
+  <p:timing>
+    <p:tnLst>
+      <p:par>
+        <p:cTn id="1" dur="indefinite" restart="never" nodeType="tmRoot">
+          <p:childTnLst>
+            <p:seq concurrent="1" nextAc="seek">
+              <p:cTn id="2" dur="indefinite" nodeType="mainSeq">
+                <p:childTnLst>
+                  <p:par>
+                    <p:cTn id="3" fill="hold">
+                      <p:stCondLst>
+                        <p:cond delay="indefinite"/>
+                      </p:stCondLst>
+                      <p:childTnLst>
+                        <p:par>
+                          <p:cTn id="4" fill="hold">
+                            <p:stCondLst>
+                              <p:cond delay="0"/>
+                            </p:stCondLst>
+                            <p:childTnLst>
+                              <p:par>
+                                <p:cTn id="5" presetID="1" presetClass="entr" presetSubtype="0" fill="hold" nodeType="clickEffect">
+                                  <p:stCondLst>
+                                    <p:cond delay="0"/>
+                                  </p:stCondLst>
+                                  <p:childTnLst>
+                                    <p:set>
+                                      <p:cBhvr>
+                                        <p:cTn id="6" dur="1" fill="hold">
+                                          <p:stCondLst>
+                                            <p:cond delay="0"/>
+                                          </p:stCondLst>
+                                        </p:cTn>
+                                        <p:tgtEl>
+                                          <p:spTgt spid="14"/>
+                                        </p:tgtEl>
+                                        <p:attrNameLst>
+                                          <p:attrName>style.visibility</p:attrName>
+                                        </p:attrNameLst>
+                                      </p:cBhvr>
+                                      <p:to>
+                                        <p:strVal val="visible"/>
+                                      </p:to>
+                                    </p:set>
+                                  </p:childTnLst>
+                                </p:cTn>
+                              </p:par>
+                              <p:par>
+                                <p:cTn id="7" presetID="1" presetClass="exit" presetSubtype="0" fill="hold" grpId="0" nodeType="withEffect">
+                                  <p:stCondLst>
+                                    <p:cond delay="0"/>
+                                  </p:stCondLst>
+                                  <p:childTnLst>
+                                    <p:set>
+                                      <p:cBhvr>
+                                        <p:cTn id="8" dur="1" fill="hold">
+                                          <p:stCondLst>
+                                            <p:cond delay="0"/>
+                                          </p:stCondLst>
+                                        </p:cTn>
+                                        <p:tgtEl>
+                                          <p:spTgt spid="15"/>
+                                        </p:tgtEl>
+                                        <p:attrNameLst>
+                                          <p:attrName>style.visibility</p:attrName>
+                                        </p:attrNameLst>
+                                      </p:cBhvr>
+                                      <p:to>
+                                        <p:strVal val="hidden"/>
+                                      </p:to>
+                                    </p:set>
+                                  </p:childTnLst>
+                                </p:cTn>
+                              </p:par>
+                              <p:par>
+                                <p:cTn id="9" presetID="1" presetClass="entr" presetSubtype="0" fill="hold" grpId="0" nodeType="withEffect">
+                                  <p:stCondLst>
+                                    <p:cond delay="0"/>
+                                  </p:stCondLst>
+                                  <p:childTnLst>
+                                    <p:set>
+                                      <p:cBhvr>
+                                        <p:cTn id="10" dur="1" fill="hold">
+                                          <p:stCondLst>
+                                            <p:cond delay="0"/>
+                                          </p:stCondLst>
+                                        </p:cTn>
+                                        <p:tgtEl>
+                                          <p:spTgt spid="16"/>
+                                        </p:tgtEl>
+                                        <p:attrNameLst>
+                                          <p:attrName>style.visibility</p:attrName>
+                                        </p:attrNameLst>
+                                      </p:cBhvr>
+                                      <p:to>
+                                        <p:strVal val="visible"/>
+                                      </p:to>
+                                    </p:set>
+                                  </p:childTnLst>
+                                </p:cTn>
+                              </p:par>
+                            </p:childTnLst>
+                          </p:cTn>
+                        </p:par>
+                      </p:childTnLst>
+                    </p:cTn>
+                  </p:par>
+                </p:childTnLst>
+              </p:cTn>
+              <p:prevCondLst>
+                <p:cond evt="onPrev" delay="0">
+                  <p:tgtEl>
+                    <p:sldTgt/>
+                  </p:tgtEl>
+                </p:cond>
+              </p:prevCondLst>
+              <p:nextCondLst>
+                <p:cond evt="onNext" delay="0">
+                  <p:tgtEl>
+                    <p:sldTgt/>
+                  </p:tgtEl>
+                </p:cond>
+              </p:nextCondLst>
+            </p:seq>
+          </p:childTnLst>
+        </p:cTn>
+      </p:par>
+    </p:tnLst>
+    <p:bldLst>
+      <p:bldP spid="15" grpId="0"/>
+      <p:bldP spid="16" grpId="0"/>
+    </p:bldLst>
+  </p:timing>
+</p:sld>
+</file>
+
+<file path=ppt/slides/slide23.xml><?xml version="1.0" encoding="utf-8"?>
+<p:sld xmlns:a="http://schemas.openxmlformats.org/drawingml/2006/main" xmlns:r="http://schemas.openxmlformats.org/officeDocument/2006/relationships" xmlns:p="http://schemas.openxmlformats.org/presentationml/2006/main">
+  <p:cSld>
+    <p:spTree>
+      <p:nvGrpSpPr>
+        <p:cNvPr id="1" name=""/>
+        <p:cNvGrpSpPr/>
+        <p:nvPr/>
+      </p:nvGrpSpPr>
+      <p:grpSpPr>
+        <a:xfrm>
+          <a:off x="0" y="0"/>
+          <a:ext cx="0" cy="0"/>
+          <a:chOff x="0" y="0"/>
+          <a:chExt cx="0" cy="0"/>
+        </a:xfrm>
+      </p:grpSpPr>
+      <p:pic>
+        <p:nvPicPr>
+          <p:cNvPr id="22" name="Picture 21" descr="A picture containing drawing&#10;&#10;Description automatically generated">
+            <a:extLst>
+              <a:ext uri="{FF2B5EF4-FFF2-40B4-BE49-F238E27FC236}">
+                <a16:creationId xmlns:a16="http://schemas.microsoft.com/office/drawing/2014/main" id="{76AE8512-5E43-4A3A-AB96-1B7D31CF6725}"/>
+              </a:ext>
+            </a:extLst>
+          </p:cNvPr>
+          <p:cNvPicPr>
+            <a:picLocks noChangeAspect="1"/>
+          </p:cNvPicPr>
+          <p:nvPr/>
+        </p:nvPicPr>
+        <p:blipFill>
+          <a:blip r:embed="rId3">
+            <a:extLst>
+              <a:ext uri="{28A0092B-C50C-407E-A947-70E740481C1C}">
+                <a14:useLocalDpi xmlns:a14="http://schemas.microsoft.com/office/drawing/2010/main" val="0"/>
+              </a:ext>
+            </a:extLst>
+          </a:blip>
+          <a:stretch>
+            <a:fillRect/>
+          </a:stretch>
+        </p:blipFill>
+        <p:spPr>
+          <a:xfrm>
+            <a:off x="0" y="2515138"/>
+            <a:ext cx="5832301" cy="4356000"/>
+          </a:xfrm>
+          <a:prstGeom prst="rect">
+            <a:avLst/>
+          </a:prstGeom>
+        </p:spPr>
+      </p:pic>
+      <p:pic>
+        <p:nvPicPr>
+          <p:cNvPr id="24" name="Picture 23" descr="A close up of text on a white background&#10;&#10;Description automatically generated">
+            <a:extLst>
+              <a:ext uri="{FF2B5EF4-FFF2-40B4-BE49-F238E27FC236}">
+                <a16:creationId xmlns:a16="http://schemas.microsoft.com/office/drawing/2014/main" id="{6FE8EC0E-E172-44DF-8F9C-8A0FE6746C75}"/>
+              </a:ext>
+            </a:extLst>
+          </p:cNvPr>
+          <p:cNvPicPr>
+            <a:picLocks noChangeAspect="1"/>
+          </p:cNvPicPr>
+          <p:nvPr/>
+        </p:nvPicPr>
+        <p:blipFill>
+          <a:blip r:embed="rId4">
+            <a:extLst>
+              <a:ext uri="{28A0092B-C50C-407E-A947-70E740481C1C}">
+                <a14:useLocalDpi xmlns:a14="http://schemas.microsoft.com/office/drawing/2010/main" val="0"/>
+              </a:ext>
+            </a:extLst>
+          </a:blip>
+          <a:stretch>
+            <a:fillRect/>
+          </a:stretch>
+        </p:blipFill>
+        <p:spPr>
+          <a:xfrm>
+            <a:off x="6359701" y="2502000"/>
+            <a:ext cx="5832301" cy="4356000"/>
+          </a:xfrm>
+          <a:prstGeom prst="rect">
+            <a:avLst/>
+          </a:prstGeom>
+        </p:spPr>
+      </p:pic>
       <p:sp>
         <p:nvSpPr>
-          <p:cNvPr id="16" name="Text Placeholder 3">
+          <p:cNvPr id="9" name="Title 2">
             <a:extLst>
               <a:ext uri="{FF2B5EF4-FFF2-40B4-BE49-F238E27FC236}">
-                <a16:creationId xmlns:a16="http://schemas.microsoft.com/office/drawing/2014/main" id="{D516497E-42CC-4F01-AC00-6A2CC3E1E502}"/>
+                <a16:creationId xmlns:a16="http://schemas.microsoft.com/office/drawing/2014/main" id="{ED4DBBAA-EC30-46A4-90E6-2BC784C1151C}"/>
               </a:ext>
             </a:extLst>
           </p:cNvPr>
@@ -28382,8 +29199,63 @@
         </p:nvSpPr>
         <p:spPr>
           <a:xfrm>
-            <a:off x="-10555" y="1988839"/>
-            <a:ext cx="3734192" cy="4113295"/>
+            <a:off x="483738" y="620688"/>
+            <a:ext cx="7992887" cy="790567"/>
+          </a:xfrm>
+          <a:prstGeom prst="rect">
+            <a:avLst/>
+          </a:prstGeom>
+        </p:spPr>
+        <p:txBody>
+          <a:bodyPr vert="horz" lIns="91440" tIns="45720" rIns="91440" bIns="45720" rtlCol="0" anchor="b">
+            <a:normAutofit/>
+          </a:bodyPr>
+          <a:lstStyle>
+            <a:lvl1pPr algn="l" defTabSz="914400" rtl="0" eaLnBrk="1" latinLnBrk="0" hangingPunct="1">
+              <a:lnSpc>
+                <a:spcPct val="100000"/>
+              </a:lnSpc>
+              <a:spcBef>
+                <a:spcPct val="0"/>
+              </a:spcBef>
+              <a:buNone/>
+              <a:defRPr sz="3600" b="1" kern="1200">
+                <a:solidFill>
+                  <a:schemeClr val="accent1"/>
+                </a:solidFill>
+                <a:latin typeface="+mj-lt"/>
+                <a:ea typeface="Source Sans Pro" panose="020B0503030403020204" pitchFamily="34" charset="0"/>
+                <a:cs typeface="+mj-cs"/>
+              </a:defRPr>
+            </a:lvl1pPr>
+          </a:lstStyle>
+          <a:p>
+            <a:r>
+              <a:rPr lang="nl-NL" dirty="0"/>
+              <a:t>Resultaten samengevat</a:t>
+            </a:r>
+            <a:endParaRPr lang="en-US" dirty="0"/>
+          </a:p>
+        </p:txBody>
+      </p:sp>
+      <p:sp>
+        <p:nvSpPr>
+          <p:cNvPr id="10" name="Text Placeholder 3">
+            <a:extLst>
+              <a:ext uri="{FF2B5EF4-FFF2-40B4-BE49-F238E27FC236}">
+                <a16:creationId xmlns:a16="http://schemas.microsoft.com/office/drawing/2014/main" id="{D98B0682-F4A4-431D-85A3-94ED98B27E1C}"/>
+              </a:ext>
+            </a:extLst>
+          </p:cNvPr>
+          <p:cNvSpPr txBox="1">
+            <a:spLocks/>
+          </p:cNvSpPr>
+          <p:nvPr/>
+        </p:nvSpPr>
+        <p:spPr>
+          <a:xfrm>
+            <a:off x="0" y="1411255"/>
+            <a:ext cx="11712955" cy="790567"/>
           </a:xfrm>
           <a:prstGeom prst="rect">
             <a:avLst/>
@@ -28565,7 +29437,7 @@
             </a:pPr>
             <a:r>
               <a:rPr lang="en-US" dirty="0" err="1"/>
-              <a:t>Minimale</a:t>
+              <a:t>ScaryGates</a:t>
             </a:r>
             <a:r>
               <a:rPr lang="en-US" dirty="0"/>
@@ -28573,30 +29445,51 @@
             </a:r>
             <a:r>
               <a:rPr lang="en-US" dirty="0" err="1"/>
-              <a:t>Kosten</a:t>
-            </a:r>
-            <a:br>
+              <a:t>heeft</a:t>
+            </a:r>
+            <a:r>
               <a:rPr lang="en-US" dirty="0"/>
-            </a:br>
-            <a:br>
+              <a:t> de </a:t>
+            </a:r>
+            <a:r>
+              <a:rPr lang="en-US" dirty="0" err="1"/>
+              <a:t>laagste</a:t>
+            </a:r>
+            <a:r>
               <a:rPr lang="en-US" dirty="0"/>
-            </a:br>
+              <a:t> </a:t>
+            </a:r>
+            <a:r>
+              <a:rPr lang="en-US" dirty="0" err="1"/>
+              <a:t>gemiddelde</a:t>
+            </a:r>
             <a:r>
               <a:rPr lang="en-US" dirty="0"/>
-              <a:t>n = 25</a:t>
-            </a:r>
-          </a:p>
-          <a:p>
-            <a:pPr lvl="2" indent="0">
-              <a:spcBef>
-                <a:spcPts val="0"/>
-              </a:spcBef>
-              <a:buFont typeface="Arial" panose="020B0604020202020204" pitchFamily="34" charset="0"/>
-              <a:buNone/>
-            </a:pPr>
+              <a:t> </a:t>
+            </a:r>
+            <a:r>
+              <a:rPr lang="en-US" dirty="0" err="1"/>
+              <a:t>en</a:t>
+            </a:r>
             <a:r>
               <a:rPr lang="en-US" dirty="0"/>
-              <a:t>						</a:t>
+              <a:t> </a:t>
+            </a:r>
+            <a:r>
+              <a:rPr lang="en-US" dirty="0" err="1"/>
+              <a:t>minimale</a:t>
+            </a:r>
+            <a:r>
+              <a:rPr lang="en-US" dirty="0"/>
+              <a:t> </a:t>
+            </a:r>
+            <a:r>
+              <a:rPr lang="en-US" dirty="0" err="1"/>
+              <a:t>kosten</a:t>
+            </a:r>
+            <a:r>
+              <a:rPr lang="en-US" dirty="0"/>
+              <a:t>.</a:t>
             </a:r>
           </a:p>
           <a:p>
@@ -28610,150 +29503,17 @@
     </p:spTree>
     <p:extLst>
       <p:ext uri="{BB962C8B-B14F-4D97-AF65-F5344CB8AC3E}">
-        <p14:creationId xmlns:p14="http://schemas.microsoft.com/office/powerpoint/2010/main" val="1701596052"/>
+        <p14:creationId xmlns:p14="http://schemas.microsoft.com/office/powerpoint/2010/main" val="3315980202"/>
       </p:ext>
     </p:extLst>
   </p:cSld>
   <p:clrMapOvr>
     <a:masterClrMapping/>
   </p:clrMapOvr>
-  <p:timing>
-    <p:tnLst>
-      <p:par>
-        <p:cTn id="1" dur="indefinite" restart="never" nodeType="tmRoot">
-          <p:childTnLst>
-            <p:seq concurrent="1" nextAc="seek">
-              <p:cTn id="2" dur="indefinite" nodeType="mainSeq">
-                <p:childTnLst>
-                  <p:par>
-                    <p:cTn id="3" fill="hold">
-                      <p:stCondLst>
-                        <p:cond delay="indefinite"/>
-                      </p:stCondLst>
-                      <p:childTnLst>
-                        <p:par>
-                          <p:cTn id="4" fill="hold">
-                            <p:stCondLst>
-                              <p:cond delay="0"/>
-                            </p:stCondLst>
-                            <p:childTnLst>
-                              <p:par>
-                                <p:cTn id="5" presetID="1" presetClass="entr" presetSubtype="0" fill="hold" nodeType="clickEffect">
-                                  <p:stCondLst>
-                                    <p:cond delay="0"/>
-                                  </p:stCondLst>
-                                  <p:childTnLst>
-                                    <p:set>
-                                      <p:cBhvr>
-                                        <p:cTn id="6" dur="1" fill="hold">
-                                          <p:stCondLst>
-                                            <p:cond delay="0"/>
-                                          </p:stCondLst>
-                                        </p:cTn>
-                                        <p:tgtEl>
-                                          <p:spTgt spid="14"/>
-                                        </p:tgtEl>
-                                        <p:attrNameLst>
-                                          <p:attrName>style.visibility</p:attrName>
-                                        </p:attrNameLst>
-                                      </p:cBhvr>
-                                      <p:to>
-                                        <p:strVal val="visible"/>
-                                      </p:to>
-                                    </p:set>
-                                  </p:childTnLst>
-                                </p:cTn>
-                              </p:par>
-                              <p:par>
-                                <p:cTn id="7" presetID="1" presetClass="exit" presetSubtype="0" fill="hold" grpId="0" nodeType="withEffect">
-                                  <p:stCondLst>
-                                    <p:cond delay="0"/>
-                                  </p:stCondLst>
-                                  <p:childTnLst>
-                                    <p:set>
-                                      <p:cBhvr>
-                                        <p:cTn id="8" dur="1" fill="hold">
-                                          <p:stCondLst>
-                                            <p:cond delay="0"/>
-                                          </p:stCondLst>
-                                        </p:cTn>
-                                        <p:tgtEl>
-                                          <p:spTgt spid="15"/>
-                                        </p:tgtEl>
-                                        <p:attrNameLst>
-                                          <p:attrName>style.visibility</p:attrName>
-                                        </p:attrNameLst>
-                                      </p:cBhvr>
-                                      <p:to>
-                                        <p:strVal val="hidden"/>
-                                      </p:to>
-                                    </p:set>
-                                  </p:childTnLst>
-                                </p:cTn>
-                              </p:par>
-                              <p:par>
-                                <p:cTn id="9" presetID="1" presetClass="entr" presetSubtype="0" fill="hold" grpId="0" nodeType="withEffect">
-                                  <p:stCondLst>
-                                    <p:cond delay="0"/>
-                                  </p:stCondLst>
-                                  <p:childTnLst>
-                                    <p:set>
-                                      <p:cBhvr>
-                                        <p:cTn id="10" dur="1" fill="hold">
-                                          <p:stCondLst>
-                                            <p:cond delay="0"/>
-                                          </p:stCondLst>
-                                        </p:cTn>
-                                        <p:tgtEl>
-                                          <p:spTgt spid="16"/>
-                                        </p:tgtEl>
-                                        <p:attrNameLst>
-                                          <p:attrName>style.visibility</p:attrName>
-                                        </p:attrNameLst>
-                                      </p:cBhvr>
-                                      <p:to>
-                                        <p:strVal val="visible"/>
-                                      </p:to>
-                                    </p:set>
-                                  </p:childTnLst>
-                                </p:cTn>
-                              </p:par>
-                            </p:childTnLst>
-                          </p:cTn>
-                        </p:par>
-                      </p:childTnLst>
-                    </p:cTn>
-                  </p:par>
-                </p:childTnLst>
-              </p:cTn>
-              <p:prevCondLst>
-                <p:cond evt="onPrev" delay="0">
-                  <p:tgtEl>
-                    <p:sldTgt/>
-                  </p:tgtEl>
-                </p:cond>
-              </p:prevCondLst>
-              <p:nextCondLst>
-                <p:cond evt="onNext" delay="0">
-                  <p:tgtEl>
-                    <p:sldTgt/>
-                  </p:tgtEl>
-                </p:cond>
-              </p:nextCondLst>
-            </p:seq>
-          </p:childTnLst>
-        </p:cTn>
-      </p:par>
-    </p:tnLst>
-    <p:bldLst>
-      <p:bldP spid="15" grpId="0"/>
-      <p:bldP spid="16" grpId="0"/>
-    </p:bldLst>
-  </p:timing>
 </p:sld>
 </file>
 
-<file path=ppt/slides/slide23.xml><?xml version="1.0" encoding="utf-8"?>
+<file path=ppt/slides/slide24.xml><?xml version="1.0" encoding="utf-8"?>
 <p:sld xmlns:a="http://schemas.openxmlformats.org/drawingml/2006/main" xmlns:r="http://schemas.openxmlformats.org/officeDocument/2006/relationships" xmlns:p="http://schemas.openxmlformats.org/presentationml/2006/main">
   <p:cSld>
     <p:spTree>
@@ -28792,7 +29552,7 @@
           <a:p>
             <a:r>
               <a:rPr lang="nl-NL" dirty="0"/>
-              <a:t>Resultaten</a:t>
+              <a:t>Resultaten samengevat</a:t>
             </a:r>
             <a:endParaRPr lang="en-US" dirty="0"/>
           </a:p>
@@ -29254,7 +30014,527 @@
 </p:sld>
 </file>
 
-<file path=ppt/slides/slide24.xml><?xml version="1.0" encoding="utf-8"?>
+<file path=ppt/slides/slide25.xml><?xml version="1.0" encoding="utf-8"?>
+<p:sld xmlns:a="http://schemas.openxmlformats.org/drawingml/2006/main" xmlns:r="http://schemas.openxmlformats.org/officeDocument/2006/relationships" xmlns:p="http://schemas.openxmlformats.org/presentationml/2006/main">
+  <p:cSld>
+    <p:spTree>
+      <p:nvGrpSpPr>
+        <p:cNvPr id="1" name=""/>
+        <p:cNvGrpSpPr/>
+        <p:nvPr/>
+      </p:nvGrpSpPr>
+      <p:grpSpPr>
+        <a:xfrm>
+          <a:off x="0" y="0"/>
+          <a:ext cx="0" cy="0"/>
+          <a:chOff x="0" y="0"/>
+          <a:chExt cx="0" cy="0"/>
+        </a:xfrm>
+      </p:grpSpPr>
+      <p:pic>
+        <p:nvPicPr>
+          <p:cNvPr id="7" name="Picture 6" descr="A screenshot of a cell phone&#10;&#10;Description automatically generated">
+            <a:extLst>
+              <a:ext uri="{FF2B5EF4-FFF2-40B4-BE49-F238E27FC236}">
+                <a16:creationId xmlns:a16="http://schemas.microsoft.com/office/drawing/2014/main" id="{B0A6F249-76EF-4985-8287-757D59190C07}"/>
+              </a:ext>
+            </a:extLst>
+          </p:cNvPr>
+          <p:cNvPicPr>
+            <a:picLocks noChangeAspect="1"/>
+          </p:cNvPicPr>
+          <p:nvPr/>
+        </p:nvPicPr>
+        <p:blipFill>
+          <a:blip r:embed="rId3">
+            <a:extLst>
+              <a:ext uri="{28A0092B-C50C-407E-A947-70E740481C1C}">
+                <a14:useLocalDpi xmlns:a14="http://schemas.microsoft.com/office/drawing/2010/main" val="0"/>
+              </a:ext>
+            </a:extLst>
+          </a:blip>
+          <a:stretch>
+            <a:fillRect/>
+          </a:stretch>
+        </p:blipFill>
+        <p:spPr>
+          <a:xfrm>
+            <a:off x="5231904" y="1553613"/>
+            <a:ext cx="7148316" cy="5338899"/>
+          </a:xfrm>
+          <a:prstGeom prst="rect">
+            <a:avLst/>
+          </a:prstGeom>
+        </p:spPr>
+      </p:pic>
+      <p:sp>
+        <p:nvSpPr>
+          <p:cNvPr id="3" name="Title 2"/>
+          <p:cNvSpPr>
+            <a:spLocks noGrp="1"/>
+          </p:cNvSpPr>
+          <p:nvPr>
+            <p:ph type="title"/>
+          </p:nvPr>
+        </p:nvSpPr>
+        <p:spPr>
+          <a:xfrm>
+            <a:off x="483738" y="620688"/>
+            <a:ext cx="7992887" cy="790567"/>
+          </a:xfrm>
+        </p:spPr>
+        <p:txBody>
+          <a:bodyPr/>
+          <a:lstStyle/>
+          <a:p>
+            <a:r>
+              <a:rPr lang="nl-NL" dirty="0"/>
+              <a:t>Resultaten</a:t>
+            </a:r>
+            <a:endParaRPr lang="en-US" dirty="0"/>
+          </a:p>
+        </p:txBody>
+      </p:sp>
+      <p:sp>
+        <p:nvSpPr>
+          <p:cNvPr id="4" name="Text Placeholder 3"/>
+          <p:cNvSpPr>
+            <a:spLocks noGrp="1"/>
+          </p:cNvSpPr>
+          <p:nvPr>
+            <p:ph type="body" sz="quarter" idx="14"/>
+          </p:nvPr>
+        </p:nvSpPr>
+        <p:spPr>
+          <a:xfrm>
+            <a:off x="489600" y="1980001"/>
+            <a:ext cx="11712955" cy="2169080"/>
+          </a:xfrm>
+        </p:spPr>
+        <p:txBody>
+          <a:bodyPr/>
+          <a:lstStyle/>
+          <a:p>
+            <a:endParaRPr lang="en-US" dirty="0"/>
+          </a:p>
+          <a:p>
+            <a:endParaRPr lang="en-US" dirty="0"/>
+          </a:p>
+        </p:txBody>
+      </p:sp>
+      <p:sp>
+        <p:nvSpPr>
+          <p:cNvPr id="15" name="Text Placeholder 3">
+            <a:extLst>
+              <a:ext uri="{FF2B5EF4-FFF2-40B4-BE49-F238E27FC236}">
+                <a16:creationId xmlns:a16="http://schemas.microsoft.com/office/drawing/2014/main" id="{D668B4C8-DE37-444E-9BCC-D54DA163D3AD}"/>
+              </a:ext>
+            </a:extLst>
+          </p:cNvPr>
+          <p:cNvSpPr txBox="1">
+            <a:spLocks/>
+          </p:cNvSpPr>
+          <p:nvPr/>
+        </p:nvSpPr>
+        <p:spPr>
+          <a:xfrm>
+            <a:off x="-17937" y="1980001"/>
+            <a:ext cx="6264193" cy="5144378"/>
+          </a:xfrm>
+          <a:prstGeom prst="rect">
+            <a:avLst/>
+          </a:prstGeom>
+        </p:spPr>
+        <p:txBody>
+          <a:bodyPr vert="horz" lIns="91440" tIns="45720" rIns="91440" bIns="45720" rtlCol="0">
+            <a:normAutofit/>
+          </a:bodyPr>
+          <a:lstStyle>
+            <a:lvl1pPr marL="0" indent="0" algn="l" defTabSz="914400" rtl="0" eaLnBrk="1" latinLnBrk="0" hangingPunct="1">
+              <a:lnSpc>
+                <a:spcPct val="100000"/>
+              </a:lnSpc>
+              <a:spcBef>
+                <a:spcPts val="0"/>
+              </a:spcBef>
+              <a:buFont typeface="Arial" panose="020B0604020202020204" pitchFamily="34" charset="0"/>
+              <a:buNone/>
+              <a:defRPr sz="2800" kern="1200">
+                <a:solidFill>
+                  <a:schemeClr val="tx1"/>
+                </a:solidFill>
+                <a:latin typeface="+mj-lt"/>
+                <a:ea typeface="Source Sans Pro" panose="020B0503030403020204" pitchFamily="34" charset="0"/>
+                <a:cs typeface="+mn-cs"/>
+              </a:defRPr>
+            </a:lvl1pPr>
+            <a:lvl2pPr marL="268288" indent="-268288" algn="l" defTabSz="914400" rtl="0" eaLnBrk="1" latinLnBrk="0" hangingPunct="1">
+              <a:lnSpc>
+                <a:spcPct val="100000"/>
+              </a:lnSpc>
+              <a:spcBef>
+                <a:spcPts val="600"/>
+              </a:spcBef>
+              <a:buFont typeface="Arial" panose="020B0604020202020204" pitchFamily="34" charset="0"/>
+              <a:buChar char="•"/>
+              <a:defRPr sz="2400" kern="1200">
+                <a:solidFill>
+                  <a:schemeClr val="tx1"/>
+                </a:solidFill>
+                <a:latin typeface="+mj-lt"/>
+                <a:ea typeface="Source Sans Pro" panose="020B0503030403020204" pitchFamily="34" charset="0"/>
+                <a:cs typeface="+mn-cs"/>
+              </a:defRPr>
+            </a:lvl2pPr>
+            <a:lvl3pPr marL="625475" indent="-270000" algn="l" defTabSz="914400" rtl="0" eaLnBrk="1" latinLnBrk="0" hangingPunct="1">
+              <a:lnSpc>
+                <a:spcPct val="100000"/>
+              </a:lnSpc>
+              <a:spcBef>
+                <a:spcPts val="600"/>
+              </a:spcBef>
+              <a:buFont typeface="Arial" panose="020B0604020202020204" pitchFamily="34" charset="0"/>
+              <a:buChar char="•"/>
+              <a:defRPr sz="2400" kern="1200">
+                <a:solidFill>
+                  <a:schemeClr val="tx1"/>
+                </a:solidFill>
+                <a:latin typeface="+mj-lt"/>
+                <a:ea typeface="Source Sans Pro" panose="020B0503030403020204" pitchFamily="34" charset="0"/>
+                <a:cs typeface="+mn-cs"/>
+              </a:defRPr>
+            </a:lvl3pPr>
+            <a:lvl4pPr marL="0" indent="0" algn="l" defTabSz="914400" rtl="0" eaLnBrk="1" latinLnBrk="0" hangingPunct="1">
+              <a:lnSpc>
+                <a:spcPct val="100000"/>
+              </a:lnSpc>
+              <a:spcBef>
+                <a:spcPts val="1000"/>
+              </a:spcBef>
+              <a:buFont typeface="Arial" panose="020B0604020202020204" pitchFamily="34" charset="0"/>
+              <a:buNone/>
+              <a:defRPr sz="2400" b="1" kern="1200">
+                <a:solidFill>
+                  <a:schemeClr val="accent1"/>
+                </a:solidFill>
+                <a:latin typeface="+mj-lt"/>
+                <a:ea typeface="Source Sans Pro" panose="020B0503030403020204" pitchFamily="34" charset="0"/>
+                <a:cs typeface="+mn-cs"/>
+              </a:defRPr>
+            </a:lvl4pPr>
+            <a:lvl5pPr marL="0" indent="0" algn="l" defTabSz="914400" rtl="0" eaLnBrk="1" latinLnBrk="0" hangingPunct="1">
+              <a:lnSpc>
+                <a:spcPct val="100000"/>
+              </a:lnSpc>
+              <a:spcBef>
+                <a:spcPts val="1000"/>
+              </a:spcBef>
+              <a:buFont typeface="Arial" panose="020B0604020202020204" pitchFamily="34" charset="0"/>
+              <a:buNone/>
+              <a:defRPr sz="2400" i="1" kern="1200">
+                <a:solidFill>
+                  <a:schemeClr val="accent1"/>
+                </a:solidFill>
+                <a:latin typeface="+mj-lt"/>
+                <a:ea typeface="Source Sans Pro" panose="020B0503030403020204" pitchFamily="34" charset="0"/>
+                <a:cs typeface="+mn-cs"/>
+              </a:defRPr>
+            </a:lvl5pPr>
+            <a:lvl6pPr marL="2514600" indent="-228600" algn="l" defTabSz="914400" rtl="0" eaLnBrk="1" latinLnBrk="0" hangingPunct="1">
+              <a:lnSpc>
+                <a:spcPct val="90000"/>
+              </a:lnSpc>
+              <a:spcBef>
+                <a:spcPts val="500"/>
+              </a:spcBef>
+              <a:buFont typeface="Arial" panose="020B0604020202020204" pitchFamily="34" charset="0"/>
+              <a:buChar char="•"/>
+              <a:defRPr sz="1800" kern="1200">
+                <a:solidFill>
+                  <a:schemeClr val="tx1"/>
+                </a:solidFill>
+                <a:latin typeface="+mn-lt"/>
+                <a:ea typeface="+mn-ea"/>
+                <a:cs typeface="+mn-cs"/>
+              </a:defRPr>
+            </a:lvl6pPr>
+            <a:lvl7pPr marL="2971800" indent="-228600" algn="l" defTabSz="914400" rtl="0" eaLnBrk="1" latinLnBrk="0" hangingPunct="1">
+              <a:lnSpc>
+                <a:spcPct val="90000"/>
+              </a:lnSpc>
+              <a:spcBef>
+                <a:spcPts val="500"/>
+              </a:spcBef>
+              <a:buFont typeface="Arial" panose="020B0604020202020204" pitchFamily="34" charset="0"/>
+              <a:buChar char="•"/>
+              <a:defRPr sz="1800" kern="1200">
+                <a:solidFill>
+                  <a:schemeClr val="tx1"/>
+                </a:solidFill>
+                <a:latin typeface="+mn-lt"/>
+                <a:ea typeface="+mn-ea"/>
+                <a:cs typeface="+mn-cs"/>
+              </a:defRPr>
+            </a:lvl7pPr>
+            <a:lvl8pPr marL="3429000" indent="-228600" algn="l" defTabSz="914400" rtl="0" eaLnBrk="1" latinLnBrk="0" hangingPunct="1">
+              <a:lnSpc>
+                <a:spcPct val="90000"/>
+              </a:lnSpc>
+              <a:spcBef>
+                <a:spcPts val="500"/>
+              </a:spcBef>
+              <a:buFont typeface="Arial" panose="020B0604020202020204" pitchFamily="34" charset="0"/>
+              <a:buChar char="•"/>
+              <a:defRPr sz="1800" kern="1200">
+                <a:solidFill>
+                  <a:schemeClr val="tx1"/>
+                </a:solidFill>
+                <a:latin typeface="+mn-lt"/>
+                <a:ea typeface="+mn-ea"/>
+                <a:cs typeface="+mn-cs"/>
+              </a:defRPr>
+            </a:lvl8pPr>
+            <a:lvl9pPr marL="3886200" indent="-228600" algn="l" defTabSz="914400" rtl="0" eaLnBrk="1" latinLnBrk="0" hangingPunct="1">
+              <a:lnSpc>
+                <a:spcPct val="90000"/>
+              </a:lnSpc>
+              <a:spcBef>
+                <a:spcPts val="500"/>
+              </a:spcBef>
+              <a:buFont typeface="Arial" panose="020B0604020202020204" pitchFamily="34" charset="0"/>
+              <a:buChar char="•"/>
+              <a:defRPr sz="1800" kern="1200">
+                <a:solidFill>
+                  <a:schemeClr val="tx1"/>
+                </a:solidFill>
+                <a:latin typeface="+mn-lt"/>
+                <a:ea typeface="+mn-ea"/>
+                <a:cs typeface="+mn-cs"/>
+              </a:defRPr>
+            </a:lvl9pPr>
+          </a:lstStyle>
+          <a:p>
+            <a:pPr marL="968375" lvl="2" indent="-342900">
+              <a:spcBef>
+                <a:spcPts val="0"/>
+              </a:spcBef>
+            </a:pPr>
+            <a:r>
+              <a:rPr lang="en-US" sz="2000" dirty="0" err="1"/>
+              <a:t>Hilldescent</a:t>
+            </a:r>
+            <a:r>
+              <a:rPr lang="en-US" sz="2000" dirty="0"/>
+              <a:t> met </a:t>
+            </a:r>
+            <a:r>
+              <a:rPr lang="en-US" sz="2000" dirty="0" err="1"/>
+              <a:t>ScaryGates</a:t>
+            </a:r>
+            <a:r>
+              <a:rPr lang="en-US" sz="2000" dirty="0"/>
+              <a:t> &amp; Skyscraper</a:t>
+            </a:r>
+            <a:br>
+              <a:rPr lang="en-US" sz="2000" dirty="0"/>
+            </a:br>
+            <a:r>
+              <a:rPr lang="en-US" sz="2000" dirty="0"/>
+              <a:t>Chip 2, Netlist 9</a:t>
+            </a:r>
+          </a:p>
+          <a:p>
+            <a:pPr marL="968375" lvl="2" indent="-342900">
+              <a:spcBef>
+                <a:spcPts val="0"/>
+              </a:spcBef>
+            </a:pPr>
+            <a:endParaRPr lang="en-US" sz="2000" dirty="0"/>
+          </a:p>
+          <a:p>
+            <a:pPr lvl="2" indent="0">
+              <a:spcBef>
+                <a:spcPts val="0"/>
+              </a:spcBef>
+              <a:buNone/>
+            </a:pPr>
+            <a:endParaRPr lang="en-US" sz="2000" dirty="0"/>
+          </a:p>
+          <a:p>
+            <a:pPr marL="968375" lvl="2" indent="-342900">
+              <a:spcBef>
+                <a:spcPts val="0"/>
+              </a:spcBef>
+            </a:pPr>
+            <a:endParaRPr lang="en-US" sz="2000" dirty="0"/>
+          </a:p>
+          <a:p>
+            <a:pPr marL="968375" lvl="2" indent="-342900">
+              <a:spcBef>
+                <a:spcPts val="0"/>
+              </a:spcBef>
+            </a:pPr>
+            <a:r>
+              <a:rPr lang="en-US" sz="2000" dirty="0" err="1"/>
+              <a:t>Kosten</a:t>
+            </a:r>
+            <a:r>
+              <a:rPr lang="en-US" sz="2000" dirty="0"/>
+              <a:t> = 2747</a:t>
+            </a:r>
+            <a:br>
+              <a:rPr lang="en-US" sz="2000" dirty="0"/>
+            </a:br>
+            <a:r>
+              <a:rPr lang="en-US" sz="2000" dirty="0"/>
+              <a:t>Pad-</a:t>
+            </a:r>
+            <a:r>
+              <a:rPr lang="en-US" sz="2000" dirty="0" err="1"/>
+              <a:t>eenheden</a:t>
+            </a:r>
+            <a:r>
+              <a:rPr lang="en-US" sz="2000" dirty="0"/>
+              <a:t> = 1547</a:t>
+            </a:r>
+            <a:br>
+              <a:rPr lang="en-US" sz="2000" dirty="0"/>
+            </a:br>
+            <a:r>
+              <a:rPr lang="en-US" sz="2000" dirty="0"/>
+              <a:t>Intersections = 4</a:t>
+            </a:r>
+          </a:p>
+          <a:p>
+            <a:endParaRPr lang="en-US" dirty="0"/>
+          </a:p>
+        </p:txBody>
+      </p:sp>
+      <p:pic>
+        <p:nvPicPr>
+          <p:cNvPr id="9" name="Picture 8" descr="A close up of a map&#10;&#10;Description automatically generated">
+            <a:extLst>
+              <a:ext uri="{FF2B5EF4-FFF2-40B4-BE49-F238E27FC236}">
+                <a16:creationId xmlns:a16="http://schemas.microsoft.com/office/drawing/2014/main" id="{58C015F5-39BD-44C0-84D5-D97C527AC59E}"/>
+              </a:ext>
+            </a:extLst>
+          </p:cNvPr>
+          <p:cNvPicPr>
+            <a:picLocks noChangeAspect="1"/>
+          </p:cNvPicPr>
+          <p:nvPr/>
+        </p:nvPicPr>
+        <p:blipFill>
+          <a:blip r:embed="rId4">
+            <a:extLst>
+              <a:ext uri="{28A0092B-C50C-407E-A947-70E740481C1C}">
+                <a14:useLocalDpi xmlns:a14="http://schemas.microsoft.com/office/drawing/2010/main" val="0"/>
+              </a:ext>
+            </a:extLst>
+          </a:blip>
+          <a:stretch>
+            <a:fillRect/>
+          </a:stretch>
+        </p:blipFill>
+        <p:spPr>
+          <a:xfrm>
+            <a:off x="-53929" y="759604"/>
+            <a:ext cx="12299858" cy="6165304"/>
+          </a:xfrm>
+          <a:prstGeom prst="rect">
+            <a:avLst/>
+          </a:prstGeom>
+        </p:spPr>
+      </p:pic>
+    </p:spTree>
+    <p:extLst>
+      <p:ext uri="{BB962C8B-B14F-4D97-AF65-F5344CB8AC3E}">
+        <p14:creationId xmlns:p14="http://schemas.microsoft.com/office/powerpoint/2010/main" val="3665134619"/>
+      </p:ext>
+    </p:extLst>
+  </p:cSld>
+  <p:clrMapOvr>
+    <a:masterClrMapping/>
+  </p:clrMapOvr>
+  <p:timing>
+    <p:tnLst>
+      <p:par>
+        <p:cTn id="1" dur="indefinite" restart="never" nodeType="tmRoot">
+          <p:childTnLst>
+            <p:seq concurrent="1" nextAc="seek">
+              <p:cTn id="2" dur="indefinite" nodeType="mainSeq">
+                <p:childTnLst>
+                  <p:par>
+                    <p:cTn id="3" fill="hold">
+                      <p:stCondLst>
+                        <p:cond delay="indefinite"/>
+                      </p:stCondLst>
+                      <p:childTnLst>
+                        <p:par>
+                          <p:cTn id="4" fill="hold">
+                            <p:stCondLst>
+                              <p:cond delay="0"/>
+                            </p:stCondLst>
+                            <p:childTnLst>
+                              <p:par>
+                                <p:cTn id="5" presetID="1" presetClass="entr" presetSubtype="0" fill="hold" nodeType="clickEffect">
+                                  <p:stCondLst>
+                                    <p:cond delay="0"/>
+                                  </p:stCondLst>
+                                  <p:childTnLst>
+                                    <p:set>
+                                      <p:cBhvr>
+                                        <p:cTn id="6" dur="1" fill="hold">
+                                          <p:stCondLst>
+                                            <p:cond delay="0"/>
+                                          </p:stCondLst>
+                                        </p:cTn>
+                                        <p:tgtEl>
+                                          <p:spTgt spid="9"/>
+                                        </p:tgtEl>
+                                        <p:attrNameLst>
+                                          <p:attrName>style.visibility</p:attrName>
+                                        </p:attrNameLst>
+                                      </p:cBhvr>
+                                      <p:to>
+                                        <p:strVal val="visible"/>
+                                      </p:to>
+                                    </p:set>
+                                  </p:childTnLst>
+                                </p:cTn>
+                              </p:par>
+                            </p:childTnLst>
+                          </p:cTn>
+                        </p:par>
+                      </p:childTnLst>
+                    </p:cTn>
+                  </p:par>
+                </p:childTnLst>
+              </p:cTn>
+              <p:prevCondLst>
+                <p:cond evt="onPrev" delay="0">
+                  <p:tgtEl>
+                    <p:sldTgt/>
+                  </p:tgtEl>
+                </p:cond>
+              </p:prevCondLst>
+              <p:nextCondLst>
+                <p:cond evt="onNext" delay="0">
+                  <p:tgtEl>
+                    <p:sldTgt/>
+                  </p:tgtEl>
+                </p:cond>
+              </p:nextCondLst>
+            </p:seq>
+          </p:childTnLst>
+        </p:cTn>
+      </p:par>
+    </p:tnLst>
+  </p:timing>
+</p:sld>
+</file>
+
+<file path=ppt/slides/slide26.xml><?xml version="1.0" encoding="utf-8"?>
 <p:sld xmlns:a="http://schemas.openxmlformats.org/drawingml/2006/main" xmlns:r="http://schemas.openxmlformats.org/officeDocument/2006/relationships" xmlns:p="http://schemas.openxmlformats.org/presentationml/2006/main">
   <p:cSld>
     <p:spTree>
@@ -29293,7 +30573,7 @@
           <a:p>
             <a:r>
               <a:rPr lang="nl-NL" dirty="0"/>
-              <a:t>Conclusie &amp; Future work</a:t>
+              <a:t>Conclusie</a:t>
             </a:r>
             <a:endParaRPr lang="en-US" dirty="0"/>
           </a:p>
@@ -29311,6 +30591,326 @@
         </p:nvSpPr>
         <p:spPr>
           <a:xfrm>
+            <a:off x="87626" y="1988840"/>
+            <a:ext cx="8744677" cy="4113295"/>
+          </a:xfrm>
+        </p:spPr>
+        <p:txBody>
+          <a:bodyPr>
+            <a:normAutofit/>
+          </a:bodyPr>
+          <a:lstStyle/>
+          <a:p>
+            <a:pPr marL="968375" lvl="2" indent="-342900">
+              <a:spcBef>
+                <a:spcPts val="0"/>
+              </a:spcBef>
+            </a:pPr>
+            <a:r>
+              <a:rPr lang="en-GB" dirty="0"/>
+              <a:t>Hoe </a:t>
+            </a:r>
+            <a:r>
+              <a:rPr lang="en-GB" dirty="0" err="1"/>
+              <a:t>verbind</a:t>
+            </a:r>
+            <a:r>
+              <a:rPr lang="en-GB" dirty="0"/>
+              <a:t> je </a:t>
+            </a:r>
+            <a:r>
+              <a:rPr lang="en-GB" dirty="0" err="1"/>
+              <a:t>alle</a:t>
+            </a:r>
+            <a:r>
+              <a:rPr lang="en-GB" dirty="0"/>
+              <a:t> gates op </a:t>
+            </a:r>
+            <a:r>
+              <a:rPr lang="en-GB" dirty="0" err="1"/>
+              <a:t>een</a:t>
+            </a:r>
+            <a:r>
+              <a:rPr lang="en-GB" dirty="0"/>
+              <a:t> chip met de </a:t>
+            </a:r>
+            <a:r>
+              <a:rPr lang="en-GB" dirty="0" err="1"/>
+              <a:t>laagste</a:t>
+            </a:r>
+            <a:r>
+              <a:rPr lang="en-GB" dirty="0"/>
+              <a:t> </a:t>
+            </a:r>
+            <a:r>
+              <a:rPr lang="en-GB" dirty="0" err="1"/>
+              <a:t>kosten</a:t>
+            </a:r>
+            <a:r>
+              <a:rPr lang="en-GB" dirty="0"/>
+              <a:t>?</a:t>
+            </a:r>
+          </a:p>
+          <a:p>
+            <a:pPr lvl="2" indent="0">
+              <a:spcBef>
+                <a:spcPts val="0"/>
+              </a:spcBef>
+              <a:buNone/>
+            </a:pPr>
+            <a:r>
+              <a:rPr lang="en-GB" dirty="0"/>
+              <a:t>	</a:t>
+            </a:r>
+            <a:br>
+              <a:rPr lang="en-GB" dirty="0"/>
+            </a:br>
+            <a:r>
+              <a:rPr lang="en-GB" dirty="0"/>
+              <a:t>	1. </a:t>
+            </a:r>
+            <a:r>
+              <a:rPr lang="en-GB" dirty="0" err="1"/>
+              <a:t>Sluit</a:t>
+            </a:r>
+            <a:r>
+              <a:rPr lang="en-GB" dirty="0"/>
+              <a:t> </a:t>
+            </a:r>
+            <a:r>
+              <a:rPr lang="en-GB" dirty="0" err="1"/>
+              <a:t>niet</a:t>
+            </a:r>
+            <a:r>
+              <a:rPr lang="en-GB" dirty="0"/>
+              <a:t> </a:t>
+            </a:r>
+            <a:r>
+              <a:rPr lang="en-GB" dirty="0" err="1"/>
+              <a:t>vroegtijdig</a:t>
+            </a:r>
+            <a:r>
+              <a:rPr lang="en-GB" dirty="0"/>
+              <a:t> </a:t>
+            </a:r>
+            <a:r>
+              <a:rPr lang="en-GB" dirty="0" err="1"/>
+              <a:t>oplossingen</a:t>
+            </a:r>
+            <a:r>
+              <a:rPr lang="en-GB" dirty="0"/>
+              <a:t> </a:t>
+            </a:r>
+            <a:r>
+              <a:rPr lang="en-GB" dirty="0" err="1"/>
+              <a:t>uit</a:t>
+            </a:r>
+            <a:r>
+              <a:rPr lang="en-GB" dirty="0"/>
+              <a:t> (</a:t>
+            </a:r>
+            <a:r>
+              <a:rPr lang="en-GB" dirty="0" err="1"/>
+              <a:t>hebberige</a:t>
+            </a:r>
+            <a:r>
+              <a:rPr lang="en-GB" dirty="0"/>
+              <a:t> </a:t>
+            </a:r>
+            <a:r>
+              <a:rPr lang="en-GB" dirty="0" err="1"/>
+              <a:t>paden</a:t>
+            </a:r>
+            <a:r>
+              <a:rPr lang="en-GB" dirty="0"/>
+              <a:t>)</a:t>
+            </a:r>
+          </a:p>
+          <a:p>
+            <a:pPr lvl="2" indent="0">
+              <a:spcBef>
+                <a:spcPts val="0"/>
+              </a:spcBef>
+              <a:buNone/>
+            </a:pPr>
+            <a:r>
+              <a:rPr lang="en-GB" dirty="0"/>
+              <a:t>	2. Paden </a:t>
+            </a:r>
+            <a:r>
+              <a:rPr lang="en-GB" dirty="0" err="1"/>
+              <a:t>moeten</a:t>
+            </a:r>
+            <a:r>
+              <a:rPr lang="en-GB" dirty="0"/>
+              <a:t> </a:t>
+            </a:r>
+            <a:r>
+              <a:rPr lang="en-GB" dirty="0" err="1"/>
+              <a:t>elkaars</a:t>
+            </a:r>
+            <a:r>
+              <a:rPr lang="en-GB" dirty="0"/>
+              <a:t> gates </a:t>
+            </a:r>
+            <a:r>
+              <a:rPr lang="en-GB" dirty="0" err="1"/>
+              <a:t>vermijden</a:t>
+            </a:r>
+            <a:br>
+              <a:rPr lang="en-GB" dirty="0"/>
+            </a:br>
+            <a:r>
+              <a:rPr lang="en-GB" dirty="0"/>
+              <a:t>    3. Leg de </a:t>
+            </a:r>
+            <a:r>
+              <a:rPr lang="en-GB" dirty="0" err="1"/>
+              <a:t>paden</a:t>
+            </a:r>
+            <a:r>
+              <a:rPr lang="en-GB" dirty="0"/>
+              <a:t> met de </a:t>
+            </a:r>
+            <a:r>
+              <a:rPr lang="en-GB" dirty="0" err="1"/>
+              <a:t>hoogste</a:t>
+            </a:r>
+            <a:r>
+              <a:rPr lang="en-GB" dirty="0"/>
+              <a:t> Manhattan distance </a:t>
+            </a:r>
+            <a:r>
+              <a:rPr lang="en-GB" dirty="0" err="1"/>
+              <a:t>eerst</a:t>
+            </a:r>
+            <a:br>
+              <a:rPr lang="en-GB" dirty="0"/>
+            </a:br>
+            <a:r>
+              <a:rPr lang="en-GB" dirty="0"/>
+              <a:t>	</a:t>
+            </a:r>
+          </a:p>
+          <a:p>
+            <a:pPr lvl="2" indent="0">
+              <a:spcBef>
+                <a:spcPts val="0"/>
+              </a:spcBef>
+              <a:buNone/>
+            </a:pPr>
+            <a:r>
+              <a:rPr lang="en-GB" dirty="0"/>
+              <a:t>	</a:t>
+            </a:r>
+            <a:endParaRPr lang="en-US" dirty="0"/>
+          </a:p>
+          <a:p>
+            <a:endParaRPr lang="en-US" dirty="0"/>
+          </a:p>
+        </p:txBody>
+      </p:sp>
+      <p:pic>
+        <p:nvPicPr>
+          <p:cNvPr id="13" name="Picture Placeholder 12" descr="A circuit board&#10;&#10;Description automatically generated">
+            <a:extLst>
+              <a:ext uri="{FF2B5EF4-FFF2-40B4-BE49-F238E27FC236}">
+                <a16:creationId xmlns:a16="http://schemas.microsoft.com/office/drawing/2014/main" id="{3A4AA60A-79E1-4F69-AD35-4B4A5F6508ED}"/>
+              </a:ext>
+            </a:extLst>
+          </p:cNvPr>
+          <p:cNvPicPr>
+            <a:picLocks noGrp="1" noChangeAspect="1"/>
+          </p:cNvPicPr>
+          <p:nvPr>
+            <p:ph type="pic" sz="quarter" idx="13"/>
+          </p:nvPr>
+        </p:nvPicPr>
+        <p:blipFill>
+          <a:blip r:embed="rId3">
+            <a:extLst>
+              <a:ext uri="{28A0092B-C50C-407E-A947-70E740481C1C}">
+                <a14:useLocalDpi xmlns:a14="http://schemas.microsoft.com/office/drawing/2010/main" val="0"/>
+              </a:ext>
+            </a:extLst>
+          </a:blip>
+          <a:srcRect l="34115" r="34115"/>
+          <a:stretch>
+            <a:fillRect/>
+          </a:stretch>
+        </p:blipFill>
+        <p:spPr/>
+      </p:pic>
+    </p:spTree>
+    <p:extLst>
+      <p:ext uri="{BB962C8B-B14F-4D97-AF65-F5344CB8AC3E}">
+        <p14:creationId xmlns:p14="http://schemas.microsoft.com/office/powerpoint/2010/main" val="3930105510"/>
+      </p:ext>
+    </p:extLst>
+  </p:cSld>
+  <p:clrMapOvr>
+    <a:masterClrMapping/>
+  </p:clrMapOvr>
+</p:sld>
+</file>
+
+<file path=ppt/slides/slide27.xml><?xml version="1.0" encoding="utf-8"?>
+<p:sld xmlns:a="http://schemas.openxmlformats.org/drawingml/2006/main" xmlns:r="http://schemas.openxmlformats.org/officeDocument/2006/relationships" xmlns:p="http://schemas.openxmlformats.org/presentationml/2006/main">
+  <p:cSld>
+    <p:spTree>
+      <p:nvGrpSpPr>
+        <p:cNvPr id="1" name=""/>
+        <p:cNvGrpSpPr/>
+        <p:nvPr/>
+      </p:nvGrpSpPr>
+      <p:grpSpPr>
+        <a:xfrm>
+          <a:off x="0" y="0"/>
+          <a:ext cx="0" cy="0"/>
+          <a:chOff x="0" y="0"/>
+          <a:chExt cx="0" cy="0"/>
+        </a:xfrm>
+      </p:grpSpPr>
+      <p:sp>
+        <p:nvSpPr>
+          <p:cNvPr id="3" name="Title 2"/>
+          <p:cNvSpPr>
+            <a:spLocks noGrp="1"/>
+          </p:cNvSpPr>
+          <p:nvPr>
+            <p:ph type="title"/>
+          </p:nvPr>
+        </p:nvSpPr>
+        <p:spPr>
+          <a:xfrm>
+            <a:off x="489600" y="1052736"/>
+            <a:ext cx="7992887" cy="790567"/>
+          </a:xfrm>
+        </p:spPr>
+        <p:txBody>
+          <a:bodyPr/>
+          <a:lstStyle/>
+          <a:p>
+            <a:r>
+              <a:rPr lang="nl-NL" dirty="0"/>
+              <a:t>Future work</a:t>
+            </a:r>
+            <a:endParaRPr lang="en-US" dirty="0"/>
+          </a:p>
+        </p:txBody>
+      </p:sp>
+      <p:sp>
+        <p:nvSpPr>
+          <p:cNvPr id="4" name="Text Placeholder 3"/>
+          <p:cNvSpPr>
+            <a:spLocks noGrp="1"/>
+          </p:cNvSpPr>
+          <p:nvPr>
+            <p:ph type="body" sz="quarter" idx="14"/>
+          </p:nvPr>
+        </p:nvSpPr>
+        <p:spPr>
+          <a:xfrm>
             <a:off x="489600" y="1980000"/>
             <a:ext cx="7992887" cy="4113295"/>
           </a:xfrm>
@@ -29328,7 +30928,41 @@
             </a:pPr>
             <a:r>
               <a:rPr lang="nl-NL" dirty="0"/>
-              <a:t>een analyse van verschillende netlists om te bepalen wat een chip+netlist combinatie precies moeilijk maakt en welke algoritmes het beste werken </a:t>
+              <a:t>Wat maakt een chip-netlist combinatie moeilijk?</a:t>
+            </a:r>
+          </a:p>
+          <a:p>
+            <a:pPr lvl="2" indent="0">
+              <a:spcBef>
+                <a:spcPts val="0"/>
+              </a:spcBef>
+              <a:buNone/>
+            </a:pPr>
+            <a:endParaRPr lang="nl-NL" dirty="0"/>
+          </a:p>
+          <a:p>
+            <a:pPr marL="968375" lvl="2" indent="-342900">
+              <a:spcBef>
+                <a:spcPts val="0"/>
+              </a:spcBef>
+            </a:pPr>
+            <a:r>
+              <a:rPr lang="nl-NL" dirty="0"/>
+              <a:t>Is elk algoritme even goed voor elke combinatie?</a:t>
+            </a:r>
+            <a:br>
+              <a:rPr lang="nl-NL" dirty="0"/>
+            </a:br>
+            <a:r>
+              <a:rPr lang="nl-NL" dirty="0"/>
+              <a:t>Bijvoorbeeld:</a:t>
+            </a:r>
+            <a:br>
+              <a:rPr lang="nl-NL" dirty="0"/>
+            </a:br>
+            <a:r>
+              <a:rPr lang="nl-NL" dirty="0"/>
+              <a:t>Een algoritme dat eerst de chip analyseert en daarna op basis van bepaalde statistieken zelf een specifieke aanpak selecteert.</a:t>
             </a:r>
           </a:p>
           <a:p>
@@ -29347,26 +30981,7 @@
             </a:pPr>
             <a:r>
               <a:rPr lang="nl-NL" dirty="0"/>
-              <a:t>een geavanceerde implementatie hiervan zou kunnen zijn: een algoritme dat eerst de chip analyseert en daarna op basis van bepaalde statistieken zelf een specifieke aanpak selecteert</a:t>
-            </a:r>
-          </a:p>
-          <a:p>
-            <a:pPr marL="968375" lvl="2" indent="-342900">
-              <a:spcBef>
-                <a:spcPts val="0"/>
-              </a:spcBef>
-            </a:pPr>
-            <a:endParaRPr lang="nl-NL" dirty="0"/>
-          </a:p>
-          <a:p>
-            <a:pPr marL="968375" lvl="2" indent="-342900">
-              <a:spcBef>
-                <a:spcPts val="0"/>
-              </a:spcBef>
-            </a:pPr>
-            <a:r>
-              <a:rPr lang="nl-NL" dirty="0"/>
-              <a:t>Laag niveau: is de A* (met verschillende kosten) die wij gehanteerd hebben wel de beste padvinder? Welke heuristieken/kosten kunnen we nog toevoegen?</a:t>
+              <a:t>Is de A* (met verschillende kosten) die wij gehanteerd hebben wel de beste padvinder? Welke heuristieken/kosten kunnen we nog toevoegen?</a:t>
             </a:r>
             <a:endParaRPr lang="en-US" dirty="0"/>
           </a:p>
@@ -29419,7 +31034,7 @@
 </p:sld>
 </file>
 
-<file path=ppt/slides/slide25.xml><?xml version="1.0" encoding="utf-8"?>
+<file path=ppt/slides/slide28.xml><?xml version="1.0" encoding="utf-8"?>
 <p:sld xmlns:a="http://schemas.openxmlformats.org/drawingml/2006/main" xmlns:r="http://schemas.openxmlformats.org/officeDocument/2006/relationships" xmlns:p="http://schemas.openxmlformats.org/presentationml/2006/main">
   <p:cSld>
     <p:spTree>
@@ -31724,15 +33339,7 @@
             </a:pPr>
             <a:r>
               <a:rPr lang="en-US" dirty="0"/>
-              <a:t>Lower </a:t>
-            </a:r>
-            <a:r>
-              <a:rPr lang="en-US" dirty="0" err="1"/>
-              <a:t>en</a:t>
-            </a:r>
-            <a:r>
-              <a:rPr lang="en-US" dirty="0"/>
-              <a:t> Upper bound</a:t>
+              <a:t>State-space</a:t>
             </a:r>
           </a:p>
           <a:p>
@@ -31743,7 +33350,15 @@
             </a:pPr>
             <a:r>
               <a:rPr lang="en-US" dirty="0"/>
-              <a:t>State-space</a:t>
+              <a:t>Lower </a:t>
+            </a:r>
+            <a:r>
+              <a:rPr lang="en-US" dirty="0" err="1"/>
+              <a:t>en</a:t>
+            </a:r>
+            <a:r>
+              <a:rPr lang="en-US" dirty="0"/>
+              <a:t> Upper bound</a:t>
             </a:r>
           </a:p>
           <a:p>
@@ -31846,7 +33461,7 @@
           <a:p>
             <a:r>
               <a:rPr lang="nl-NL" dirty="0"/>
-              <a:t>Lower &amp; Uppper bound </a:t>
+              <a:t>State-space</a:t>
             </a:r>
             <a:endParaRPr lang="en-US" dirty="0"/>
           </a:p>
@@ -31879,110 +33494,11 @@
             </a:pPr>
             <a:r>
               <a:rPr lang="en-US" dirty="0"/>
-              <a:t>Lower bound:</a:t>
+              <a:t>K × n⁵</a:t>
             </a:r>
             <a:br>
               <a:rPr lang="en-US" dirty="0"/>
             </a:br>
-            <a:r>
-              <a:rPr lang="en-US" dirty="0" err="1"/>
-              <a:t>Kosten</a:t>
-            </a:r>
-            <a:r>
-              <a:rPr lang="en-US" dirty="0"/>
-              <a:t> van </a:t>
-            </a:r>
-            <a:r>
-              <a:rPr lang="en-US" dirty="0" err="1"/>
-              <a:t>kortste</a:t>
-            </a:r>
-            <a:r>
-              <a:rPr lang="en-US" dirty="0"/>
-              <a:t> </a:t>
-            </a:r>
-            <a:r>
-              <a:rPr lang="en-US" dirty="0" err="1"/>
-              <a:t>afstand</a:t>
-            </a:r>
-            <a:r>
-              <a:rPr lang="en-US" dirty="0"/>
-              <a:t> = abs(</a:t>
-            </a:r>
-            <a:r>
-              <a:rPr lang="el-GR" dirty="0"/>
-              <a:t>Δ</a:t>
-            </a:r>
-            <a:r>
-              <a:rPr lang="en-GB" dirty="0"/>
-              <a:t>x) + abs(</a:t>
-            </a:r>
-            <a:r>
-              <a:rPr lang="el-GR" dirty="0"/>
-              <a:t>Δ</a:t>
-            </a:r>
-            <a:r>
-              <a:rPr lang="en-GB" dirty="0"/>
-              <a:t>y) </a:t>
-            </a:r>
-            <a:br>
-              <a:rPr lang="en-GB" dirty="0"/>
-            </a:br>
-            <a:r>
-              <a:rPr lang="el-GR" dirty="0"/>
-              <a:t>Δ</a:t>
-            </a:r>
-            <a:r>
-              <a:rPr lang="en-GB" dirty="0"/>
-              <a:t>x, </a:t>
-            </a:r>
-            <a:r>
-              <a:rPr lang="el-GR" dirty="0"/>
-              <a:t>Δ</a:t>
-            </a:r>
-            <a:r>
-              <a:rPr lang="en-GB" dirty="0"/>
-              <a:t>y </a:t>
-            </a:r>
-            <a:r>
-              <a:rPr lang="en-GB" dirty="0" err="1"/>
-              <a:t>verschil</a:t>
-            </a:r>
-            <a:r>
-              <a:rPr lang="en-GB" dirty="0"/>
-              <a:t> in </a:t>
-            </a:r>
-            <a:r>
-              <a:rPr lang="en-GB" dirty="0" err="1"/>
-              <a:t>afstand</a:t>
-            </a:r>
-            <a:r>
-              <a:rPr lang="en-GB" dirty="0"/>
-              <a:t> </a:t>
-            </a:r>
-            <a:r>
-              <a:rPr lang="en-GB" dirty="0" err="1"/>
-              <a:t>tussen</a:t>
-            </a:r>
-            <a:r>
-              <a:rPr lang="en-GB" dirty="0"/>
-              <a:t> gates van </a:t>
-            </a:r>
-            <a:r>
-              <a:rPr lang="en-GB" dirty="0" err="1"/>
-              <a:t>alle</a:t>
-            </a:r>
-            <a:r>
-              <a:rPr lang="en-GB" dirty="0"/>
-              <a:t> </a:t>
-            </a:r>
-            <a:r>
-              <a:rPr lang="en-GB" dirty="0" err="1"/>
-              <a:t>verbindingen</a:t>
-            </a:r>
-            <a:r>
-              <a:rPr lang="en-GB" dirty="0"/>
-              <a:t>.</a:t>
-            </a:r>
             <a:endParaRPr lang="en-US" dirty="0"/>
           </a:p>
           <a:p>
@@ -31991,24 +33507,32 @@
                 <a:spcPts val="0"/>
               </a:spcBef>
             </a:pPr>
-            <a:endParaRPr lang="en-US" dirty="0"/>
-          </a:p>
-          <a:p>
-            <a:pPr marL="968375" lvl="2" indent="-342900">
-              <a:spcBef>
-                <a:spcPts val="0"/>
-              </a:spcBef>
-            </a:pPr>
             <a:r>
               <a:rPr lang="en-US" dirty="0"/>
-              <a:t>Upper bound:</a:t>
+              <a:t>K = </a:t>
+            </a:r>
+            <a:r>
+              <a:rPr lang="en-US" dirty="0" err="1"/>
+              <a:t>aantal</a:t>
+            </a:r>
+            <a:r>
+              <a:rPr lang="en-US" dirty="0"/>
+              <a:t> </a:t>
+            </a:r>
+            <a:r>
+              <a:rPr lang="en-US" dirty="0" err="1"/>
+              <a:t>verbindingen</a:t>
             </a:r>
             <a:br>
               <a:rPr lang="en-US" dirty="0"/>
             </a:br>
             <a:r>
+              <a:rPr lang="en-US" dirty="0"/>
+              <a:t>n = </a:t>
+            </a:r>
+            <a:r>
               <a:rPr lang="en-US" dirty="0" err="1"/>
-              <a:t>Aantal</a:t>
+              <a:t>aantal</a:t>
             </a:r>
             <a:r>
               <a:rPr lang="en-US" dirty="0"/>
@@ -32016,15 +33540,7 @@
             </a:r>
             <a:r>
               <a:rPr lang="en-US" dirty="0" err="1"/>
-              <a:t>verbindingen</a:t>
-            </a:r>
-            <a:r>
-              <a:rPr lang="en-US" dirty="0"/>
-              <a:t> × </a:t>
-            </a:r>
-            <a:r>
-              <a:rPr lang="en-US" dirty="0" err="1"/>
-              <a:t>stukjes</a:t>
+              <a:t>mogelijke</a:t>
             </a:r>
             <a:r>
               <a:rPr lang="en-US" dirty="0"/>
@@ -32032,15 +33548,18 @@
             </a:r>
             <a:r>
               <a:rPr lang="en-US" dirty="0" err="1"/>
-              <a:t>draad</a:t>
-            </a:r>
-            <a:r>
+              <a:t>posities</a:t>
+            </a:r>
+            <a:br>
               <a:rPr lang="en-US" dirty="0"/>
-              <a:t> × </a:t>
+            </a:br>
+            <a:r>
+              <a:rPr lang="en-US" dirty="0"/>
+              <a:t>5 </a:t>
             </a:r>
             <a:r>
               <a:rPr lang="en-US" dirty="0" err="1"/>
-              <a:t>voorwaartse</a:t>
+              <a:t>overgebleven</a:t>
             </a:r>
             <a:r>
               <a:rPr lang="en-US" dirty="0"/>
@@ -32048,8 +33567,15 @@
             </a:r>
             <a:r>
               <a:rPr lang="en-US" dirty="0" err="1"/>
-              <a:t>opties</a:t>
-            </a:r>
+              <a:t>richtingen</a:t>
+            </a:r>
+            <a:r>
+              <a:rPr lang="en-US" dirty="0"/>
+              <a:t> (N, E, S, W, U, D)</a:t>
+            </a:r>
+            <a:br>
+              <a:rPr lang="en-US" dirty="0"/>
+            </a:br>
             <a:br>
               <a:rPr lang="en-US" dirty="0"/>
             </a:br>
@@ -32097,7 +33623,7 @@
     </p:spTree>
     <p:extLst>
       <p:ext uri="{BB962C8B-B14F-4D97-AF65-F5344CB8AC3E}">
-        <p14:creationId xmlns:p14="http://schemas.microsoft.com/office/powerpoint/2010/main" val="591454676"/>
+        <p14:creationId xmlns:p14="http://schemas.microsoft.com/office/powerpoint/2010/main" val="1280344792"/>
       </p:ext>
     </p:extLst>
   </p:cSld>
@@ -32126,10 +33652,10 @@
       </p:grpSpPr>
       <p:pic>
         <p:nvPicPr>
-          <p:cNvPr id="5" name="Picture 4" descr="A picture containing light, traffic, wire, snow&#10;&#10;Description automatically generated">
+          <p:cNvPr id="9" name="Picture 8" descr="A picture containing traffic, light&#10;&#10;Description automatically generated">
             <a:extLst>
               <a:ext uri="{FF2B5EF4-FFF2-40B4-BE49-F238E27FC236}">
-                <a16:creationId xmlns:a16="http://schemas.microsoft.com/office/drawing/2014/main" id="{DF17E2A6-A4B0-45A7-81B2-76F5A5711793}"/>
+                <a16:creationId xmlns:a16="http://schemas.microsoft.com/office/drawing/2014/main" id="{7E71D9F0-0C28-483C-B67F-D1E9E2DEC092}"/>
               </a:ext>
             </a:extLst>
           </p:cNvPr>
@@ -32152,7 +33678,7 @@
         </p:blipFill>
         <p:spPr>
           <a:xfrm>
-            <a:off x="5519936" y="0"/>
+            <a:off x="5313163" y="0"/>
             <a:ext cx="6875189" cy="6858000"/>
           </a:xfrm>
           <a:prstGeom prst="rect">
@@ -32182,7 +33708,7 @@
           <a:p>
             <a:r>
               <a:rPr lang="nl-NL" dirty="0"/>
-              <a:t>Lower bound voorbeeld</a:t>
+              <a:t>State-space voorbeeld</a:t>
             </a:r>
             <a:endParaRPr lang="en-US" dirty="0"/>
           </a:p>
@@ -32200,13 +33726,13 @@
         </p:nvSpPr>
         <p:spPr>
           <a:xfrm>
-            <a:off x="-672752" y="1916832"/>
+            <a:off x="3648" y="1988840"/>
             <a:ext cx="8712968" cy="4249191"/>
           </a:xfrm>
         </p:spPr>
         <p:txBody>
           <a:bodyPr>
-            <a:normAutofit/>
+            <a:normAutofit lnSpcReduction="10000"/>
           </a:bodyPr>
           <a:lstStyle/>
           <a:p>
@@ -32216,16 +33742,19 @@
               </a:spcBef>
             </a:pPr>
             <a:r>
+              <a:rPr lang="en-US" dirty="0"/>
+              <a:t>K × n⁵</a:t>
+            </a:r>
+            <a:br>
+              <a:rPr lang="en-US" dirty="0"/>
+            </a:br>
+            <a:r>
+              <a:rPr lang="en-US" dirty="0"/>
+              <a:t>K = </a:t>
+            </a:r>
+            <a:r>
               <a:rPr lang="en-US" dirty="0" err="1"/>
-              <a:t>Kosten</a:t>
-            </a:r>
-            <a:r>
-              <a:rPr lang="en-US" dirty="0"/>
-              <a:t> van </a:t>
-            </a:r>
-            <a:r>
-              <a:rPr lang="en-US" dirty="0" err="1"/>
-              <a:t>kortste</a:t>
+              <a:t>aantal</a:t>
             </a:r>
             <a:r>
               <a:rPr lang="en-US" dirty="0"/>
@@ -32233,27 +33762,34 @@
             </a:r>
             <a:r>
               <a:rPr lang="en-US" dirty="0" err="1"/>
-              <a:t>afstand</a:t>
-            </a:r>
-            <a:r>
+              <a:t>verbindingen</a:t>
+            </a:r>
+            <a:br>
               <a:rPr lang="en-US" dirty="0"/>
-              <a:t> = abs(</a:t>
-            </a:r>
-            <a:r>
-              <a:rPr lang="el-GR" dirty="0"/>
-              <a:t>Δ</a:t>
-            </a:r>
-            <a:r>
-              <a:rPr lang="en-GB" dirty="0"/>
-              <a:t>x) + abs(</a:t>
-            </a:r>
-            <a:r>
-              <a:rPr lang="el-GR" dirty="0"/>
-              <a:t>Δ</a:t>
-            </a:r>
-            <a:r>
-              <a:rPr lang="en-GB" dirty="0"/>
-              <a:t>y)</a:t>
+            </a:br>
+            <a:r>
+              <a:rPr lang="en-US" dirty="0"/>
+              <a:t>n = </a:t>
+            </a:r>
+            <a:r>
+              <a:rPr lang="en-US" dirty="0" err="1"/>
+              <a:t>aantal</a:t>
+            </a:r>
+            <a:r>
+              <a:rPr lang="en-US" dirty="0"/>
+              <a:t> </a:t>
+            </a:r>
+            <a:r>
+              <a:rPr lang="en-US" dirty="0" err="1"/>
+              <a:t>mogelijke</a:t>
+            </a:r>
+            <a:r>
+              <a:rPr lang="en-US" dirty="0"/>
+              <a:t> </a:t>
+            </a:r>
+            <a:r>
+              <a:rPr lang="en-US" dirty="0" err="1"/>
+              <a:t>posities</a:t>
             </a:r>
             <a:br>
               <a:rPr lang="en-US" dirty="0"/>
@@ -32268,64 +33804,43 @@
             </a:pPr>
             <a:r>
               <a:rPr lang="en-US" dirty="0"/>
-              <a:t>Van (1, 5, 0) </a:t>
-            </a:r>
-            <a:r>
-              <a:rPr lang="en-US" dirty="0" err="1"/>
-              <a:t>naar</a:t>
-            </a:r>
-            <a:r>
-              <a:rPr lang="en-US" dirty="0"/>
-              <a:t> (6, 5, 0)</a:t>
+              <a:t>Chip 0; Netlist 1</a:t>
             </a:r>
             <a:br>
               <a:rPr lang="en-US" dirty="0"/>
             </a:br>
             <a:r>
-              <a:rPr lang="el-GR" dirty="0"/>
-              <a:t>Δ</a:t>
-            </a:r>
-            <a:r>
-              <a:rPr lang="en-GB" dirty="0"/>
-              <a:t>x = 5, </a:t>
-            </a:r>
-            <a:r>
-              <a:rPr lang="el-GR" dirty="0"/>
-              <a:t>Δ</a:t>
-            </a:r>
-            <a:r>
-              <a:rPr lang="en-GB" dirty="0"/>
-              <a:t>y = 0</a:t>
-            </a:r>
+              <a:rPr lang="en-US" dirty="0"/>
+              <a:t>K = 5,  n = (7 × 6 × 7) = 294</a:t>
+            </a:r>
+          </a:p>
+          <a:p>
+            <a:pPr lvl="2" indent="0">
+              <a:spcBef>
+                <a:spcPts val="0"/>
+              </a:spcBef>
+              <a:buNone/>
+            </a:pPr>
             <a:br>
               <a:rPr lang="en-US" dirty="0"/>
             </a:br>
-            <a:br>
+            <a:r>
               <a:rPr lang="en-US" dirty="0"/>
-            </a:br>
+              <a:t>    </a:t>
+            </a:r>
+            <a:r>
+              <a:rPr lang="en-US" dirty="0" err="1"/>
+              <a:t>Statespace</a:t>
+            </a:r>
             <a:r>
               <a:rPr lang="en-US" dirty="0"/>
-              <a:t>Lower Bound: 5 + 0  = 5</a:t>
-            </a:r>
-            <a:br>
-              <a:rPr lang="en-US" dirty="0"/>
-            </a:br>
-            <a:r>
-              <a:rPr lang="en-US" dirty="0" err="1"/>
-              <a:t>Voor</a:t>
-            </a:r>
-            <a:r>
-              <a:rPr lang="en-US" dirty="0"/>
-              <a:t> 1 </a:t>
-            </a:r>
-            <a:r>
-              <a:rPr lang="en-US" dirty="0" err="1"/>
-              <a:t>verbinding</a:t>
-            </a:r>
-            <a:r>
-              <a:rPr lang="en-US" dirty="0"/>
-              <a:t>.</a:t>
-            </a:r>
+              <a:t>: 5 × 294⁵  ≈ 2×10</a:t>
+            </a:r>
+            <a:r>
+              <a:rPr lang="en-US" baseline="30000" dirty="0"/>
+              <a:t>12</a:t>
+            </a:r>
+            <a:endParaRPr lang="en-US" dirty="0"/>
           </a:p>
           <a:p>
             <a:pPr marL="968375" lvl="2" indent="-342900">
@@ -32361,7 +33876,7 @@
     </p:spTree>
     <p:extLst>
       <p:ext uri="{BB962C8B-B14F-4D97-AF65-F5344CB8AC3E}">
-        <p14:creationId xmlns:p14="http://schemas.microsoft.com/office/powerpoint/2010/main" val="340383287"/>
+        <p14:creationId xmlns:p14="http://schemas.microsoft.com/office/powerpoint/2010/main" val="876689502"/>
       </p:ext>
     </p:extLst>
   </p:cSld>
@@ -33146,6 +34661,15 @@
 </file>
 
 <file path=customXml/item1.xml><?xml version="1.0" encoding="utf-8"?>
+<?mso-contentType ?>
+<FormTemplates xmlns="http://schemas.microsoft.com/sharepoint/v3/contenttype/forms">
+  <Display>DocumentLibraryForm</Display>
+  <Edit>DocumentLibraryForm</Edit>
+  <New>DocumentLibraryForm</New>
+</FormTemplates>
+</file>
+
+<file path=customXml/item2.xml><?xml version="1.0" encoding="utf-8"?>
 <ct:contentTypeSchema xmlns:ct="http://schemas.microsoft.com/office/2006/metadata/contentType" xmlns:ma="http://schemas.microsoft.com/office/2006/metadata/properties/metaAttributes" ct:_="" ma:_="" ma:contentTypeName="Document" ma:contentTypeID="0x0101000C1C7F1E87FA8848BBE681C5205F2FF7" ma:contentTypeVersion="" ma:contentTypeDescription="Create a new document." ma:contentTypeScope="" ma:versionID="addf0e1047a589fa898e4755259e0a04">
   <xsd:schema xmlns:xsd="http://www.w3.org/2001/XMLSchema" xmlns:xs="http://www.w3.org/2001/XMLSchema" xmlns:p="http://schemas.microsoft.com/office/2006/metadata/properties" xmlns:ns2="62260777-03a2-4acd-8b7f-b7cc27a56620" xmlns:ns3="f2760952-b3bb-408f-ace6-eb1e07642b86" targetNamespace="http://schemas.microsoft.com/office/2006/metadata/properties" ma:root="true" ma:fieldsID="2158c0218c8ddd7edc4a39cb947bbf17" ns2:_="" ns3:_="">
     <xsd:import namespace="62260777-03a2-4acd-8b7f-b7cc27a56620"/>
@@ -33304,15 +34828,6 @@
 </ct:contentTypeSchema>
 </file>
 
-<file path=customXml/item2.xml><?xml version="1.0" encoding="utf-8"?>
-<?mso-contentType ?>
-<FormTemplates xmlns="http://schemas.microsoft.com/sharepoint/v3/contenttype/forms">
-  <Display>DocumentLibraryForm</Display>
-  <Edit>DocumentLibraryForm</Edit>
-  <New>DocumentLibraryForm</New>
-</FormTemplates>
-</file>
-
 <file path=customXml/item3.xml><?xml version="1.0" encoding="utf-8"?>
 <p:properties xmlns:p="http://schemas.microsoft.com/office/2006/metadata/properties" xmlns:xsi="http://www.w3.org/2001/XMLSchema-instance" xmlns:pc="http://schemas.microsoft.com/office/infopath/2007/PartnerControls">
   <documentManagement/>
@@ -33320,6 +34835,14 @@
 </file>
 
 <file path=customXml/itemProps1.xml><?xml version="1.0" encoding="utf-8"?>
+<ds:datastoreItem xmlns:ds="http://schemas.openxmlformats.org/officeDocument/2006/customXml" ds:itemID="{E740B4EE-7306-4015-AD25-B4E5484321A5}">
+  <ds:schemaRefs>
+    <ds:schemaRef ds:uri="http://schemas.microsoft.com/sharepoint/v3/contenttype/forms"/>
+  </ds:schemaRefs>
+</ds:datastoreItem>
+</file>
+
+<file path=customXml/itemProps2.xml><?xml version="1.0" encoding="utf-8"?>
 <ds:datastoreItem xmlns:ds="http://schemas.openxmlformats.org/officeDocument/2006/customXml" ds:itemID="{FE9D1BFF-6A8C-408A-BEBC-52C6F512467D}">
   <ds:schemaRefs>
     <ds:schemaRef ds:uri="http://schemas.microsoft.com/office/2006/metadata/contentType"/>
@@ -33338,14 +34861,6 @@
 </ds:datastoreItem>
 </file>
 
-<file path=customXml/itemProps2.xml><?xml version="1.0" encoding="utf-8"?>
-<ds:datastoreItem xmlns:ds="http://schemas.openxmlformats.org/officeDocument/2006/customXml" ds:itemID="{E740B4EE-7306-4015-AD25-B4E5484321A5}">
-  <ds:schemaRefs>
-    <ds:schemaRef ds:uri="http://schemas.microsoft.com/sharepoint/v3/contenttype/forms"/>
-  </ds:schemaRefs>
-</ds:datastoreItem>
-</file>
-
 <file path=customXml/itemProps3.xml><?xml version="1.0" encoding="utf-8"?>
 <ds:datastoreItem xmlns:ds="http://schemas.openxmlformats.org/officeDocument/2006/customXml" ds:itemID="{69DA0326-C6F9-40A3-894F-6061EE46E132}">
   <ds:schemaRefs>

--- a/docs/Schutte_Eindhoven_vdLaan_C&C.pptx
+++ b/docs/Schutte_Eindhoven_vdLaan_C&C.pptx
@@ -27,8 +27,8 @@
     <p:sldId id="298" r:id="rId18"/>
     <p:sldId id="299" r:id="rId19"/>
     <p:sldId id="301" r:id="rId20"/>
-    <p:sldId id="287" r:id="rId21"/>
-    <p:sldId id="292" r:id="rId22"/>
+    <p:sldId id="292" r:id="rId21"/>
+    <p:sldId id="287" r:id="rId22"/>
     <p:sldId id="293" r:id="rId23"/>
     <p:sldId id="302" r:id="rId24"/>
     <p:sldId id="303" r:id="rId25"/>
@@ -176,7 +176,7 @@
 <file path=ppt/revisionInfo.xml><?xml version="1.0" encoding="utf-8"?>
 <p1510:revInfo xmlns:a="http://schemas.openxmlformats.org/drawingml/2006/main" xmlns:r="http://schemas.openxmlformats.org/officeDocument/2006/relationships" xmlns:p1510="http://schemas.microsoft.com/office/powerpoint/2015/10/main">
   <p1510:revLst>
-    <p1510:client id="{22EDE314-6265-41FD-A59F-8C453C0C7957}" v="1366" dt="2020-06-25T11:25:37.435"/>
+    <p1510:client id="{22EDE314-6265-41FD-A59F-8C453C0C7957}" v="1367" dt="2020-06-25T11:40:41.648"/>
   </p1510:revLst>
 </p1510:revInfo>
 </file>
@@ -2369,7 +2369,7 @@
   <pc:docChgLst>
     <pc:chgData name="Mik Schutte" userId="48b1a0973960fc96" providerId="LiveId" clId="{22EDE314-6265-41FD-A59F-8C453C0C7957}"/>
     <pc:docChg chg="undo custSel addSld delSld modSld sldOrd">
-      <pc:chgData name="Mik Schutte" userId="48b1a0973960fc96" providerId="LiveId" clId="{22EDE314-6265-41FD-A59F-8C453C0C7957}" dt="2020-06-25T11:37:50.587" v="5981" actId="20577"/>
+      <pc:chgData name="Mik Schutte" userId="48b1a0973960fc96" providerId="LiveId" clId="{22EDE314-6265-41FD-A59F-8C453C0C7957}" dt="2020-06-25T11:42:40.952" v="5992" actId="20577"/>
       <pc:docMkLst>
         <pc:docMk/>
       </pc:docMkLst>
@@ -2536,7 +2536,7 @@
         </pc:sldMkLst>
       </pc:sldChg>
       <pc:sldChg chg="delSp modSp delAnim">
-        <pc:chgData name="Mik Schutte" userId="48b1a0973960fc96" providerId="LiveId" clId="{22EDE314-6265-41FD-A59F-8C453C0C7957}" dt="2020-06-25T10:02:57.716" v="4499" actId="20577"/>
+        <pc:chgData name="Mik Schutte" userId="48b1a0973960fc96" providerId="LiveId" clId="{22EDE314-6265-41FD-A59F-8C453C0C7957}" dt="2020-06-25T11:42:40.952" v="5992" actId="20577"/>
         <pc:sldMkLst>
           <pc:docMk/>
           <pc:sldMk cId="1522339171" sldId="287"/>
@@ -2550,7 +2550,7 @@
           </ac:spMkLst>
         </pc:spChg>
         <pc:spChg chg="mod">
-          <ac:chgData name="Mik Schutte" userId="48b1a0973960fc96" providerId="LiveId" clId="{22EDE314-6265-41FD-A59F-8C453C0C7957}" dt="2020-06-25T10:02:57.716" v="4499" actId="20577"/>
+          <ac:chgData name="Mik Schutte" userId="48b1a0973960fc96" providerId="LiveId" clId="{22EDE314-6265-41FD-A59F-8C453C0C7957}" dt="2020-06-25T11:42:40.952" v="5992" actId="20577"/>
           <ac:spMkLst>
             <pc:docMk/>
             <pc:sldMk cId="1522339171" sldId="287"/>
@@ -2778,13 +2778,13 @@
         </pc:spChg>
       </pc:sldChg>
       <pc:sldChg chg="modSp add ord">
-        <pc:chgData name="Mik Schutte" userId="48b1a0973960fc96" providerId="LiveId" clId="{22EDE314-6265-41FD-A59F-8C453C0C7957}" dt="2020-06-24T12:23:53.597" v="2420"/>
+        <pc:chgData name="Mik Schutte" userId="48b1a0973960fc96" providerId="LiveId" clId="{22EDE314-6265-41FD-A59F-8C453C0C7957}" dt="2020-06-25T11:40:59.256" v="5984" actId="20577"/>
         <pc:sldMkLst>
           <pc:docMk/>
           <pc:sldMk cId="1913355219" sldId="292"/>
         </pc:sldMkLst>
         <pc:spChg chg="mod">
-          <ac:chgData name="Mik Schutte" userId="48b1a0973960fc96" providerId="LiveId" clId="{22EDE314-6265-41FD-A59F-8C453C0C7957}" dt="2020-06-19T10:21:40.475" v="1067" actId="20577"/>
+          <ac:chgData name="Mik Schutte" userId="48b1a0973960fc96" providerId="LiveId" clId="{22EDE314-6265-41FD-A59F-8C453C0C7957}" dt="2020-06-25T11:40:59.256" v="5984" actId="20577"/>
           <ac:spMkLst>
             <pc:docMk/>
             <pc:sldMk cId="1913355219" sldId="292"/>
@@ -4247,7 +4247,7 @@
           <a:lstStyle/>
           <a:p>
             <a:r>
-              <a:rPr lang="en-GB"/>
+              <a:rPr lang="en-GB" dirty="0"/>
               <a:t>Manhattan</a:t>
             </a:r>
           </a:p>
@@ -26513,7 +26513,7 @@
           <a:p>
             <a:r>
               <a:rPr lang="nl-NL" dirty="0"/>
-              <a:t>Methode</a:t>
+              <a:t>Heuristiek</a:t>
             </a:r>
             <a:endParaRPr lang="en-US" dirty="0"/>
           </a:p>
@@ -26534,11 +26534,202 @@
           <a:bodyPr/>
           <a:lstStyle/>
           <a:p>
+            <a:pPr lvl="2" indent="0">
+              <a:spcBef>
+                <a:spcPts val="0"/>
+              </a:spcBef>
+              <a:buNone/>
+            </a:pPr>
+            <a:r>
+              <a:rPr lang="en-US" dirty="0"/>
+              <a:t>Leg </a:t>
+            </a:r>
+            <a:r>
+              <a:rPr lang="en-US" dirty="0" err="1"/>
+              <a:t>een</a:t>
+            </a:r>
+            <a:r>
+              <a:rPr lang="en-US" dirty="0"/>
+              <a:t> zo </a:t>
+            </a:r>
+            <a:r>
+              <a:rPr lang="en-US" dirty="0" err="1"/>
+              <a:t>kort</a:t>
+            </a:r>
+            <a:r>
+              <a:rPr lang="en-US" dirty="0"/>
+              <a:t> </a:t>
+            </a:r>
+            <a:r>
+              <a:rPr lang="en-US" dirty="0" err="1"/>
+              <a:t>mogelijk</a:t>
+            </a:r>
+            <a:r>
+              <a:rPr lang="en-US" dirty="0"/>
+              <a:t> pad </a:t>
+            </a:r>
+            <a:r>
+              <a:rPr lang="en-US" dirty="0" err="1"/>
+              <a:t>tussen</a:t>
+            </a:r>
+            <a:r>
+              <a:rPr lang="en-US" dirty="0"/>
+              <a:t> twee gates.</a:t>
+            </a:r>
+          </a:p>
+          <a:p>
             <a:pPr marL="968375" lvl="2" indent="-342900">
               <a:spcBef>
                 <a:spcPts val="0"/>
               </a:spcBef>
             </a:pPr>
+            <a:endParaRPr lang="en-US" dirty="0"/>
+          </a:p>
+          <a:p>
+            <a:pPr lvl="2" indent="0">
+              <a:spcBef>
+                <a:spcPts val="0"/>
+              </a:spcBef>
+              <a:buNone/>
+            </a:pPr>
+            <a:r>
+              <a:rPr lang="en-US" dirty="0"/>
+              <a:t>A* tuning door:</a:t>
+            </a:r>
+          </a:p>
+          <a:p>
+            <a:pPr marL="968375" lvl="2" indent="-342900">
+              <a:spcBef>
+                <a:spcPts val="0"/>
+              </a:spcBef>
+            </a:pPr>
+            <a:r>
+              <a:rPr lang="en-US" dirty="0"/>
+              <a:t>Scary Gates</a:t>
+            </a:r>
+          </a:p>
+          <a:p>
+            <a:pPr marL="968375" lvl="2" indent="-342900">
+              <a:spcBef>
+                <a:spcPts val="0"/>
+              </a:spcBef>
+            </a:pPr>
+            <a:r>
+              <a:rPr lang="en-US" dirty="0"/>
+              <a:t>Skyscraper</a:t>
+            </a:r>
+          </a:p>
+        </p:txBody>
+      </p:sp>
+      <p:pic>
+        <p:nvPicPr>
+          <p:cNvPr id="12" name="Picture Placeholder 11" descr="A picture containing man, standing&#10;&#10;Description automatically generated">
+            <a:extLst>
+              <a:ext uri="{FF2B5EF4-FFF2-40B4-BE49-F238E27FC236}">
+                <a16:creationId xmlns:a16="http://schemas.microsoft.com/office/drawing/2014/main" id="{976EB4B2-36FD-4549-9552-1027465645E6}"/>
+              </a:ext>
+            </a:extLst>
+          </p:cNvPr>
+          <p:cNvPicPr>
+            <a:picLocks noGrp="1" noChangeAspect="1"/>
+          </p:cNvPicPr>
+          <p:nvPr>
+            <p:ph type="pic" sz="quarter" idx="13"/>
+          </p:nvPr>
+        </p:nvPicPr>
+        <p:blipFill>
+          <a:blip r:embed="rId2">
+            <a:extLst>
+              <a:ext uri="{28A0092B-C50C-407E-A947-70E740481C1C}">
+                <a14:useLocalDpi xmlns:a14="http://schemas.microsoft.com/office/drawing/2010/main" val="0"/>
+              </a:ext>
+            </a:extLst>
+          </a:blip>
+          <a:srcRect l="15476" r="15476"/>
+          <a:stretch>
+            <a:fillRect/>
+          </a:stretch>
+        </p:blipFill>
+        <p:spPr/>
+      </p:pic>
+    </p:spTree>
+    <p:extLst>
+      <p:ext uri="{BB962C8B-B14F-4D97-AF65-F5344CB8AC3E}">
+        <p14:creationId xmlns:p14="http://schemas.microsoft.com/office/powerpoint/2010/main" val="1913355219"/>
+      </p:ext>
+    </p:extLst>
+  </p:cSld>
+  <p:clrMapOvr>
+    <a:masterClrMapping/>
+  </p:clrMapOvr>
+</p:sld>
+</file>
+
+<file path=ppt/slides/slide18.xml><?xml version="1.0" encoding="utf-8"?>
+<p:sld xmlns:a="http://schemas.openxmlformats.org/drawingml/2006/main" xmlns:r="http://schemas.openxmlformats.org/officeDocument/2006/relationships" xmlns:p="http://schemas.openxmlformats.org/presentationml/2006/main">
+  <p:cSld>
+    <p:spTree>
+      <p:nvGrpSpPr>
+        <p:cNvPr id="1" name=""/>
+        <p:cNvGrpSpPr/>
+        <p:nvPr/>
+      </p:nvGrpSpPr>
+      <p:grpSpPr>
+        <a:xfrm>
+          <a:off x="0" y="0"/>
+          <a:ext cx="0" cy="0"/>
+          <a:chOff x="0" y="0"/>
+          <a:chExt cx="0" cy="0"/>
+        </a:xfrm>
+      </p:grpSpPr>
+      <p:sp>
+        <p:nvSpPr>
+          <p:cNvPr id="3" name="Title 2"/>
+          <p:cNvSpPr>
+            <a:spLocks noGrp="1"/>
+          </p:cNvSpPr>
+          <p:nvPr>
+            <p:ph type="title"/>
+          </p:nvPr>
+        </p:nvSpPr>
+        <p:spPr>
+          <a:xfrm>
+            <a:off x="489600" y="1052736"/>
+            <a:ext cx="7992887" cy="790567"/>
+          </a:xfrm>
+        </p:spPr>
+        <p:txBody>
+          <a:bodyPr/>
+          <a:lstStyle/>
+          <a:p>
+            <a:r>
+              <a:rPr lang="nl-NL" dirty="0"/>
+              <a:t>Methode</a:t>
+            </a:r>
+            <a:endParaRPr lang="en-US" dirty="0"/>
+          </a:p>
+        </p:txBody>
+      </p:sp>
+      <p:sp>
+        <p:nvSpPr>
+          <p:cNvPr id="4" name="Text Placeholder 3"/>
+          <p:cNvSpPr>
+            <a:spLocks noGrp="1"/>
+          </p:cNvSpPr>
+          <p:nvPr>
+            <p:ph type="body" sz="quarter" idx="14"/>
+          </p:nvPr>
+        </p:nvSpPr>
+        <p:spPr/>
+        <p:txBody>
+          <a:bodyPr/>
+          <a:lstStyle/>
+          <a:p>
+            <a:pPr marL="968375" lvl="2" indent="-342900">
+              <a:spcBef>
+                <a:spcPts val="0"/>
+              </a:spcBef>
+            </a:pPr>
             <a:r>
               <a:rPr lang="en-US" dirty="0" err="1"/>
               <a:t>Stap</a:t>
@@ -26594,9 +26785,10 @@
               <a:t>paden</a:t>
             </a:r>
             <a:r>
-              <a:rPr lang="en-US" dirty="0"/>
-              <a:t>.</a:t>
-            </a:r>
+              <a:rPr lang="en-US"/>
+              <a:t>*</a:t>
+            </a:r>
+            <a:endParaRPr lang="en-US" dirty="0"/>
           </a:p>
           <a:p>
             <a:pPr lvl="2" indent="0">
@@ -26707,197 +26899,6 @@
     <p:extLst>
       <p:ext uri="{BB962C8B-B14F-4D97-AF65-F5344CB8AC3E}">
         <p14:creationId xmlns:p14="http://schemas.microsoft.com/office/powerpoint/2010/main" val="1522339171"/>
-      </p:ext>
-    </p:extLst>
-  </p:cSld>
-  <p:clrMapOvr>
-    <a:masterClrMapping/>
-  </p:clrMapOvr>
-</p:sld>
-</file>
-
-<file path=ppt/slides/slide18.xml><?xml version="1.0" encoding="utf-8"?>
-<p:sld xmlns:a="http://schemas.openxmlformats.org/drawingml/2006/main" xmlns:r="http://schemas.openxmlformats.org/officeDocument/2006/relationships" xmlns:p="http://schemas.openxmlformats.org/presentationml/2006/main">
-  <p:cSld>
-    <p:spTree>
-      <p:nvGrpSpPr>
-        <p:cNvPr id="1" name=""/>
-        <p:cNvGrpSpPr/>
-        <p:nvPr/>
-      </p:nvGrpSpPr>
-      <p:grpSpPr>
-        <a:xfrm>
-          <a:off x="0" y="0"/>
-          <a:ext cx="0" cy="0"/>
-          <a:chOff x="0" y="0"/>
-          <a:chExt cx="0" cy="0"/>
-        </a:xfrm>
-      </p:grpSpPr>
-      <p:sp>
-        <p:nvSpPr>
-          <p:cNvPr id="3" name="Title 2"/>
-          <p:cNvSpPr>
-            <a:spLocks noGrp="1"/>
-          </p:cNvSpPr>
-          <p:nvPr>
-            <p:ph type="title"/>
-          </p:nvPr>
-        </p:nvSpPr>
-        <p:spPr>
-          <a:xfrm>
-            <a:off x="489600" y="1052736"/>
-            <a:ext cx="7992887" cy="790567"/>
-          </a:xfrm>
-        </p:spPr>
-        <p:txBody>
-          <a:bodyPr/>
-          <a:lstStyle/>
-          <a:p>
-            <a:r>
-              <a:rPr lang="nl-NL" dirty="0"/>
-              <a:t>Heuristiek: Laag niveau</a:t>
-            </a:r>
-            <a:endParaRPr lang="en-US" dirty="0"/>
-          </a:p>
-        </p:txBody>
-      </p:sp>
-      <p:sp>
-        <p:nvSpPr>
-          <p:cNvPr id="4" name="Text Placeholder 3"/>
-          <p:cNvSpPr>
-            <a:spLocks noGrp="1"/>
-          </p:cNvSpPr>
-          <p:nvPr>
-            <p:ph type="body" sz="quarter" idx="14"/>
-          </p:nvPr>
-        </p:nvSpPr>
-        <p:spPr/>
-        <p:txBody>
-          <a:bodyPr/>
-          <a:lstStyle/>
-          <a:p>
-            <a:pPr lvl="2" indent="0">
-              <a:spcBef>
-                <a:spcPts val="0"/>
-              </a:spcBef>
-              <a:buNone/>
-            </a:pPr>
-            <a:r>
-              <a:rPr lang="en-US" dirty="0"/>
-              <a:t>Leg </a:t>
-            </a:r>
-            <a:r>
-              <a:rPr lang="en-US" dirty="0" err="1"/>
-              <a:t>een</a:t>
-            </a:r>
-            <a:r>
-              <a:rPr lang="en-US" dirty="0"/>
-              <a:t> zo </a:t>
-            </a:r>
-            <a:r>
-              <a:rPr lang="en-US" dirty="0" err="1"/>
-              <a:t>kort</a:t>
-            </a:r>
-            <a:r>
-              <a:rPr lang="en-US" dirty="0"/>
-              <a:t> </a:t>
-            </a:r>
-            <a:r>
-              <a:rPr lang="en-US" dirty="0" err="1"/>
-              <a:t>mogelijk</a:t>
-            </a:r>
-            <a:r>
-              <a:rPr lang="en-US" dirty="0"/>
-              <a:t> pad </a:t>
-            </a:r>
-            <a:r>
-              <a:rPr lang="en-US" dirty="0" err="1"/>
-              <a:t>tussen</a:t>
-            </a:r>
-            <a:r>
-              <a:rPr lang="en-US" dirty="0"/>
-              <a:t> twee gates.</a:t>
-            </a:r>
-          </a:p>
-          <a:p>
-            <a:pPr marL="968375" lvl="2" indent="-342900">
-              <a:spcBef>
-                <a:spcPts val="0"/>
-              </a:spcBef>
-            </a:pPr>
-            <a:endParaRPr lang="en-US" dirty="0"/>
-          </a:p>
-          <a:p>
-            <a:pPr lvl="2" indent="0">
-              <a:spcBef>
-                <a:spcPts val="0"/>
-              </a:spcBef>
-              <a:buNone/>
-            </a:pPr>
-            <a:r>
-              <a:rPr lang="en-US" dirty="0"/>
-              <a:t>A* tuning door:</a:t>
-            </a:r>
-          </a:p>
-          <a:p>
-            <a:pPr marL="968375" lvl="2" indent="-342900">
-              <a:spcBef>
-                <a:spcPts val="0"/>
-              </a:spcBef>
-            </a:pPr>
-            <a:r>
-              <a:rPr lang="en-US" dirty="0"/>
-              <a:t>Scary Gates</a:t>
-            </a:r>
-          </a:p>
-          <a:p>
-            <a:pPr marL="968375" lvl="2" indent="-342900">
-              <a:spcBef>
-                <a:spcPts val="0"/>
-              </a:spcBef>
-            </a:pPr>
-            <a:r>
-              <a:rPr lang="en-US" dirty="0"/>
-              <a:t>Skyscraper</a:t>
-            </a:r>
-          </a:p>
-        </p:txBody>
-      </p:sp>
-      <p:pic>
-        <p:nvPicPr>
-          <p:cNvPr id="12" name="Picture Placeholder 11" descr="A picture containing man, standing&#10;&#10;Description automatically generated">
-            <a:extLst>
-              <a:ext uri="{FF2B5EF4-FFF2-40B4-BE49-F238E27FC236}">
-                <a16:creationId xmlns:a16="http://schemas.microsoft.com/office/drawing/2014/main" id="{976EB4B2-36FD-4549-9552-1027465645E6}"/>
-              </a:ext>
-            </a:extLst>
-          </p:cNvPr>
-          <p:cNvPicPr>
-            <a:picLocks noGrp="1" noChangeAspect="1"/>
-          </p:cNvPicPr>
-          <p:nvPr>
-            <p:ph type="pic" sz="quarter" idx="13"/>
-          </p:nvPr>
-        </p:nvPicPr>
-        <p:blipFill>
-          <a:blip r:embed="rId2">
-            <a:extLst>
-              <a:ext uri="{28A0092B-C50C-407E-A947-70E740481C1C}">
-                <a14:useLocalDpi xmlns:a14="http://schemas.microsoft.com/office/drawing/2010/main" val="0"/>
-              </a:ext>
-            </a:extLst>
-          </a:blip>
-          <a:srcRect l="15476" r="15476"/>
-          <a:stretch>
-            <a:fillRect/>
-          </a:stretch>
-        </p:blipFill>
-        <p:spPr/>
-      </p:pic>
-    </p:spTree>
-    <p:extLst>
-      <p:ext uri="{BB962C8B-B14F-4D97-AF65-F5344CB8AC3E}">
-        <p14:creationId xmlns:p14="http://schemas.microsoft.com/office/powerpoint/2010/main" val="1913355219"/>
       </p:ext>
     </p:extLst>
   </p:cSld>
